--- a/Joe_Shiny_28April2021.pptx
+++ b/Joe_Shiny_28April2021.pptx
@@ -18,6 +18,17 @@
     <p:sldId id="295" r:id="rId12"/>
     <p:sldId id="296" r:id="rId13"/>
     <p:sldId id="287" r:id="rId14"/>
+    <p:sldId id="301" r:id="rId15"/>
+    <p:sldId id="302" r:id="rId16"/>
+    <p:sldId id="303" r:id="rId17"/>
+    <p:sldId id="304" r:id="rId18"/>
+    <p:sldId id="305" r:id="rId19"/>
+    <p:sldId id="306" r:id="rId20"/>
+    <p:sldId id="307" r:id="rId21"/>
+    <p:sldId id="308" r:id="rId22"/>
+    <p:sldId id="309" r:id="rId23"/>
+    <p:sldId id="310" r:id="rId24"/>
+    <p:sldId id="311" r:id="rId25"/>
   </p:sldIdLst>
   <p:sldSz cx="12192000" cy="6858000"/>
   <p:notesSz cx="6858000" cy="9144000"/>
@@ -255,7 +266,7 @@
           <a:p>
             <a:fld id="{440737ED-9D02-4E1E-B33F-9AD503F96AFC}" type="datetimeFigureOut">
               <a:rPr lang="en-US" smtClean="0"/>
-              <a:t>4/28/2021</a:t>
+              <a:t>5/6/2021</a:t>
             </a:fld>
             <a:endParaRPr lang="en-US"/>
           </a:p>
@@ -425,7 +436,7 @@
           <a:p>
             <a:fld id="{440737ED-9D02-4E1E-B33F-9AD503F96AFC}" type="datetimeFigureOut">
               <a:rPr lang="en-US" smtClean="0"/>
-              <a:t>4/28/2021</a:t>
+              <a:t>5/6/2021</a:t>
             </a:fld>
             <a:endParaRPr lang="en-US"/>
           </a:p>
@@ -605,7 +616,7 @@
           <a:p>
             <a:fld id="{440737ED-9D02-4E1E-B33F-9AD503F96AFC}" type="datetimeFigureOut">
               <a:rPr lang="en-US" smtClean="0"/>
-              <a:t>4/28/2021</a:t>
+              <a:t>5/6/2021</a:t>
             </a:fld>
             <a:endParaRPr lang="en-US"/>
           </a:p>
@@ -775,7 +786,7 @@
           <a:p>
             <a:fld id="{440737ED-9D02-4E1E-B33F-9AD503F96AFC}" type="datetimeFigureOut">
               <a:rPr lang="en-US" smtClean="0"/>
-              <a:t>4/28/2021</a:t>
+              <a:t>5/6/2021</a:t>
             </a:fld>
             <a:endParaRPr lang="en-US"/>
           </a:p>
@@ -1021,7 +1032,7 @@
           <a:p>
             <a:fld id="{440737ED-9D02-4E1E-B33F-9AD503F96AFC}" type="datetimeFigureOut">
               <a:rPr lang="en-US" smtClean="0"/>
-              <a:t>4/28/2021</a:t>
+              <a:t>5/6/2021</a:t>
             </a:fld>
             <a:endParaRPr lang="en-US"/>
           </a:p>
@@ -1253,7 +1264,7 @@
           <a:p>
             <a:fld id="{440737ED-9D02-4E1E-B33F-9AD503F96AFC}" type="datetimeFigureOut">
               <a:rPr lang="en-US" smtClean="0"/>
-              <a:t>4/28/2021</a:t>
+              <a:t>5/6/2021</a:t>
             </a:fld>
             <a:endParaRPr lang="en-US"/>
           </a:p>
@@ -1620,7 +1631,7 @@
           <a:p>
             <a:fld id="{440737ED-9D02-4E1E-B33F-9AD503F96AFC}" type="datetimeFigureOut">
               <a:rPr lang="en-US" smtClean="0"/>
-              <a:t>4/28/2021</a:t>
+              <a:t>5/6/2021</a:t>
             </a:fld>
             <a:endParaRPr lang="en-US"/>
           </a:p>
@@ -1738,7 +1749,7 @@
           <a:p>
             <a:fld id="{440737ED-9D02-4E1E-B33F-9AD503F96AFC}" type="datetimeFigureOut">
               <a:rPr lang="en-US" smtClean="0"/>
-              <a:t>4/28/2021</a:t>
+              <a:t>5/6/2021</a:t>
             </a:fld>
             <a:endParaRPr lang="en-US"/>
           </a:p>
@@ -1833,7 +1844,7 @@
           <a:p>
             <a:fld id="{440737ED-9D02-4E1E-B33F-9AD503F96AFC}" type="datetimeFigureOut">
               <a:rPr lang="en-US" smtClean="0"/>
-              <a:t>4/28/2021</a:t>
+              <a:t>5/6/2021</a:t>
             </a:fld>
             <a:endParaRPr lang="en-US"/>
           </a:p>
@@ -2110,7 +2121,7 @@
           <a:p>
             <a:fld id="{440737ED-9D02-4E1E-B33F-9AD503F96AFC}" type="datetimeFigureOut">
               <a:rPr lang="en-US" smtClean="0"/>
-              <a:t>4/28/2021</a:t>
+              <a:t>5/6/2021</a:t>
             </a:fld>
             <a:endParaRPr lang="en-US"/>
           </a:p>
@@ -2363,7 +2374,7 @@
           <a:p>
             <a:fld id="{440737ED-9D02-4E1E-B33F-9AD503F96AFC}" type="datetimeFigureOut">
               <a:rPr lang="en-US" smtClean="0"/>
-              <a:t>4/28/2021</a:t>
+              <a:t>5/6/2021</a:t>
             </a:fld>
             <a:endParaRPr lang="en-US"/>
           </a:p>
@@ -2576,7 +2587,7 @@
           <a:p>
             <a:fld id="{440737ED-9D02-4E1E-B33F-9AD503F96AFC}" type="datetimeFigureOut">
               <a:rPr lang="en-US" smtClean="0"/>
-              <a:t>4/28/2021</a:t>
+              <a:t>5/6/2021</a:t>
             </a:fld>
             <a:endParaRPr lang="en-US"/>
           </a:p>
@@ -3087,15 +3098,7 @@
                   <a:schemeClr val="bg1"/>
                 </a:solidFill>
               </a:rPr>
-              <a:t>Joe </a:t>
-            </a:r>
-            <a:r>
-              <a:rPr lang="en-US" sz="3600" b="1" dirty="0" smtClean="0">
-                <a:solidFill>
-                  <a:schemeClr val="bg1"/>
-                </a:solidFill>
-              </a:rPr>
-              <a:t>Model Overview</a:t>
+              <a:t>Joe Model Overview</a:t>
             </a:r>
           </a:p>
           <a:p>
@@ -5396,11 +5399,7 @@
           <a:p>
             <a:r>
               <a:rPr lang="en-CA" sz="2800" b="1" dirty="0" smtClean="0"/>
-              <a:t>Model </a:t>
-            </a:r>
-            <a:r>
-              <a:rPr lang="en-CA" sz="2800" b="1" dirty="0" smtClean="0"/>
-              <a:t>workflow:</a:t>
+              <a:t>Model workflow:</a:t>
             </a:r>
             <a:endParaRPr lang="en-CA" sz="2800" b="1" dirty="0"/>
           </a:p>
@@ -5562,13 +5561,8 @@
             </a:r>
             <a:r>
               <a:rPr lang="en-CA" sz="1600" b="1" dirty="0" smtClean="0"/>
-              <a:t>ingle </a:t>
-            </a:r>
-            <a:r>
-              <a:rPr lang="en-CA" sz="1600" b="1" dirty="0" smtClean="0"/>
-              <a:t>scenario with basic graphics</a:t>
-            </a:r>
-            <a:endParaRPr lang="en-CA" sz="1600" b="1" dirty="0" smtClean="0"/>
+              <a:t>ingle scenario with basic graphics</a:t>
+            </a:r>
           </a:p>
           <a:p>
             <a:pPr marL="342900" indent="-342900">
@@ -6262,6 +6256,2889 @@
 </p:sld>
 </file>
 
+<file path=ppt/slides/slide14.xml><?xml version="1.0" encoding="utf-8"?>
+<p:sld xmlns:a="http://schemas.openxmlformats.org/drawingml/2006/main" xmlns:r="http://schemas.openxmlformats.org/officeDocument/2006/relationships" xmlns:p="http://schemas.openxmlformats.org/presentationml/2006/main">
+  <p:cSld>
+    <p:spTree>
+      <p:nvGrpSpPr>
+        <p:cNvPr id="1" name=""/>
+        <p:cNvGrpSpPr/>
+        <p:nvPr/>
+      </p:nvGrpSpPr>
+      <p:grpSpPr>
+        <a:xfrm>
+          <a:off x="0" y="0"/>
+          <a:ext cx="0" cy="0"/>
+          <a:chOff x="0" y="0"/>
+          <a:chExt cx="0" cy="0"/>
+        </a:xfrm>
+      </p:grpSpPr>
+      <p:sp>
+        <p:nvSpPr>
+          <p:cNvPr id="4" name="TextBox 3"/>
+          <p:cNvSpPr txBox="1"/>
+          <p:nvPr/>
+        </p:nvSpPr>
+        <p:spPr>
+          <a:xfrm>
+            <a:off x="198932" y="162124"/>
+            <a:ext cx="8983613" cy="1200329"/>
+          </a:xfrm>
+          <a:prstGeom prst="rect">
+            <a:avLst/>
+          </a:prstGeom>
+          <a:noFill/>
+        </p:spPr>
+        <p:txBody>
+          <a:bodyPr wrap="none" rtlCol="0">
+            <a:spAutoFit/>
+          </a:bodyPr>
+          <a:lstStyle/>
+          <a:p>
+            <a:r>
+              <a:rPr lang="en-US" sz="3600" b="1" dirty="0"/>
+              <a:t>Alberta Cumulative Effects </a:t>
+            </a:r>
+            <a:r>
+              <a:rPr lang="en-US" sz="3600" b="1" dirty="0" smtClean="0"/>
+              <a:t>Model </a:t>
+            </a:r>
+            <a:r>
+              <a:rPr lang="en-US" sz="3600" b="1" dirty="0"/>
+              <a:t>(Joe Model)</a:t>
+            </a:r>
+          </a:p>
+          <a:p>
+            <a:endParaRPr lang="en-CA" sz="3600" b="1" dirty="0"/>
+          </a:p>
+        </p:txBody>
+      </p:sp>
+      <p:sp>
+        <p:nvSpPr>
+          <p:cNvPr id="8" name="TextBox 7"/>
+          <p:cNvSpPr txBox="1"/>
+          <p:nvPr/>
+        </p:nvSpPr>
+        <p:spPr>
+          <a:xfrm>
+            <a:off x="198932" y="460829"/>
+            <a:ext cx="11393713" cy="954107"/>
+          </a:xfrm>
+          <a:prstGeom prst="rect">
+            <a:avLst/>
+          </a:prstGeom>
+          <a:noFill/>
+        </p:spPr>
+        <p:txBody>
+          <a:bodyPr wrap="square" rtlCol="0">
+            <a:spAutoFit/>
+          </a:bodyPr>
+          <a:lstStyle/>
+          <a:p>
+            <a:endParaRPr lang="en-US" sz="2800" b="1" dirty="0"/>
+          </a:p>
+          <a:p>
+            <a:r>
+              <a:rPr lang="en-CA" sz="2800" b="1" dirty="0" smtClean="0"/>
+              <a:t>Model workflow:</a:t>
+            </a:r>
+            <a:endParaRPr lang="en-CA" sz="2800" b="1" dirty="0"/>
+          </a:p>
+        </p:txBody>
+      </p:sp>
+      <p:sp>
+        <p:nvSpPr>
+          <p:cNvPr id="12" name="Can 11"/>
+          <p:cNvSpPr/>
+          <p:nvPr/>
+        </p:nvSpPr>
+        <p:spPr>
+          <a:xfrm>
+            <a:off x="8030250" y="1215232"/>
+            <a:ext cx="1285875" cy="1628775"/>
+          </a:xfrm>
+          <a:prstGeom prst="can">
+            <a:avLst/>
+          </a:prstGeom>
+          <a:solidFill>
+            <a:srgbClr val="FFC000"/>
+          </a:solidFill>
+        </p:spPr>
+        <p:style>
+          <a:lnRef idx="2">
+            <a:schemeClr val="accent1">
+              <a:shade val="50000"/>
+            </a:schemeClr>
+          </a:lnRef>
+          <a:fillRef idx="1">
+            <a:schemeClr val="accent1"/>
+          </a:fillRef>
+          <a:effectRef idx="0">
+            <a:schemeClr val="accent1"/>
+          </a:effectRef>
+          <a:fontRef idx="minor">
+            <a:schemeClr val="lt1"/>
+          </a:fontRef>
+        </p:style>
+        <p:txBody>
+          <a:bodyPr rtlCol="0" anchor="ctr"/>
+          <a:lstStyle/>
+          <a:p>
+            <a:pPr algn="ctr"/>
+            <a:r>
+              <a:rPr lang="en-CA" b="1" dirty="0" smtClean="0"/>
+              <a:t>Spatial Polygons -  </a:t>
+            </a:r>
+            <a:r>
+              <a:rPr lang="en-CA" b="1" dirty="0" err="1" smtClean="0"/>
+              <a:t>Shapefile</a:t>
+            </a:r>
+            <a:endParaRPr lang="en-US" b="1" dirty="0"/>
+          </a:p>
+        </p:txBody>
+      </p:sp>
+      <p:sp>
+        <p:nvSpPr>
+          <p:cNvPr id="13" name="Right Arrow 12"/>
+          <p:cNvSpPr/>
+          <p:nvPr/>
+        </p:nvSpPr>
+        <p:spPr>
+          <a:xfrm rot="8622654">
+            <a:off x="7344789" y="2849043"/>
+            <a:ext cx="728663" cy="742950"/>
+          </a:xfrm>
+          <a:prstGeom prst="rightArrow">
+            <a:avLst/>
+          </a:prstGeom>
+          <a:solidFill>
+            <a:schemeClr val="tx1"/>
+          </a:solidFill>
+        </p:spPr>
+        <p:style>
+          <a:lnRef idx="2">
+            <a:schemeClr val="accent1">
+              <a:shade val="50000"/>
+            </a:schemeClr>
+          </a:lnRef>
+          <a:fillRef idx="1">
+            <a:schemeClr val="accent1"/>
+          </a:fillRef>
+          <a:effectRef idx="0">
+            <a:schemeClr val="accent1"/>
+          </a:effectRef>
+          <a:fontRef idx="minor">
+            <a:schemeClr val="lt1"/>
+          </a:fontRef>
+        </p:style>
+        <p:txBody>
+          <a:bodyPr rtlCol="0" anchor="ctr"/>
+          <a:lstStyle/>
+          <a:p>
+            <a:pPr algn="ctr"/>
+            <a:endParaRPr lang="en-US"/>
+          </a:p>
+        </p:txBody>
+      </p:sp>
+      <p:sp>
+        <p:nvSpPr>
+          <p:cNvPr id="6" name="TextBox 5"/>
+          <p:cNvSpPr txBox="1"/>
+          <p:nvPr/>
+        </p:nvSpPr>
+        <p:spPr>
+          <a:xfrm>
+            <a:off x="5700887" y="3473966"/>
+            <a:ext cx="1688283" cy="523220"/>
+          </a:xfrm>
+          <a:prstGeom prst="rect">
+            <a:avLst/>
+          </a:prstGeom>
+          <a:noFill/>
+        </p:spPr>
+        <p:txBody>
+          <a:bodyPr wrap="none" rtlCol="0">
+            <a:spAutoFit/>
+          </a:bodyPr>
+          <a:lstStyle/>
+          <a:p>
+            <a:r>
+              <a:rPr lang="en-CA" sz="2800" b="1" dirty="0" err="1" smtClean="0">
+                <a:latin typeface="Courier New" panose="02070309020205020404" pitchFamily="49" charset="0"/>
+                <a:cs typeface="Courier New" panose="02070309020205020404" pitchFamily="49" charset="0"/>
+              </a:rPr>
+              <a:t>HUC.Map</a:t>
+            </a:r>
+            <a:endParaRPr lang="en-US" sz="2800" b="1" dirty="0">
+              <a:latin typeface="Courier New" panose="02070309020205020404" pitchFamily="49" charset="0"/>
+              <a:cs typeface="Courier New" panose="02070309020205020404" pitchFamily="49" charset="0"/>
+            </a:endParaRPr>
+          </a:p>
+        </p:txBody>
+      </p:sp>
+      <p:sp>
+        <p:nvSpPr>
+          <p:cNvPr id="14" name="TextBox 13"/>
+          <p:cNvSpPr txBox="1"/>
+          <p:nvPr/>
+        </p:nvSpPr>
+        <p:spPr>
+          <a:xfrm>
+            <a:off x="5238206" y="4533705"/>
+            <a:ext cx="6220369" cy="1200329"/>
+          </a:xfrm>
+          <a:prstGeom prst="rect">
+            <a:avLst/>
+          </a:prstGeom>
+          <a:noFill/>
+        </p:spPr>
+        <p:txBody>
+          <a:bodyPr wrap="square" rtlCol="0">
+            <a:spAutoFit/>
+          </a:bodyPr>
+          <a:lstStyle/>
+          <a:p>
+            <a:pPr marL="285750" indent="-285750">
+              <a:buFont typeface="Arial" panose="020B0604020202020204" pitchFamily="34" charset="0"/>
+              <a:buChar char="•"/>
+            </a:pPr>
+            <a:r>
+              <a:rPr lang="en-CA" b="1" dirty="0" err="1" smtClean="0">
+                <a:latin typeface="Courier New" panose="02070309020205020404" pitchFamily="49" charset="0"/>
+                <a:cs typeface="Courier New" panose="02070309020205020404" pitchFamily="49" charset="0"/>
+                <a:hlinkClick r:id="rId2"/>
+              </a:rPr>
+              <a:t>HUC.MAP@data</a:t>
+            </a:r>
+            <a:r>
+              <a:rPr lang="en-CA" dirty="0" smtClean="0"/>
+              <a:t> has a column named </a:t>
+            </a:r>
+            <a:r>
+              <a:rPr lang="en-CA" b="1" dirty="0" err="1" smtClean="0">
+                <a:latin typeface="Courier New" panose="02070309020205020404" pitchFamily="49" charset="0"/>
+                <a:cs typeface="Courier New" panose="02070309020205020404" pitchFamily="49" charset="0"/>
+              </a:rPr>
+              <a:t>HUC_Name</a:t>
+            </a:r>
+            <a:r>
+              <a:rPr lang="en-CA" b="1" dirty="0" smtClean="0">
+                <a:latin typeface="Courier New" panose="02070309020205020404" pitchFamily="49" charset="0"/>
+                <a:cs typeface="Courier New" panose="02070309020205020404" pitchFamily="49" charset="0"/>
+              </a:rPr>
+              <a:t> </a:t>
+            </a:r>
+            <a:r>
+              <a:rPr lang="en-CA" dirty="0" smtClean="0">
+                <a:latin typeface="+mj-lt"/>
+                <a:cs typeface="Courier New" panose="02070309020205020404" pitchFamily="49" charset="0"/>
+              </a:rPr>
+              <a:t>which is assigned a string</a:t>
+            </a:r>
+            <a:endParaRPr lang="en-CA" b="1" dirty="0" smtClean="0">
+              <a:latin typeface="Courier New" panose="02070309020205020404" pitchFamily="49" charset="0"/>
+              <a:cs typeface="Courier New" panose="02070309020205020404" pitchFamily="49" charset="0"/>
+            </a:endParaRPr>
+          </a:p>
+          <a:p>
+            <a:pPr marL="285750" indent="-285750">
+              <a:buFont typeface="Arial" panose="020B0604020202020204" pitchFamily="34" charset="0"/>
+              <a:buChar char="•"/>
+            </a:pPr>
+            <a:r>
+              <a:rPr lang="en-CA" b="1" dirty="0" err="1" smtClean="0">
+                <a:latin typeface="Courier New" panose="02070309020205020404" pitchFamily="49" charset="0"/>
+                <a:cs typeface="Courier New" panose="02070309020205020404" pitchFamily="49" charset="0"/>
+              </a:rPr>
+              <a:t>HUC_Name</a:t>
+            </a:r>
+            <a:r>
+              <a:rPr lang="en-CA" dirty="0" smtClean="0"/>
+              <a:t> corresponds to a column called “HUC_ID” in the </a:t>
+            </a:r>
+            <a:r>
+              <a:rPr lang="en-CA" b="1" dirty="0" smtClean="0">
+                <a:latin typeface="Courier New" panose="02070309020205020404" pitchFamily="49" charset="0"/>
+                <a:cs typeface="Courier New" panose="02070309020205020404" pitchFamily="49" charset="0"/>
+              </a:rPr>
+              <a:t>dose</a:t>
+            </a:r>
+            <a:r>
+              <a:rPr lang="en-CA" dirty="0" smtClean="0"/>
+              <a:t> </a:t>
+            </a:r>
+            <a:r>
+              <a:rPr lang="en-CA" dirty="0" err="1" smtClean="0"/>
+              <a:t>data.frame</a:t>
+            </a:r>
+            <a:endParaRPr lang="en-US" dirty="0"/>
+          </a:p>
+        </p:txBody>
+      </p:sp>
+      <p:sp>
+        <p:nvSpPr>
+          <p:cNvPr id="15" name="TextBox 14"/>
+          <p:cNvSpPr txBox="1"/>
+          <p:nvPr/>
+        </p:nvSpPr>
+        <p:spPr>
+          <a:xfrm>
+            <a:off x="8673187" y="3165636"/>
+            <a:ext cx="1903085" cy="523220"/>
+          </a:xfrm>
+          <a:prstGeom prst="rect">
+            <a:avLst/>
+          </a:prstGeom>
+          <a:noFill/>
+        </p:spPr>
+        <p:txBody>
+          <a:bodyPr wrap="none" rtlCol="0">
+            <a:spAutoFit/>
+          </a:bodyPr>
+          <a:lstStyle/>
+          <a:p>
+            <a:r>
+              <a:rPr lang="en-CA" sz="2800" b="1" dirty="0" err="1" smtClean="0">
+                <a:latin typeface="Courier New" panose="02070309020205020404" pitchFamily="49" charset="0"/>
+                <a:cs typeface="Courier New" panose="02070309020205020404" pitchFamily="49" charset="0"/>
+              </a:rPr>
+              <a:t>Global.R</a:t>
+            </a:r>
+            <a:endParaRPr lang="en-US" sz="2800" b="1" dirty="0">
+              <a:latin typeface="Courier New" panose="02070309020205020404" pitchFamily="49" charset="0"/>
+              <a:cs typeface="Courier New" panose="02070309020205020404" pitchFamily="49" charset="0"/>
+            </a:endParaRPr>
+          </a:p>
+        </p:txBody>
+      </p:sp>
+    </p:spTree>
+    <p:extLst>
+      <p:ext uri="{BB962C8B-B14F-4D97-AF65-F5344CB8AC3E}">
+        <p14:creationId xmlns:p14="http://schemas.microsoft.com/office/powerpoint/2010/main" val="2884971758"/>
+      </p:ext>
+    </p:extLst>
+  </p:cSld>
+  <p:clrMapOvr>
+    <a:masterClrMapping/>
+  </p:clrMapOvr>
+  <p:timing>
+    <p:tnLst>
+      <p:par>
+        <p:cTn id="1" dur="indefinite" restart="never" nodeType="tmRoot">
+          <p:childTnLst>
+            <p:seq concurrent="1" nextAc="seek">
+              <p:cTn id="2" dur="indefinite" nodeType="mainSeq">
+                <p:childTnLst>
+                  <p:par>
+                    <p:cTn id="3" fill="hold">
+                      <p:stCondLst>
+                        <p:cond delay="indefinite"/>
+                      </p:stCondLst>
+                      <p:childTnLst>
+                        <p:par>
+                          <p:cTn id="4" fill="hold">
+                            <p:stCondLst>
+                              <p:cond delay="0"/>
+                            </p:stCondLst>
+                            <p:childTnLst>
+                              <p:par>
+                                <p:cTn id="5" presetID="1" presetClass="entr" presetSubtype="0" fill="hold" grpId="0" nodeType="clickEffect">
+                                  <p:stCondLst>
+                                    <p:cond delay="0"/>
+                                  </p:stCondLst>
+                                  <p:childTnLst>
+                                    <p:set>
+                                      <p:cBhvr>
+                                        <p:cTn id="6" dur="1" fill="hold">
+                                          <p:stCondLst>
+                                            <p:cond delay="0"/>
+                                          </p:stCondLst>
+                                        </p:cTn>
+                                        <p:tgtEl>
+                                          <p:spTgt spid="12"/>
+                                        </p:tgtEl>
+                                        <p:attrNameLst>
+                                          <p:attrName>style.visibility</p:attrName>
+                                        </p:attrNameLst>
+                                      </p:cBhvr>
+                                      <p:to>
+                                        <p:strVal val="visible"/>
+                                      </p:to>
+                                    </p:set>
+                                  </p:childTnLst>
+                                </p:cTn>
+                              </p:par>
+                            </p:childTnLst>
+                          </p:cTn>
+                        </p:par>
+                      </p:childTnLst>
+                    </p:cTn>
+                  </p:par>
+                  <p:par>
+                    <p:cTn id="7" fill="hold">
+                      <p:stCondLst>
+                        <p:cond delay="indefinite"/>
+                      </p:stCondLst>
+                      <p:childTnLst>
+                        <p:par>
+                          <p:cTn id="8" fill="hold">
+                            <p:stCondLst>
+                              <p:cond delay="0"/>
+                            </p:stCondLst>
+                            <p:childTnLst>
+                              <p:par>
+                                <p:cTn id="9" presetID="1" presetClass="entr" presetSubtype="0" fill="hold" grpId="0" nodeType="clickEffect">
+                                  <p:stCondLst>
+                                    <p:cond delay="0"/>
+                                  </p:stCondLst>
+                                  <p:childTnLst>
+                                    <p:set>
+                                      <p:cBhvr>
+                                        <p:cTn id="10" dur="1" fill="hold">
+                                          <p:stCondLst>
+                                            <p:cond delay="0"/>
+                                          </p:stCondLst>
+                                        </p:cTn>
+                                        <p:tgtEl>
+                                          <p:spTgt spid="13"/>
+                                        </p:tgtEl>
+                                        <p:attrNameLst>
+                                          <p:attrName>style.visibility</p:attrName>
+                                        </p:attrNameLst>
+                                      </p:cBhvr>
+                                      <p:to>
+                                        <p:strVal val="visible"/>
+                                      </p:to>
+                                    </p:set>
+                                  </p:childTnLst>
+                                </p:cTn>
+                              </p:par>
+                            </p:childTnLst>
+                          </p:cTn>
+                        </p:par>
+                      </p:childTnLst>
+                    </p:cTn>
+                  </p:par>
+                </p:childTnLst>
+              </p:cTn>
+              <p:prevCondLst>
+                <p:cond evt="onPrev" delay="0">
+                  <p:tgtEl>
+                    <p:sldTgt/>
+                  </p:tgtEl>
+                </p:cond>
+              </p:prevCondLst>
+              <p:nextCondLst>
+                <p:cond evt="onNext" delay="0">
+                  <p:tgtEl>
+                    <p:sldTgt/>
+                  </p:tgtEl>
+                </p:cond>
+              </p:nextCondLst>
+            </p:seq>
+          </p:childTnLst>
+        </p:cTn>
+      </p:par>
+    </p:tnLst>
+    <p:bldLst>
+      <p:bldP spid="12" grpId="0" animBg="1"/>
+      <p:bldP spid="13" grpId="0" animBg="1"/>
+    </p:bldLst>
+  </p:timing>
+</p:sld>
+</file>
+
+<file path=ppt/slides/slide15.xml><?xml version="1.0" encoding="utf-8"?>
+<p:sld xmlns:a="http://schemas.openxmlformats.org/drawingml/2006/main" xmlns:r="http://schemas.openxmlformats.org/officeDocument/2006/relationships" xmlns:p="http://schemas.openxmlformats.org/presentationml/2006/main">
+  <p:cSld>
+    <p:spTree>
+      <p:nvGrpSpPr>
+        <p:cNvPr id="1" name=""/>
+        <p:cNvGrpSpPr/>
+        <p:nvPr/>
+      </p:nvGrpSpPr>
+      <p:grpSpPr>
+        <a:xfrm>
+          <a:off x="0" y="0"/>
+          <a:ext cx="0" cy="0"/>
+          <a:chOff x="0" y="0"/>
+          <a:chExt cx="0" cy="0"/>
+        </a:xfrm>
+      </p:grpSpPr>
+      <p:sp>
+        <p:nvSpPr>
+          <p:cNvPr id="4" name="TextBox 3"/>
+          <p:cNvSpPr txBox="1"/>
+          <p:nvPr/>
+        </p:nvSpPr>
+        <p:spPr>
+          <a:xfrm>
+            <a:off x="198932" y="162124"/>
+            <a:ext cx="8983613" cy="1200329"/>
+          </a:xfrm>
+          <a:prstGeom prst="rect">
+            <a:avLst/>
+          </a:prstGeom>
+          <a:noFill/>
+        </p:spPr>
+        <p:txBody>
+          <a:bodyPr wrap="none" rtlCol="0">
+            <a:spAutoFit/>
+          </a:bodyPr>
+          <a:lstStyle/>
+          <a:p>
+            <a:r>
+              <a:rPr lang="en-US" sz="3600" b="1" dirty="0"/>
+              <a:t>Alberta Cumulative Effects </a:t>
+            </a:r>
+            <a:r>
+              <a:rPr lang="en-US" sz="3600" b="1" dirty="0" smtClean="0"/>
+              <a:t>Model </a:t>
+            </a:r>
+            <a:r>
+              <a:rPr lang="en-US" sz="3600" b="1" dirty="0"/>
+              <a:t>(Joe Model)</a:t>
+            </a:r>
+          </a:p>
+          <a:p>
+            <a:endParaRPr lang="en-CA" sz="3600" b="1" dirty="0"/>
+          </a:p>
+        </p:txBody>
+      </p:sp>
+      <p:sp>
+        <p:nvSpPr>
+          <p:cNvPr id="8" name="TextBox 7"/>
+          <p:cNvSpPr txBox="1"/>
+          <p:nvPr/>
+        </p:nvSpPr>
+        <p:spPr>
+          <a:xfrm>
+            <a:off x="198932" y="460829"/>
+            <a:ext cx="11393713" cy="954107"/>
+          </a:xfrm>
+          <a:prstGeom prst="rect">
+            <a:avLst/>
+          </a:prstGeom>
+          <a:noFill/>
+        </p:spPr>
+        <p:txBody>
+          <a:bodyPr wrap="square" rtlCol="0">
+            <a:spAutoFit/>
+          </a:bodyPr>
+          <a:lstStyle/>
+          <a:p>
+            <a:endParaRPr lang="en-US" sz="2800" b="1" dirty="0"/>
+          </a:p>
+          <a:p>
+            <a:r>
+              <a:rPr lang="en-CA" sz="2800" b="1" dirty="0" smtClean="0"/>
+              <a:t>Model workflow:</a:t>
+            </a:r>
+            <a:endParaRPr lang="en-CA" sz="2800" b="1" dirty="0"/>
+          </a:p>
+        </p:txBody>
+      </p:sp>
+      <p:sp>
+        <p:nvSpPr>
+          <p:cNvPr id="2" name="Rectangle 1"/>
+          <p:cNvSpPr/>
+          <p:nvPr/>
+        </p:nvSpPr>
+        <p:spPr>
+          <a:xfrm>
+            <a:off x="1105390" y="1414936"/>
+            <a:ext cx="2586037" cy="1328737"/>
+          </a:xfrm>
+          <a:prstGeom prst="rect">
+            <a:avLst/>
+          </a:prstGeom>
+          <a:solidFill>
+            <a:schemeClr val="accent6"/>
+          </a:solidFill>
+        </p:spPr>
+        <p:style>
+          <a:lnRef idx="2">
+            <a:schemeClr val="accent1">
+              <a:shade val="50000"/>
+            </a:schemeClr>
+          </a:lnRef>
+          <a:fillRef idx="1">
+            <a:schemeClr val="accent1"/>
+          </a:fillRef>
+          <a:effectRef idx="0">
+            <a:schemeClr val="accent1"/>
+          </a:effectRef>
+          <a:fontRef idx="minor">
+            <a:schemeClr val="lt1"/>
+          </a:fontRef>
+        </p:style>
+        <p:txBody>
+          <a:bodyPr rtlCol="0" anchor="ctr"/>
+          <a:lstStyle/>
+          <a:p>
+            <a:pPr algn="ctr"/>
+            <a:r>
+              <a:rPr lang="en-CA" sz="2000" b="1" dirty="0" smtClean="0"/>
+              <a:t>Excel file – stressor-response relations</a:t>
+            </a:r>
+            <a:endParaRPr lang="en-US" sz="2000" b="1" dirty="0"/>
+          </a:p>
+        </p:txBody>
+      </p:sp>
+      <p:sp>
+        <p:nvSpPr>
+          <p:cNvPr id="7" name="Right Arrow 6"/>
+          <p:cNvSpPr/>
+          <p:nvPr/>
+        </p:nvSpPr>
+        <p:spPr>
+          <a:xfrm rot="2747114">
+            <a:off x="3708405" y="2767577"/>
+            <a:ext cx="728663" cy="742950"/>
+          </a:xfrm>
+          <a:prstGeom prst="rightArrow">
+            <a:avLst/>
+          </a:prstGeom>
+          <a:solidFill>
+            <a:schemeClr val="tx1"/>
+          </a:solidFill>
+        </p:spPr>
+        <p:style>
+          <a:lnRef idx="2">
+            <a:schemeClr val="accent1">
+              <a:shade val="50000"/>
+            </a:schemeClr>
+          </a:lnRef>
+          <a:fillRef idx="1">
+            <a:schemeClr val="accent1"/>
+          </a:fillRef>
+          <a:effectRef idx="0">
+            <a:schemeClr val="accent1"/>
+          </a:effectRef>
+          <a:fontRef idx="minor">
+            <a:schemeClr val="lt1"/>
+          </a:fontRef>
+        </p:style>
+        <p:txBody>
+          <a:bodyPr rtlCol="0" anchor="ctr"/>
+          <a:lstStyle/>
+          <a:p>
+            <a:pPr algn="ctr"/>
+            <a:endParaRPr lang="en-US"/>
+          </a:p>
+        </p:txBody>
+      </p:sp>
+      <p:sp>
+        <p:nvSpPr>
+          <p:cNvPr id="14" name="TextBox 13"/>
+          <p:cNvSpPr txBox="1"/>
+          <p:nvPr/>
+        </p:nvSpPr>
+        <p:spPr>
+          <a:xfrm>
+            <a:off x="4901252" y="2926130"/>
+            <a:ext cx="3686137" cy="954107"/>
+          </a:xfrm>
+          <a:prstGeom prst="rect">
+            <a:avLst/>
+          </a:prstGeom>
+          <a:noFill/>
+        </p:spPr>
+        <p:txBody>
+          <a:bodyPr wrap="none" rtlCol="0">
+            <a:spAutoFit/>
+          </a:bodyPr>
+          <a:lstStyle/>
+          <a:p>
+            <a:r>
+              <a:rPr lang="en-CA" sz="2800" b="1" dirty="0" err="1" smtClean="0">
+                <a:latin typeface="Courier New" panose="02070309020205020404" pitchFamily="49" charset="0"/>
+                <a:cs typeface="Courier New" panose="02070309020205020404" pitchFamily="49" charset="0"/>
+              </a:rPr>
+              <a:t>main.sheet</a:t>
+            </a:r>
+            <a:endParaRPr lang="en-CA" sz="2800" b="1" dirty="0" smtClean="0">
+              <a:latin typeface="Courier New" panose="02070309020205020404" pitchFamily="49" charset="0"/>
+              <a:cs typeface="Courier New" panose="02070309020205020404" pitchFamily="49" charset="0"/>
+            </a:endParaRPr>
+          </a:p>
+          <a:p>
+            <a:pPr marL="457200" indent="-457200">
+              <a:buFont typeface="Arial" panose="020B0604020202020204" pitchFamily="34" charset="0"/>
+              <a:buChar char="•"/>
+            </a:pPr>
+            <a:r>
+              <a:rPr lang="en-CA" sz="2800" dirty="0" smtClean="0">
+                <a:cs typeface="Courier New" panose="02070309020205020404" pitchFamily="49" charset="0"/>
+              </a:rPr>
+              <a:t>reads the “main” tab</a:t>
+            </a:r>
+            <a:endParaRPr lang="en-US" sz="2800" dirty="0">
+              <a:cs typeface="Courier New" panose="02070309020205020404" pitchFamily="49" charset="0"/>
+            </a:endParaRPr>
+          </a:p>
+        </p:txBody>
+      </p:sp>
+      <p:sp>
+        <p:nvSpPr>
+          <p:cNvPr id="15" name="TextBox 14"/>
+          <p:cNvSpPr txBox="1"/>
+          <p:nvPr/>
+        </p:nvSpPr>
+        <p:spPr>
+          <a:xfrm>
+            <a:off x="499528" y="3139052"/>
+            <a:ext cx="3191899" cy="954107"/>
+          </a:xfrm>
+          <a:prstGeom prst="rect">
+            <a:avLst/>
+          </a:prstGeom>
+          <a:noFill/>
+        </p:spPr>
+        <p:txBody>
+          <a:bodyPr wrap="none" rtlCol="0">
+            <a:spAutoFit/>
+          </a:bodyPr>
+          <a:lstStyle/>
+          <a:p>
+            <a:r>
+              <a:rPr lang="en-CA" sz="2800" b="1" dirty="0" err="1" smtClean="0">
+                <a:latin typeface="Courier New" panose="02070309020205020404" pitchFamily="49" charset="0"/>
+                <a:cs typeface="Courier New" panose="02070309020205020404" pitchFamily="49" charset="0"/>
+              </a:rPr>
+              <a:t>Global.R</a:t>
+            </a:r>
+            <a:r>
+              <a:rPr lang="en-CA" sz="2800" b="1" dirty="0" smtClean="0">
+                <a:latin typeface="Courier New" panose="02070309020205020404" pitchFamily="49" charset="0"/>
+                <a:cs typeface="Courier New" panose="02070309020205020404" pitchFamily="49" charset="0"/>
+              </a:rPr>
+              <a:t> calls</a:t>
+            </a:r>
+          </a:p>
+          <a:p>
+            <a:r>
+              <a:rPr lang="en-CA" sz="2800" b="1" dirty="0" err="1" smtClean="0">
+                <a:latin typeface="Courier New" panose="02070309020205020404" pitchFamily="49" charset="0"/>
+                <a:cs typeface="Courier New" panose="02070309020205020404" pitchFamily="49" charset="0"/>
+              </a:rPr>
+              <a:t>Joe_curve.R</a:t>
+            </a:r>
+            <a:endParaRPr lang="en-US" sz="2800" b="1" dirty="0">
+              <a:latin typeface="Courier New" panose="02070309020205020404" pitchFamily="49" charset="0"/>
+              <a:cs typeface="Courier New" panose="02070309020205020404" pitchFamily="49" charset="0"/>
+            </a:endParaRPr>
+          </a:p>
+        </p:txBody>
+      </p:sp>
+      <p:sp>
+        <p:nvSpPr>
+          <p:cNvPr id="16" name="TextBox 15"/>
+          <p:cNvSpPr txBox="1"/>
+          <p:nvPr/>
+        </p:nvSpPr>
+        <p:spPr>
+          <a:xfrm>
+            <a:off x="4901252" y="3880237"/>
+            <a:ext cx="6228711" cy="1815882"/>
+          </a:xfrm>
+          <a:prstGeom prst="rect">
+            <a:avLst/>
+          </a:prstGeom>
+          <a:noFill/>
+        </p:spPr>
+        <p:txBody>
+          <a:bodyPr wrap="square" rtlCol="0">
+            <a:spAutoFit/>
+          </a:bodyPr>
+          <a:lstStyle/>
+          <a:p>
+            <a:r>
+              <a:rPr lang="en-CA" sz="2800" b="1" dirty="0" err="1">
+                <a:latin typeface="Courier New" panose="02070309020205020404" pitchFamily="49" charset="0"/>
+                <a:cs typeface="Courier New" panose="02070309020205020404" pitchFamily="49" charset="0"/>
+              </a:rPr>
+              <a:t>s</a:t>
+            </a:r>
+            <a:r>
+              <a:rPr lang="en-CA" sz="2800" b="1" dirty="0" err="1" smtClean="0">
+                <a:latin typeface="Courier New" panose="02070309020205020404" pitchFamily="49" charset="0"/>
+                <a:cs typeface="Courier New" panose="02070309020205020404" pitchFamily="49" charset="0"/>
+              </a:rPr>
+              <a:t>tressor.list</a:t>
+            </a:r>
+            <a:endParaRPr lang="en-CA" sz="2800" b="1" dirty="0" smtClean="0">
+              <a:latin typeface="Courier New" panose="02070309020205020404" pitchFamily="49" charset="0"/>
+              <a:cs typeface="Courier New" panose="02070309020205020404" pitchFamily="49" charset="0"/>
+            </a:endParaRPr>
+          </a:p>
+          <a:p>
+            <a:pPr marL="457200" indent="-457200">
+              <a:buFont typeface="Arial" panose="020B0604020202020204" pitchFamily="34" charset="0"/>
+              <a:buChar char="•"/>
+            </a:pPr>
+            <a:r>
+              <a:rPr lang="en-CA" sz="2800" dirty="0" smtClean="0">
+                <a:cs typeface="Courier New" panose="02070309020205020404" pitchFamily="49" charset="0"/>
+              </a:rPr>
+              <a:t>A list of </a:t>
+            </a:r>
+            <a:r>
+              <a:rPr lang="en-CA" sz="2800" dirty="0" err="1" smtClean="0">
+                <a:cs typeface="Courier New" panose="02070309020205020404" pitchFamily="49" charset="0"/>
+              </a:rPr>
+              <a:t>data.frames</a:t>
+            </a:r>
+            <a:endParaRPr lang="en-CA" sz="2800" dirty="0" smtClean="0">
+              <a:cs typeface="Courier New" panose="02070309020205020404" pitchFamily="49" charset="0"/>
+            </a:endParaRPr>
+          </a:p>
+          <a:p>
+            <a:pPr marL="457200" indent="-457200">
+              <a:buFont typeface="Arial" panose="020B0604020202020204" pitchFamily="34" charset="0"/>
+              <a:buChar char="•"/>
+            </a:pPr>
+            <a:r>
+              <a:rPr lang="en-CA" sz="2800" dirty="0" smtClean="0">
+                <a:cs typeface="Courier New" panose="02070309020205020404" pitchFamily="49" charset="0"/>
+              </a:rPr>
+              <a:t>Each </a:t>
+            </a:r>
+            <a:r>
+              <a:rPr lang="en-CA" sz="2800" dirty="0" err="1" smtClean="0">
+                <a:cs typeface="Courier New" panose="02070309020205020404" pitchFamily="49" charset="0"/>
+              </a:rPr>
+              <a:t>data.frame</a:t>
+            </a:r>
+            <a:r>
+              <a:rPr lang="en-CA" sz="2800" dirty="0" smtClean="0">
+                <a:cs typeface="Courier New" panose="02070309020205020404" pitchFamily="49" charset="0"/>
+              </a:rPr>
+              <a:t> are columns for each stressor-response function</a:t>
+            </a:r>
+            <a:endParaRPr lang="en-US" sz="2800" dirty="0">
+              <a:cs typeface="Courier New" panose="02070309020205020404" pitchFamily="49" charset="0"/>
+            </a:endParaRPr>
+          </a:p>
+        </p:txBody>
+      </p:sp>
+    </p:spTree>
+    <p:extLst>
+      <p:ext uri="{BB962C8B-B14F-4D97-AF65-F5344CB8AC3E}">
+        <p14:creationId xmlns:p14="http://schemas.microsoft.com/office/powerpoint/2010/main" val="407478655"/>
+      </p:ext>
+    </p:extLst>
+  </p:cSld>
+  <p:clrMapOvr>
+    <a:masterClrMapping/>
+  </p:clrMapOvr>
+  <p:timing>
+    <p:tnLst>
+      <p:par>
+        <p:cTn id="1" dur="indefinite" restart="never" nodeType="tmRoot">
+          <p:childTnLst>
+            <p:seq concurrent="1" nextAc="seek">
+              <p:cTn id="2" dur="indefinite" nodeType="mainSeq">
+                <p:childTnLst>
+                  <p:par>
+                    <p:cTn id="3" fill="hold">
+                      <p:stCondLst>
+                        <p:cond delay="indefinite"/>
+                      </p:stCondLst>
+                      <p:childTnLst>
+                        <p:par>
+                          <p:cTn id="4" fill="hold">
+                            <p:stCondLst>
+                              <p:cond delay="0"/>
+                            </p:stCondLst>
+                            <p:childTnLst>
+                              <p:par>
+                                <p:cTn id="5" presetID="1" presetClass="entr" presetSubtype="0" fill="hold" grpId="0" nodeType="clickEffect">
+                                  <p:stCondLst>
+                                    <p:cond delay="0"/>
+                                  </p:stCondLst>
+                                  <p:childTnLst>
+                                    <p:set>
+                                      <p:cBhvr>
+                                        <p:cTn id="6" dur="1" fill="hold">
+                                          <p:stCondLst>
+                                            <p:cond delay="0"/>
+                                          </p:stCondLst>
+                                        </p:cTn>
+                                        <p:tgtEl>
+                                          <p:spTgt spid="2"/>
+                                        </p:tgtEl>
+                                        <p:attrNameLst>
+                                          <p:attrName>style.visibility</p:attrName>
+                                        </p:attrNameLst>
+                                      </p:cBhvr>
+                                      <p:to>
+                                        <p:strVal val="visible"/>
+                                      </p:to>
+                                    </p:set>
+                                  </p:childTnLst>
+                                </p:cTn>
+                              </p:par>
+                              <p:par>
+                                <p:cTn id="7" presetID="1" presetClass="entr" presetSubtype="0" fill="hold" grpId="0" nodeType="withEffect">
+                                  <p:stCondLst>
+                                    <p:cond delay="0"/>
+                                  </p:stCondLst>
+                                  <p:childTnLst>
+                                    <p:set>
+                                      <p:cBhvr>
+                                        <p:cTn id="8" dur="1" fill="hold">
+                                          <p:stCondLst>
+                                            <p:cond delay="0"/>
+                                          </p:stCondLst>
+                                        </p:cTn>
+                                        <p:tgtEl>
+                                          <p:spTgt spid="7"/>
+                                        </p:tgtEl>
+                                        <p:attrNameLst>
+                                          <p:attrName>style.visibility</p:attrName>
+                                        </p:attrNameLst>
+                                      </p:cBhvr>
+                                      <p:to>
+                                        <p:strVal val="visible"/>
+                                      </p:to>
+                                    </p:set>
+                                  </p:childTnLst>
+                                </p:cTn>
+                              </p:par>
+                            </p:childTnLst>
+                          </p:cTn>
+                        </p:par>
+                      </p:childTnLst>
+                    </p:cTn>
+                  </p:par>
+                </p:childTnLst>
+              </p:cTn>
+              <p:prevCondLst>
+                <p:cond evt="onPrev" delay="0">
+                  <p:tgtEl>
+                    <p:sldTgt/>
+                  </p:tgtEl>
+                </p:cond>
+              </p:prevCondLst>
+              <p:nextCondLst>
+                <p:cond evt="onNext" delay="0">
+                  <p:tgtEl>
+                    <p:sldTgt/>
+                  </p:tgtEl>
+                </p:cond>
+              </p:nextCondLst>
+            </p:seq>
+          </p:childTnLst>
+        </p:cTn>
+      </p:par>
+    </p:tnLst>
+    <p:bldLst>
+      <p:bldP spid="2" grpId="0" animBg="1"/>
+      <p:bldP spid="7" grpId="0" animBg="1"/>
+    </p:bldLst>
+  </p:timing>
+</p:sld>
+</file>
+
+<file path=ppt/slides/slide16.xml><?xml version="1.0" encoding="utf-8"?>
+<p:sld xmlns:a="http://schemas.openxmlformats.org/drawingml/2006/main" xmlns:r="http://schemas.openxmlformats.org/officeDocument/2006/relationships" xmlns:p="http://schemas.openxmlformats.org/presentationml/2006/main">
+  <p:cSld>
+    <p:spTree>
+      <p:nvGrpSpPr>
+        <p:cNvPr id="1" name=""/>
+        <p:cNvGrpSpPr/>
+        <p:nvPr/>
+      </p:nvGrpSpPr>
+      <p:grpSpPr>
+        <a:xfrm>
+          <a:off x="0" y="0"/>
+          <a:ext cx="0" cy="0"/>
+          <a:chOff x="0" y="0"/>
+          <a:chExt cx="0" cy="0"/>
+        </a:xfrm>
+      </p:grpSpPr>
+      <p:sp>
+        <p:nvSpPr>
+          <p:cNvPr id="4" name="TextBox 3"/>
+          <p:cNvSpPr txBox="1"/>
+          <p:nvPr/>
+        </p:nvSpPr>
+        <p:spPr>
+          <a:xfrm>
+            <a:off x="198932" y="162124"/>
+            <a:ext cx="8983613" cy="1200329"/>
+          </a:xfrm>
+          <a:prstGeom prst="rect">
+            <a:avLst/>
+          </a:prstGeom>
+          <a:noFill/>
+        </p:spPr>
+        <p:txBody>
+          <a:bodyPr wrap="none" rtlCol="0">
+            <a:spAutoFit/>
+          </a:bodyPr>
+          <a:lstStyle/>
+          <a:p>
+            <a:r>
+              <a:rPr lang="en-US" sz="3600" b="1" dirty="0"/>
+              <a:t>Alberta Cumulative Effects </a:t>
+            </a:r>
+            <a:r>
+              <a:rPr lang="en-US" sz="3600" b="1" dirty="0" smtClean="0"/>
+              <a:t>Model </a:t>
+            </a:r>
+            <a:r>
+              <a:rPr lang="en-US" sz="3600" b="1" dirty="0"/>
+              <a:t>(Joe Model)</a:t>
+            </a:r>
+          </a:p>
+          <a:p>
+            <a:endParaRPr lang="en-CA" sz="3600" b="1" dirty="0"/>
+          </a:p>
+        </p:txBody>
+      </p:sp>
+      <p:sp>
+        <p:nvSpPr>
+          <p:cNvPr id="8" name="TextBox 7"/>
+          <p:cNvSpPr txBox="1"/>
+          <p:nvPr/>
+        </p:nvSpPr>
+        <p:spPr>
+          <a:xfrm>
+            <a:off x="198932" y="460829"/>
+            <a:ext cx="11393713" cy="954107"/>
+          </a:xfrm>
+          <a:prstGeom prst="rect">
+            <a:avLst/>
+          </a:prstGeom>
+          <a:noFill/>
+        </p:spPr>
+        <p:txBody>
+          <a:bodyPr wrap="square" rtlCol="0">
+            <a:spAutoFit/>
+          </a:bodyPr>
+          <a:lstStyle/>
+          <a:p>
+            <a:endParaRPr lang="en-US" sz="2800" b="1" dirty="0"/>
+          </a:p>
+          <a:p>
+            <a:r>
+              <a:rPr lang="en-CA" sz="2800" b="1" dirty="0" smtClean="0"/>
+              <a:t>Model workflow:</a:t>
+            </a:r>
+            <a:endParaRPr lang="en-CA" sz="2800" b="1" dirty="0"/>
+          </a:p>
+        </p:txBody>
+      </p:sp>
+      <p:sp>
+        <p:nvSpPr>
+          <p:cNvPr id="7" name="Right Arrow 6"/>
+          <p:cNvSpPr/>
+          <p:nvPr/>
+        </p:nvSpPr>
+        <p:spPr>
+          <a:xfrm>
+            <a:off x="5739982" y="3530210"/>
+            <a:ext cx="728663" cy="742950"/>
+          </a:xfrm>
+          <a:prstGeom prst="rightArrow">
+            <a:avLst/>
+          </a:prstGeom>
+          <a:solidFill>
+            <a:schemeClr val="tx1"/>
+          </a:solidFill>
+        </p:spPr>
+        <p:style>
+          <a:lnRef idx="2">
+            <a:schemeClr val="accent1">
+              <a:shade val="50000"/>
+            </a:schemeClr>
+          </a:lnRef>
+          <a:fillRef idx="1">
+            <a:schemeClr val="accent1"/>
+          </a:fillRef>
+          <a:effectRef idx="0">
+            <a:schemeClr val="accent1"/>
+          </a:effectRef>
+          <a:fontRef idx="minor">
+            <a:schemeClr val="lt1"/>
+          </a:fontRef>
+        </p:style>
+        <p:txBody>
+          <a:bodyPr rtlCol="0" anchor="ctr"/>
+          <a:lstStyle/>
+          <a:p>
+            <a:pPr algn="ctr"/>
+            <a:endParaRPr lang="en-US"/>
+          </a:p>
+        </p:txBody>
+      </p:sp>
+      <p:sp>
+        <p:nvSpPr>
+          <p:cNvPr id="14" name="TextBox 13"/>
+          <p:cNvSpPr txBox="1"/>
+          <p:nvPr/>
+        </p:nvSpPr>
+        <p:spPr>
+          <a:xfrm>
+            <a:off x="407823" y="2793085"/>
+            <a:ext cx="3686137" cy="954107"/>
+          </a:xfrm>
+          <a:prstGeom prst="rect">
+            <a:avLst/>
+          </a:prstGeom>
+          <a:noFill/>
+        </p:spPr>
+        <p:txBody>
+          <a:bodyPr wrap="none" rtlCol="0">
+            <a:spAutoFit/>
+          </a:bodyPr>
+          <a:lstStyle/>
+          <a:p>
+            <a:r>
+              <a:rPr lang="en-CA" sz="2800" b="1" dirty="0" err="1" smtClean="0">
+                <a:latin typeface="Courier New" panose="02070309020205020404" pitchFamily="49" charset="0"/>
+                <a:cs typeface="Courier New" panose="02070309020205020404" pitchFamily="49" charset="0"/>
+              </a:rPr>
+              <a:t>main.sheet</a:t>
+            </a:r>
+            <a:endParaRPr lang="en-CA" sz="2800" b="1" dirty="0" smtClean="0">
+              <a:latin typeface="Courier New" panose="02070309020205020404" pitchFamily="49" charset="0"/>
+              <a:cs typeface="Courier New" panose="02070309020205020404" pitchFamily="49" charset="0"/>
+            </a:endParaRPr>
+          </a:p>
+          <a:p>
+            <a:pPr marL="457200" indent="-457200">
+              <a:buFont typeface="Arial" panose="020B0604020202020204" pitchFamily="34" charset="0"/>
+              <a:buChar char="•"/>
+            </a:pPr>
+            <a:r>
+              <a:rPr lang="en-CA" sz="2800" dirty="0" smtClean="0">
+                <a:cs typeface="Courier New" panose="02070309020205020404" pitchFamily="49" charset="0"/>
+              </a:rPr>
+              <a:t>reads the “main” tab</a:t>
+            </a:r>
+            <a:endParaRPr lang="en-US" sz="2800" dirty="0">
+              <a:cs typeface="Courier New" panose="02070309020205020404" pitchFamily="49" charset="0"/>
+            </a:endParaRPr>
+          </a:p>
+        </p:txBody>
+      </p:sp>
+      <p:sp>
+        <p:nvSpPr>
+          <p:cNvPr id="15" name="TextBox 14"/>
+          <p:cNvSpPr txBox="1"/>
+          <p:nvPr/>
+        </p:nvSpPr>
+        <p:spPr>
+          <a:xfrm>
+            <a:off x="360523" y="1713641"/>
+            <a:ext cx="2547492" cy="523220"/>
+          </a:xfrm>
+          <a:prstGeom prst="rect">
+            <a:avLst/>
+          </a:prstGeom>
+          <a:noFill/>
+        </p:spPr>
+        <p:txBody>
+          <a:bodyPr wrap="none" rtlCol="0">
+            <a:spAutoFit/>
+          </a:bodyPr>
+          <a:lstStyle/>
+          <a:p>
+            <a:r>
+              <a:rPr lang="en-CA" sz="2800" b="1" dirty="0" err="1" smtClean="0">
+                <a:latin typeface="Courier New" panose="02070309020205020404" pitchFamily="49" charset="0"/>
+                <a:cs typeface="Courier New" panose="02070309020205020404" pitchFamily="49" charset="0"/>
+              </a:rPr>
+              <a:t>Joe_curve.R</a:t>
+            </a:r>
+            <a:endParaRPr lang="en-US" sz="2800" b="1" dirty="0">
+              <a:latin typeface="Courier New" panose="02070309020205020404" pitchFamily="49" charset="0"/>
+              <a:cs typeface="Courier New" panose="02070309020205020404" pitchFamily="49" charset="0"/>
+            </a:endParaRPr>
+          </a:p>
+        </p:txBody>
+      </p:sp>
+      <p:sp>
+        <p:nvSpPr>
+          <p:cNvPr id="16" name="TextBox 15"/>
+          <p:cNvSpPr txBox="1"/>
+          <p:nvPr/>
+        </p:nvSpPr>
+        <p:spPr>
+          <a:xfrm>
+            <a:off x="436377" y="3747192"/>
+            <a:ext cx="6228711" cy="1815882"/>
+          </a:xfrm>
+          <a:prstGeom prst="rect">
+            <a:avLst/>
+          </a:prstGeom>
+          <a:noFill/>
+        </p:spPr>
+        <p:txBody>
+          <a:bodyPr wrap="square" rtlCol="0">
+            <a:spAutoFit/>
+          </a:bodyPr>
+          <a:lstStyle/>
+          <a:p>
+            <a:r>
+              <a:rPr lang="en-CA" sz="2800" b="1" dirty="0" err="1">
+                <a:latin typeface="Courier New" panose="02070309020205020404" pitchFamily="49" charset="0"/>
+                <a:cs typeface="Courier New" panose="02070309020205020404" pitchFamily="49" charset="0"/>
+              </a:rPr>
+              <a:t>s</a:t>
+            </a:r>
+            <a:r>
+              <a:rPr lang="en-CA" sz="2800" b="1" dirty="0" err="1" smtClean="0">
+                <a:latin typeface="Courier New" panose="02070309020205020404" pitchFamily="49" charset="0"/>
+                <a:cs typeface="Courier New" panose="02070309020205020404" pitchFamily="49" charset="0"/>
+              </a:rPr>
+              <a:t>tressor.list</a:t>
+            </a:r>
+            <a:endParaRPr lang="en-CA" sz="2800" b="1" dirty="0" smtClean="0">
+              <a:latin typeface="Courier New" panose="02070309020205020404" pitchFamily="49" charset="0"/>
+              <a:cs typeface="Courier New" panose="02070309020205020404" pitchFamily="49" charset="0"/>
+            </a:endParaRPr>
+          </a:p>
+          <a:p>
+            <a:pPr marL="457200" indent="-457200">
+              <a:buFont typeface="Arial" panose="020B0604020202020204" pitchFamily="34" charset="0"/>
+              <a:buChar char="•"/>
+            </a:pPr>
+            <a:r>
+              <a:rPr lang="en-CA" sz="2800" dirty="0" smtClean="0">
+                <a:cs typeface="Courier New" panose="02070309020205020404" pitchFamily="49" charset="0"/>
+              </a:rPr>
+              <a:t>A list of </a:t>
+            </a:r>
+            <a:r>
+              <a:rPr lang="en-CA" sz="2800" dirty="0" err="1" smtClean="0">
+                <a:cs typeface="Courier New" panose="02070309020205020404" pitchFamily="49" charset="0"/>
+              </a:rPr>
+              <a:t>data.frames</a:t>
+            </a:r>
+            <a:endParaRPr lang="en-CA" sz="2800" dirty="0" smtClean="0">
+              <a:cs typeface="Courier New" panose="02070309020205020404" pitchFamily="49" charset="0"/>
+            </a:endParaRPr>
+          </a:p>
+          <a:p>
+            <a:pPr marL="457200" indent="-457200">
+              <a:buFont typeface="Arial" panose="020B0604020202020204" pitchFamily="34" charset="0"/>
+              <a:buChar char="•"/>
+            </a:pPr>
+            <a:r>
+              <a:rPr lang="en-CA" sz="2800" dirty="0" smtClean="0">
+                <a:cs typeface="Courier New" panose="02070309020205020404" pitchFamily="49" charset="0"/>
+              </a:rPr>
+              <a:t>Each </a:t>
+            </a:r>
+            <a:r>
+              <a:rPr lang="en-CA" sz="2800" dirty="0" err="1" smtClean="0">
+                <a:cs typeface="Courier New" panose="02070309020205020404" pitchFamily="49" charset="0"/>
+              </a:rPr>
+              <a:t>data.frame</a:t>
+            </a:r>
+            <a:r>
+              <a:rPr lang="en-CA" sz="2800" dirty="0" smtClean="0">
+                <a:cs typeface="Courier New" panose="02070309020205020404" pitchFamily="49" charset="0"/>
+              </a:rPr>
+              <a:t> are columns for each stressor-response function</a:t>
+            </a:r>
+            <a:endParaRPr lang="en-US" sz="2800" dirty="0">
+              <a:cs typeface="Courier New" panose="02070309020205020404" pitchFamily="49" charset="0"/>
+            </a:endParaRPr>
+          </a:p>
+        </p:txBody>
+      </p:sp>
+      <p:sp>
+        <p:nvSpPr>
+          <p:cNvPr id="9" name="TextBox 8"/>
+          <p:cNvSpPr txBox="1"/>
+          <p:nvPr/>
+        </p:nvSpPr>
+        <p:spPr>
+          <a:xfrm>
+            <a:off x="6732187" y="2288001"/>
+            <a:ext cx="5236506" cy="3970318"/>
+          </a:xfrm>
+          <a:prstGeom prst="rect">
+            <a:avLst/>
+          </a:prstGeom>
+          <a:noFill/>
+        </p:spPr>
+        <p:txBody>
+          <a:bodyPr wrap="square" rtlCol="0">
+            <a:spAutoFit/>
+          </a:bodyPr>
+          <a:lstStyle/>
+          <a:p>
+            <a:r>
+              <a:rPr lang="en-CA" sz="2800" b="1" dirty="0" err="1">
+                <a:latin typeface="Courier New" panose="02070309020205020404" pitchFamily="49" charset="0"/>
+                <a:cs typeface="Courier New" panose="02070309020205020404" pitchFamily="49" charset="0"/>
+              </a:rPr>
+              <a:t>m</a:t>
+            </a:r>
+            <a:r>
+              <a:rPr lang="en-CA" sz="2800" b="1" dirty="0" err="1" smtClean="0">
+                <a:latin typeface="Courier New" panose="02070309020205020404" pitchFamily="49" charset="0"/>
+                <a:cs typeface="Courier New" panose="02070309020205020404" pitchFamily="49" charset="0"/>
+              </a:rPr>
+              <a:t>ean.resp.list</a:t>
+            </a:r>
+            <a:endParaRPr lang="en-CA" sz="2800" b="1" dirty="0" smtClean="0">
+              <a:latin typeface="Courier New" panose="02070309020205020404" pitchFamily="49" charset="0"/>
+              <a:cs typeface="Courier New" panose="02070309020205020404" pitchFamily="49" charset="0"/>
+            </a:endParaRPr>
+          </a:p>
+          <a:p>
+            <a:pPr marL="457200" indent="-457200">
+              <a:buFont typeface="Arial" panose="020B0604020202020204" pitchFamily="34" charset="0"/>
+              <a:buChar char="•"/>
+            </a:pPr>
+            <a:r>
+              <a:rPr lang="en-CA" sz="2800" dirty="0" smtClean="0">
+                <a:cs typeface="Courier New" panose="02070309020205020404" pitchFamily="49" charset="0"/>
+              </a:rPr>
+              <a:t>A primary list element for each stressor</a:t>
+            </a:r>
+          </a:p>
+          <a:p>
+            <a:pPr marL="457200" indent="-457200">
+              <a:buFont typeface="Arial" panose="020B0604020202020204" pitchFamily="34" charset="0"/>
+              <a:buChar char="•"/>
+            </a:pPr>
+            <a:r>
+              <a:rPr lang="en-CA" sz="2800" dirty="0" smtClean="0">
+                <a:cs typeface="Courier New" panose="02070309020205020404" pitchFamily="49" charset="0"/>
+              </a:rPr>
+              <a:t>Each primary element contains 4 approximation functions</a:t>
+            </a:r>
+          </a:p>
+          <a:p>
+            <a:pPr marL="457200" indent="-457200">
+              <a:buFont typeface="Arial" panose="020B0604020202020204" pitchFamily="34" charset="0"/>
+              <a:buChar char="•"/>
+            </a:pPr>
+            <a:r>
+              <a:rPr lang="en-CA" sz="2800" dirty="0" smtClean="0">
+                <a:cs typeface="Courier New" panose="02070309020205020404" pitchFamily="49" charset="0"/>
+              </a:rPr>
+              <a:t>The approximation functions interpolate mean, </a:t>
+            </a:r>
+            <a:r>
+              <a:rPr lang="en-CA" sz="2800" dirty="0" err="1" smtClean="0">
+                <a:cs typeface="Courier New" panose="02070309020205020404" pitchFamily="49" charset="0"/>
+              </a:rPr>
+              <a:t>sd</a:t>
+            </a:r>
+            <a:r>
+              <a:rPr lang="en-CA" sz="2800" dirty="0" smtClean="0">
+                <a:cs typeface="Courier New" panose="02070309020205020404" pitchFamily="49" charset="0"/>
+              </a:rPr>
+              <a:t>, low limit and upper limit for system capacity given a dose</a:t>
+            </a:r>
+            <a:endParaRPr lang="en-US" sz="2800" dirty="0">
+              <a:cs typeface="Courier New" panose="02070309020205020404" pitchFamily="49" charset="0"/>
+            </a:endParaRPr>
+          </a:p>
+        </p:txBody>
+      </p:sp>
+    </p:spTree>
+    <p:extLst>
+      <p:ext uri="{BB962C8B-B14F-4D97-AF65-F5344CB8AC3E}">
+        <p14:creationId xmlns:p14="http://schemas.microsoft.com/office/powerpoint/2010/main" val="448120128"/>
+      </p:ext>
+    </p:extLst>
+  </p:cSld>
+  <p:clrMapOvr>
+    <a:masterClrMapping/>
+  </p:clrMapOvr>
+  <p:timing>
+    <p:tnLst>
+      <p:par>
+        <p:cTn id="1" dur="indefinite" restart="never" nodeType="tmRoot">
+          <p:childTnLst>
+            <p:seq concurrent="1" nextAc="seek">
+              <p:cTn id="2" dur="indefinite" nodeType="mainSeq">
+                <p:childTnLst>
+                  <p:par>
+                    <p:cTn id="3" fill="hold">
+                      <p:stCondLst>
+                        <p:cond delay="indefinite"/>
+                        <p:cond evt="onBegin" delay="0">
+                          <p:tn val="2"/>
+                        </p:cond>
+                      </p:stCondLst>
+                      <p:childTnLst>
+                        <p:par>
+                          <p:cTn id="4" fill="hold">
+                            <p:stCondLst>
+                              <p:cond delay="0"/>
+                            </p:stCondLst>
+                            <p:childTnLst>
+                              <p:par>
+                                <p:cTn id="5" presetID="1" presetClass="entr" presetSubtype="0" fill="hold" grpId="0" nodeType="withEffect">
+                                  <p:stCondLst>
+                                    <p:cond delay="0"/>
+                                  </p:stCondLst>
+                                  <p:childTnLst>
+                                    <p:set>
+                                      <p:cBhvr>
+                                        <p:cTn id="6" dur="1" fill="hold">
+                                          <p:stCondLst>
+                                            <p:cond delay="0"/>
+                                          </p:stCondLst>
+                                        </p:cTn>
+                                        <p:tgtEl>
+                                          <p:spTgt spid="7"/>
+                                        </p:tgtEl>
+                                        <p:attrNameLst>
+                                          <p:attrName>style.visibility</p:attrName>
+                                        </p:attrNameLst>
+                                      </p:cBhvr>
+                                      <p:to>
+                                        <p:strVal val="visible"/>
+                                      </p:to>
+                                    </p:set>
+                                  </p:childTnLst>
+                                </p:cTn>
+                              </p:par>
+                            </p:childTnLst>
+                          </p:cTn>
+                        </p:par>
+                      </p:childTnLst>
+                    </p:cTn>
+                  </p:par>
+                </p:childTnLst>
+              </p:cTn>
+              <p:prevCondLst>
+                <p:cond evt="onPrev" delay="0">
+                  <p:tgtEl>
+                    <p:sldTgt/>
+                  </p:tgtEl>
+                </p:cond>
+              </p:prevCondLst>
+              <p:nextCondLst>
+                <p:cond evt="onNext" delay="0">
+                  <p:tgtEl>
+                    <p:sldTgt/>
+                  </p:tgtEl>
+                </p:cond>
+              </p:nextCondLst>
+            </p:seq>
+          </p:childTnLst>
+        </p:cTn>
+      </p:par>
+    </p:tnLst>
+    <p:bldLst>
+      <p:bldP spid="7" grpId="0" animBg="1"/>
+    </p:bldLst>
+  </p:timing>
+</p:sld>
+</file>
+
+<file path=ppt/slides/slide17.xml><?xml version="1.0" encoding="utf-8"?>
+<p:sld xmlns:a="http://schemas.openxmlformats.org/drawingml/2006/main" xmlns:r="http://schemas.openxmlformats.org/officeDocument/2006/relationships" xmlns:p="http://schemas.openxmlformats.org/presentationml/2006/main">
+  <p:cSld>
+    <p:spTree>
+      <p:nvGrpSpPr>
+        <p:cNvPr id="1" name=""/>
+        <p:cNvGrpSpPr/>
+        <p:nvPr/>
+      </p:nvGrpSpPr>
+      <p:grpSpPr>
+        <a:xfrm>
+          <a:off x="0" y="0"/>
+          <a:ext cx="0" cy="0"/>
+          <a:chOff x="0" y="0"/>
+          <a:chExt cx="0" cy="0"/>
+        </a:xfrm>
+      </p:grpSpPr>
+      <p:sp>
+        <p:nvSpPr>
+          <p:cNvPr id="4" name="TextBox 3"/>
+          <p:cNvSpPr txBox="1"/>
+          <p:nvPr/>
+        </p:nvSpPr>
+        <p:spPr>
+          <a:xfrm>
+            <a:off x="198932" y="162124"/>
+            <a:ext cx="8983613" cy="1200329"/>
+          </a:xfrm>
+          <a:prstGeom prst="rect">
+            <a:avLst/>
+          </a:prstGeom>
+          <a:noFill/>
+        </p:spPr>
+        <p:txBody>
+          <a:bodyPr wrap="none" rtlCol="0">
+            <a:spAutoFit/>
+          </a:bodyPr>
+          <a:lstStyle/>
+          <a:p>
+            <a:r>
+              <a:rPr lang="en-US" sz="3600" b="1" dirty="0"/>
+              <a:t>Alberta Cumulative Effects </a:t>
+            </a:r>
+            <a:r>
+              <a:rPr lang="en-US" sz="3600" b="1" dirty="0" smtClean="0"/>
+              <a:t>Model </a:t>
+            </a:r>
+            <a:r>
+              <a:rPr lang="en-US" sz="3600" b="1" dirty="0"/>
+              <a:t>(Joe Model)</a:t>
+            </a:r>
+          </a:p>
+          <a:p>
+            <a:endParaRPr lang="en-CA" sz="3600" b="1" dirty="0"/>
+          </a:p>
+        </p:txBody>
+      </p:sp>
+      <p:sp>
+        <p:nvSpPr>
+          <p:cNvPr id="8" name="TextBox 7"/>
+          <p:cNvSpPr txBox="1"/>
+          <p:nvPr/>
+        </p:nvSpPr>
+        <p:spPr>
+          <a:xfrm>
+            <a:off x="198932" y="460829"/>
+            <a:ext cx="11393713" cy="954107"/>
+          </a:xfrm>
+          <a:prstGeom prst="rect">
+            <a:avLst/>
+          </a:prstGeom>
+          <a:noFill/>
+        </p:spPr>
+        <p:txBody>
+          <a:bodyPr wrap="square" rtlCol="0">
+            <a:spAutoFit/>
+          </a:bodyPr>
+          <a:lstStyle/>
+          <a:p>
+            <a:endParaRPr lang="en-US" sz="2800" b="1" dirty="0"/>
+          </a:p>
+          <a:p>
+            <a:r>
+              <a:rPr lang="en-CA" sz="2800" b="1" dirty="0" smtClean="0"/>
+              <a:t>Model workflow:</a:t>
+            </a:r>
+            <a:endParaRPr lang="en-CA" sz="2800" b="1" dirty="0"/>
+          </a:p>
+        </p:txBody>
+      </p:sp>
+      <p:sp>
+        <p:nvSpPr>
+          <p:cNvPr id="5" name="Rectangle 4"/>
+          <p:cNvSpPr/>
+          <p:nvPr/>
+        </p:nvSpPr>
+        <p:spPr>
+          <a:xfrm>
+            <a:off x="4602769" y="1303275"/>
+            <a:ext cx="2586037" cy="1328737"/>
+          </a:xfrm>
+          <a:prstGeom prst="rect">
+            <a:avLst/>
+          </a:prstGeom>
+          <a:solidFill>
+            <a:schemeClr val="accent6"/>
+          </a:solidFill>
+        </p:spPr>
+        <p:style>
+          <a:lnRef idx="2">
+            <a:schemeClr val="accent1">
+              <a:shade val="50000"/>
+            </a:schemeClr>
+          </a:lnRef>
+          <a:fillRef idx="1">
+            <a:schemeClr val="accent1"/>
+          </a:fillRef>
+          <a:effectRef idx="0">
+            <a:schemeClr val="accent1"/>
+          </a:effectRef>
+          <a:fontRef idx="minor">
+            <a:schemeClr val="lt1"/>
+          </a:fontRef>
+        </p:style>
+        <p:txBody>
+          <a:bodyPr rtlCol="0" anchor="ctr"/>
+          <a:lstStyle/>
+          <a:p>
+            <a:pPr algn="ctr"/>
+            <a:r>
+              <a:rPr lang="en-CA" sz="2000" b="1" dirty="0" smtClean="0"/>
+              <a:t>Excel file – stressor levels</a:t>
+            </a:r>
+          </a:p>
+          <a:p>
+            <a:pPr marL="342900" indent="-342900">
+              <a:buFont typeface="Arial" panose="020B0604020202020204" pitchFamily="34" charset="0"/>
+              <a:buChar char="•"/>
+            </a:pPr>
+            <a:r>
+              <a:rPr lang="en-CA" sz="1600" b="1" dirty="0" smtClean="0"/>
+              <a:t>Can include multiple scenarios</a:t>
+            </a:r>
+            <a:endParaRPr lang="en-US" sz="1600" b="1" dirty="0"/>
+          </a:p>
+        </p:txBody>
+      </p:sp>
+      <p:sp>
+        <p:nvSpPr>
+          <p:cNvPr id="11" name="Right Arrow 10"/>
+          <p:cNvSpPr/>
+          <p:nvPr/>
+        </p:nvSpPr>
+        <p:spPr>
+          <a:xfrm rot="5400000">
+            <a:off x="5584553" y="2468435"/>
+            <a:ext cx="364862" cy="742950"/>
+          </a:xfrm>
+          <a:prstGeom prst="rightArrow">
+            <a:avLst/>
+          </a:prstGeom>
+          <a:solidFill>
+            <a:schemeClr val="tx1"/>
+          </a:solidFill>
+        </p:spPr>
+        <p:style>
+          <a:lnRef idx="2">
+            <a:schemeClr val="accent1">
+              <a:shade val="50000"/>
+            </a:schemeClr>
+          </a:lnRef>
+          <a:fillRef idx="1">
+            <a:schemeClr val="accent1"/>
+          </a:fillRef>
+          <a:effectRef idx="0">
+            <a:schemeClr val="accent1"/>
+          </a:effectRef>
+          <a:fontRef idx="minor">
+            <a:schemeClr val="lt1"/>
+          </a:fontRef>
+        </p:style>
+        <p:txBody>
+          <a:bodyPr rtlCol="0" anchor="ctr"/>
+          <a:lstStyle/>
+          <a:p>
+            <a:pPr algn="ctr"/>
+            <a:endParaRPr lang="en-US"/>
+          </a:p>
+        </p:txBody>
+      </p:sp>
+      <p:sp>
+        <p:nvSpPr>
+          <p:cNvPr id="14" name="TextBox 13"/>
+          <p:cNvSpPr txBox="1"/>
+          <p:nvPr/>
+        </p:nvSpPr>
+        <p:spPr>
+          <a:xfrm>
+            <a:off x="499528" y="3139052"/>
+            <a:ext cx="3191899" cy="954107"/>
+          </a:xfrm>
+          <a:prstGeom prst="rect">
+            <a:avLst/>
+          </a:prstGeom>
+          <a:noFill/>
+        </p:spPr>
+        <p:txBody>
+          <a:bodyPr wrap="none" rtlCol="0">
+            <a:spAutoFit/>
+          </a:bodyPr>
+          <a:lstStyle/>
+          <a:p>
+            <a:r>
+              <a:rPr lang="en-CA" sz="2800" b="1" dirty="0" err="1" smtClean="0">
+                <a:latin typeface="Courier New" panose="02070309020205020404" pitchFamily="49" charset="0"/>
+                <a:cs typeface="Courier New" panose="02070309020205020404" pitchFamily="49" charset="0"/>
+              </a:rPr>
+              <a:t>Global.R</a:t>
+            </a:r>
+            <a:r>
+              <a:rPr lang="en-CA" sz="2800" b="1" dirty="0" smtClean="0">
+                <a:latin typeface="Courier New" panose="02070309020205020404" pitchFamily="49" charset="0"/>
+                <a:cs typeface="Courier New" panose="02070309020205020404" pitchFamily="49" charset="0"/>
+              </a:rPr>
+              <a:t> calls</a:t>
+            </a:r>
+          </a:p>
+          <a:p>
+            <a:r>
+              <a:rPr lang="en-CA" sz="2800" b="1" dirty="0" err="1" smtClean="0">
+                <a:latin typeface="Courier New" panose="02070309020205020404" pitchFamily="49" charset="0"/>
+                <a:cs typeface="Courier New" panose="02070309020205020404" pitchFamily="49" charset="0"/>
+              </a:rPr>
+              <a:t>Joe_model.R</a:t>
+            </a:r>
+            <a:endParaRPr lang="en-US" sz="2800" b="1" dirty="0">
+              <a:latin typeface="Courier New" panose="02070309020205020404" pitchFamily="49" charset="0"/>
+              <a:cs typeface="Courier New" panose="02070309020205020404" pitchFamily="49" charset="0"/>
+            </a:endParaRPr>
+          </a:p>
+        </p:txBody>
+      </p:sp>
+      <p:sp>
+        <p:nvSpPr>
+          <p:cNvPr id="15" name="TextBox 14"/>
+          <p:cNvSpPr txBox="1"/>
+          <p:nvPr/>
+        </p:nvSpPr>
+        <p:spPr>
+          <a:xfrm>
+            <a:off x="4602769" y="3240455"/>
+            <a:ext cx="6755794" cy="2246769"/>
+          </a:xfrm>
+          <a:prstGeom prst="rect">
+            <a:avLst/>
+          </a:prstGeom>
+          <a:noFill/>
+        </p:spPr>
+        <p:txBody>
+          <a:bodyPr wrap="square" rtlCol="0">
+            <a:spAutoFit/>
+          </a:bodyPr>
+          <a:lstStyle/>
+          <a:p>
+            <a:r>
+              <a:rPr lang="en-CA" sz="2800" b="1" dirty="0" smtClean="0">
+                <a:latin typeface="Courier New" panose="02070309020205020404" pitchFamily="49" charset="0"/>
+                <a:cs typeface="Courier New" panose="02070309020205020404" pitchFamily="49" charset="0"/>
+              </a:rPr>
+              <a:t>dose</a:t>
+            </a:r>
+          </a:p>
+          <a:p>
+            <a:pPr marL="457200" indent="-457200">
+              <a:buFont typeface="Arial" panose="020B0604020202020204" pitchFamily="34" charset="0"/>
+              <a:buChar char="•"/>
+            </a:pPr>
+            <a:r>
+              <a:rPr lang="en-CA" sz="2800" dirty="0" smtClean="0">
+                <a:cs typeface="Courier New" panose="02070309020205020404" pitchFamily="49" charset="0"/>
+              </a:rPr>
+              <a:t>A </a:t>
+            </a:r>
+            <a:r>
+              <a:rPr lang="en-CA" sz="2800" dirty="0" err="1" smtClean="0">
+                <a:cs typeface="Courier New" panose="02070309020205020404" pitchFamily="49" charset="0"/>
+              </a:rPr>
+              <a:t>data.frame</a:t>
+            </a:r>
+            <a:r>
+              <a:rPr lang="en-CA" sz="2800" dirty="0" smtClean="0">
+                <a:cs typeface="Courier New" panose="02070309020205020404" pitchFamily="49" charset="0"/>
+              </a:rPr>
+              <a:t> of stressor doses for the given</a:t>
+            </a:r>
+            <a:r>
+              <a:rPr lang="en-US" sz="2800" dirty="0" smtClean="0">
+                <a:cs typeface="Courier New" panose="02070309020205020404" pitchFamily="49" charset="0"/>
+              </a:rPr>
+              <a:t> scenario</a:t>
+            </a:r>
+          </a:p>
+          <a:p>
+            <a:pPr marL="457200" indent="-457200">
+              <a:buFont typeface="Arial" panose="020B0604020202020204" pitchFamily="34" charset="0"/>
+              <a:buChar char="•"/>
+            </a:pPr>
+            <a:r>
+              <a:rPr lang="en-CA" sz="2800" dirty="0" smtClean="0">
+                <a:cs typeface="Courier New" panose="02070309020205020404" pitchFamily="49" charset="0"/>
+              </a:rPr>
+              <a:t>For the initial run, the scenario is assigned to the object </a:t>
+            </a:r>
+            <a:r>
+              <a:rPr lang="en-CA" sz="2800" b="1" dirty="0" err="1" smtClean="0">
+                <a:latin typeface="Courier New" panose="02070309020205020404" pitchFamily="49" charset="0"/>
+                <a:cs typeface="Courier New" panose="02070309020205020404" pitchFamily="49" charset="0"/>
+              </a:rPr>
+              <a:t>scn.run</a:t>
+            </a:r>
+            <a:endParaRPr lang="en-CA" sz="2800" b="1" dirty="0" smtClean="0">
+              <a:latin typeface="Courier New" panose="02070309020205020404" pitchFamily="49" charset="0"/>
+              <a:cs typeface="Courier New" panose="02070309020205020404" pitchFamily="49" charset="0"/>
+            </a:endParaRPr>
+          </a:p>
+        </p:txBody>
+      </p:sp>
+    </p:spTree>
+    <p:extLst>
+      <p:ext uri="{BB962C8B-B14F-4D97-AF65-F5344CB8AC3E}">
+        <p14:creationId xmlns:p14="http://schemas.microsoft.com/office/powerpoint/2010/main" val="2568569063"/>
+      </p:ext>
+    </p:extLst>
+  </p:cSld>
+  <p:clrMapOvr>
+    <a:masterClrMapping/>
+  </p:clrMapOvr>
+  <p:timing>
+    <p:tnLst>
+      <p:par>
+        <p:cTn id="1" dur="indefinite" restart="never" nodeType="tmRoot">
+          <p:childTnLst>
+            <p:seq concurrent="1" nextAc="seek">
+              <p:cTn id="2" dur="indefinite" nodeType="mainSeq">
+                <p:childTnLst>
+                  <p:par>
+                    <p:cTn id="3" fill="hold">
+                      <p:stCondLst>
+                        <p:cond delay="indefinite"/>
+                        <p:cond evt="onBegin" delay="0">
+                          <p:tn val="2"/>
+                        </p:cond>
+                      </p:stCondLst>
+                      <p:childTnLst>
+                        <p:par>
+                          <p:cTn id="4" fill="hold">
+                            <p:stCondLst>
+                              <p:cond delay="0"/>
+                            </p:stCondLst>
+                            <p:childTnLst>
+                              <p:par>
+                                <p:cTn id="5" presetID="1" presetClass="entr" presetSubtype="0" fill="hold" grpId="0" nodeType="withEffect">
+                                  <p:stCondLst>
+                                    <p:cond delay="0"/>
+                                  </p:stCondLst>
+                                  <p:childTnLst>
+                                    <p:set>
+                                      <p:cBhvr>
+                                        <p:cTn id="6" dur="1" fill="hold">
+                                          <p:stCondLst>
+                                            <p:cond delay="0"/>
+                                          </p:stCondLst>
+                                        </p:cTn>
+                                        <p:tgtEl>
+                                          <p:spTgt spid="5"/>
+                                        </p:tgtEl>
+                                        <p:attrNameLst>
+                                          <p:attrName>style.visibility</p:attrName>
+                                        </p:attrNameLst>
+                                      </p:cBhvr>
+                                      <p:to>
+                                        <p:strVal val="visible"/>
+                                      </p:to>
+                                    </p:set>
+                                  </p:childTnLst>
+                                </p:cTn>
+                              </p:par>
+                              <p:par>
+                                <p:cTn id="7" presetID="1" presetClass="entr" presetSubtype="0" fill="hold" grpId="0" nodeType="withEffect">
+                                  <p:stCondLst>
+                                    <p:cond delay="0"/>
+                                  </p:stCondLst>
+                                  <p:childTnLst>
+                                    <p:set>
+                                      <p:cBhvr>
+                                        <p:cTn id="8" dur="1" fill="hold">
+                                          <p:stCondLst>
+                                            <p:cond delay="0"/>
+                                          </p:stCondLst>
+                                        </p:cTn>
+                                        <p:tgtEl>
+                                          <p:spTgt spid="11"/>
+                                        </p:tgtEl>
+                                        <p:attrNameLst>
+                                          <p:attrName>style.visibility</p:attrName>
+                                        </p:attrNameLst>
+                                      </p:cBhvr>
+                                      <p:to>
+                                        <p:strVal val="visible"/>
+                                      </p:to>
+                                    </p:set>
+                                  </p:childTnLst>
+                                </p:cTn>
+                              </p:par>
+                            </p:childTnLst>
+                          </p:cTn>
+                        </p:par>
+                      </p:childTnLst>
+                    </p:cTn>
+                  </p:par>
+                </p:childTnLst>
+              </p:cTn>
+              <p:prevCondLst>
+                <p:cond evt="onPrev" delay="0">
+                  <p:tgtEl>
+                    <p:sldTgt/>
+                  </p:tgtEl>
+                </p:cond>
+              </p:prevCondLst>
+              <p:nextCondLst>
+                <p:cond evt="onNext" delay="0">
+                  <p:tgtEl>
+                    <p:sldTgt/>
+                  </p:tgtEl>
+                </p:cond>
+              </p:nextCondLst>
+            </p:seq>
+          </p:childTnLst>
+        </p:cTn>
+      </p:par>
+    </p:tnLst>
+    <p:bldLst>
+      <p:bldP spid="5" grpId="0" animBg="1"/>
+      <p:bldP spid="11" grpId="0" animBg="1"/>
+    </p:bldLst>
+  </p:timing>
+</p:sld>
+</file>
+
+<file path=ppt/slides/slide18.xml><?xml version="1.0" encoding="utf-8"?>
+<p:sld xmlns:a="http://schemas.openxmlformats.org/drawingml/2006/main" xmlns:r="http://schemas.openxmlformats.org/officeDocument/2006/relationships" xmlns:p="http://schemas.openxmlformats.org/presentationml/2006/main">
+  <p:cSld>
+    <p:spTree>
+      <p:nvGrpSpPr>
+        <p:cNvPr id="1" name=""/>
+        <p:cNvGrpSpPr/>
+        <p:nvPr/>
+      </p:nvGrpSpPr>
+      <p:grpSpPr>
+        <a:xfrm>
+          <a:off x="0" y="0"/>
+          <a:ext cx="0" cy="0"/>
+          <a:chOff x="0" y="0"/>
+          <a:chExt cx="0" cy="0"/>
+        </a:xfrm>
+      </p:grpSpPr>
+      <p:sp>
+        <p:nvSpPr>
+          <p:cNvPr id="4" name="TextBox 3"/>
+          <p:cNvSpPr txBox="1"/>
+          <p:nvPr/>
+        </p:nvSpPr>
+        <p:spPr>
+          <a:xfrm>
+            <a:off x="198932" y="162124"/>
+            <a:ext cx="8983613" cy="1200329"/>
+          </a:xfrm>
+          <a:prstGeom prst="rect">
+            <a:avLst/>
+          </a:prstGeom>
+          <a:noFill/>
+        </p:spPr>
+        <p:txBody>
+          <a:bodyPr wrap="none" rtlCol="0">
+            <a:spAutoFit/>
+          </a:bodyPr>
+          <a:lstStyle/>
+          <a:p>
+            <a:r>
+              <a:rPr lang="en-US" sz="3600" b="1" dirty="0"/>
+              <a:t>Alberta Cumulative Effects </a:t>
+            </a:r>
+            <a:r>
+              <a:rPr lang="en-US" sz="3600" b="1" dirty="0" smtClean="0"/>
+              <a:t>Model </a:t>
+            </a:r>
+            <a:r>
+              <a:rPr lang="en-US" sz="3600" b="1" dirty="0"/>
+              <a:t>(Joe Model)</a:t>
+            </a:r>
+          </a:p>
+          <a:p>
+            <a:endParaRPr lang="en-CA" sz="3600" b="1" dirty="0"/>
+          </a:p>
+        </p:txBody>
+      </p:sp>
+      <p:sp>
+        <p:nvSpPr>
+          <p:cNvPr id="8" name="TextBox 7"/>
+          <p:cNvSpPr txBox="1"/>
+          <p:nvPr/>
+        </p:nvSpPr>
+        <p:spPr>
+          <a:xfrm>
+            <a:off x="198932" y="460829"/>
+            <a:ext cx="11393713" cy="954107"/>
+          </a:xfrm>
+          <a:prstGeom prst="rect">
+            <a:avLst/>
+          </a:prstGeom>
+          <a:noFill/>
+        </p:spPr>
+        <p:txBody>
+          <a:bodyPr wrap="square" rtlCol="0">
+            <a:spAutoFit/>
+          </a:bodyPr>
+          <a:lstStyle/>
+          <a:p>
+            <a:endParaRPr lang="en-US" sz="2800" b="1" dirty="0"/>
+          </a:p>
+          <a:p>
+            <a:r>
+              <a:rPr lang="en-CA" sz="2800" b="1" dirty="0" smtClean="0"/>
+              <a:t>Model workflow:</a:t>
+            </a:r>
+            <a:endParaRPr lang="en-CA" sz="2800" b="1" dirty="0"/>
+          </a:p>
+        </p:txBody>
+      </p:sp>
+      <p:sp>
+        <p:nvSpPr>
+          <p:cNvPr id="7" name="Right Arrow 6"/>
+          <p:cNvSpPr/>
+          <p:nvPr/>
+        </p:nvSpPr>
+        <p:spPr>
+          <a:xfrm rot="5400000">
+            <a:off x="7386783" y="1500840"/>
+            <a:ext cx="728663" cy="742950"/>
+          </a:xfrm>
+          <a:prstGeom prst="rightArrow">
+            <a:avLst/>
+          </a:prstGeom>
+          <a:solidFill>
+            <a:schemeClr val="tx1"/>
+          </a:solidFill>
+        </p:spPr>
+        <p:style>
+          <a:lnRef idx="2">
+            <a:schemeClr val="accent1">
+              <a:shade val="50000"/>
+            </a:schemeClr>
+          </a:lnRef>
+          <a:fillRef idx="1">
+            <a:schemeClr val="accent1"/>
+          </a:fillRef>
+          <a:effectRef idx="0">
+            <a:schemeClr val="accent1"/>
+          </a:effectRef>
+          <a:fontRef idx="minor">
+            <a:schemeClr val="lt1"/>
+          </a:fontRef>
+        </p:style>
+        <p:txBody>
+          <a:bodyPr rtlCol="0" anchor="ctr"/>
+          <a:lstStyle/>
+          <a:p>
+            <a:pPr algn="ctr"/>
+            <a:endParaRPr lang="en-US"/>
+          </a:p>
+        </p:txBody>
+      </p:sp>
+      <p:sp>
+        <p:nvSpPr>
+          <p:cNvPr id="15" name="TextBox 14"/>
+          <p:cNvSpPr txBox="1"/>
+          <p:nvPr/>
+        </p:nvSpPr>
+        <p:spPr>
+          <a:xfrm>
+            <a:off x="198932" y="1399548"/>
+            <a:ext cx="2547492" cy="523220"/>
+          </a:xfrm>
+          <a:prstGeom prst="rect">
+            <a:avLst/>
+          </a:prstGeom>
+          <a:noFill/>
+        </p:spPr>
+        <p:txBody>
+          <a:bodyPr wrap="none" rtlCol="0">
+            <a:spAutoFit/>
+          </a:bodyPr>
+          <a:lstStyle/>
+          <a:p>
+            <a:r>
+              <a:rPr lang="en-CA" sz="2800" b="1" dirty="0" err="1" smtClean="0">
+                <a:latin typeface="Courier New" panose="02070309020205020404" pitchFamily="49" charset="0"/>
+                <a:cs typeface="Courier New" panose="02070309020205020404" pitchFamily="49" charset="0"/>
+              </a:rPr>
+              <a:t>Joe_model.R</a:t>
+            </a:r>
+            <a:endParaRPr lang="en-US" sz="2800" b="1" dirty="0">
+              <a:latin typeface="Courier New" panose="02070309020205020404" pitchFamily="49" charset="0"/>
+              <a:cs typeface="Courier New" panose="02070309020205020404" pitchFamily="49" charset="0"/>
+            </a:endParaRPr>
+          </a:p>
+        </p:txBody>
+      </p:sp>
+      <p:sp>
+        <p:nvSpPr>
+          <p:cNvPr id="9" name="TextBox 8"/>
+          <p:cNvSpPr txBox="1"/>
+          <p:nvPr/>
+        </p:nvSpPr>
+        <p:spPr>
+          <a:xfrm>
+            <a:off x="4154192" y="876328"/>
+            <a:ext cx="5236506" cy="523220"/>
+          </a:xfrm>
+          <a:prstGeom prst="rect">
+            <a:avLst/>
+          </a:prstGeom>
+          <a:noFill/>
+        </p:spPr>
+        <p:txBody>
+          <a:bodyPr wrap="square" rtlCol="0">
+            <a:spAutoFit/>
+          </a:bodyPr>
+          <a:lstStyle/>
+          <a:p>
+            <a:r>
+              <a:rPr lang="en-CA" sz="2800" b="1" dirty="0" err="1" smtClean="0">
+                <a:latin typeface="Courier New" panose="02070309020205020404" pitchFamily="49" charset="0"/>
+                <a:cs typeface="Courier New" panose="02070309020205020404" pitchFamily="49" charset="0"/>
+              </a:rPr>
+              <a:t>mean.resp.list</a:t>
+            </a:r>
+            <a:endParaRPr lang="en-CA" sz="2800" b="1" dirty="0" smtClean="0">
+              <a:latin typeface="Courier New" panose="02070309020205020404" pitchFamily="49" charset="0"/>
+              <a:cs typeface="Courier New" panose="02070309020205020404" pitchFamily="49" charset="0"/>
+            </a:endParaRPr>
+          </a:p>
+        </p:txBody>
+      </p:sp>
+      <p:sp>
+        <p:nvSpPr>
+          <p:cNvPr id="10" name="TextBox 9"/>
+          <p:cNvSpPr txBox="1"/>
+          <p:nvPr/>
+        </p:nvSpPr>
+        <p:spPr>
+          <a:xfrm>
+            <a:off x="8167376" y="917737"/>
+            <a:ext cx="2030338" cy="523220"/>
+          </a:xfrm>
+          <a:prstGeom prst="rect">
+            <a:avLst/>
+          </a:prstGeom>
+          <a:noFill/>
+        </p:spPr>
+        <p:txBody>
+          <a:bodyPr wrap="square" rtlCol="0">
+            <a:spAutoFit/>
+          </a:bodyPr>
+          <a:lstStyle/>
+          <a:p>
+            <a:r>
+              <a:rPr lang="en-CA" sz="2800" b="1" dirty="0" smtClean="0">
+                <a:latin typeface="Courier New" panose="02070309020205020404" pitchFamily="49" charset="0"/>
+                <a:cs typeface="Courier New" panose="02070309020205020404" pitchFamily="49" charset="0"/>
+              </a:rPr>
+              <a:t>dose</a:t>
+            </a:r>
+          </a:p>
+        </p:txBody>
+      </p:sp>
+      <p:sp>
+        <p:nvSpPr>
+          <p:cNvPr id="2" name="TextBox 1"/>
+          <p:cNvSpPr txBox="1"/>
+          <p:nvPr/>
+        </p:nvSpPr>
+        <p:spPr>
+          <a:xfrm>
+            <a:off x="4928350" y="2236647"/>
+            <a:ext cx="5926815" cy="954107"/>
+          </a:xfrm>
+          <a:prstGeom prst="rect">
+            <a:avLst/>
+          </a:prstGeom>
+          <a:noFill/>
+        </p:spPr>
+        <p:txBody>
+          <a:bodyPr wrap="none" rtlCol="0">
+            <a:spAutoFit/>
+          </a:bodyPr>
+          <a:lstStyle/>
+          <a:p>
+            <a:pPr marL="285750" indent="-285750">
+              <a:buFont typeface="Arial" panose="020B0604020202020204" pitchFamily="34" charset="0"/>
+              <a:buChar char="•"/>
+            </a:pPr>
+            <a:r>
+              <a:rPr lang="en-CA" sz="2800" dirty="0" smtClean="0"/>
+              <a:t>Loop across every spatial unit (</a:t>
+            </a:r>
+            <a:r>
+              <a:rPr lang="en-CA" sz="2800" b="1" dirty="0" err="1" smtClean="0">
+                <a:latin typeface="Courier New" panose="02070309020205020404" pitchFamily="49" charset="0"/>
+                <a:cs typeface="Courier New" panose="02070309020205020404" pitchFamily="49" charset="0"/>
+              </a:rPr>
+              <a:t>hucs</a:t>
+            </a:r>
+            <a:r>
+              <a:rPr lang="en-CA" sz="2800" dirty="0" smtClean="0"/>
+              <a:t>)</a:t>
+            </a:r>
+          </a:p>
+          <a:p>
+            <a:pPr marL="285750" indent="-285750">
+              <a:buFont typeface="Arial" panose="020B0604020202020204" pitchFamily="34" charset="0"/>
+              <a:buChar char="•"/>
+            </a:pPr>
+            <a:r>
+              <a:rPr lang="en-CA" sz="2800" dirty="0" smtClean="0"/>
+              <a:t>And each stressor for the spatial unit</a:t>
+            </a:r>
+            <a:endParaRPr lang="en-US" sz="2800" dirty="0"/>
+          </a:p>
+        </p:txBody>
+      </p:sp>
+      <p:sp>
+        <p:nvSpPr>
+          <p:cNvPr id="11" name="Right Arrow 10"/>
+          <p:cNvSpPr/>
+          <p:nvPr/>
+        </p:nvSpPr>
+        <p:spPr>
+          <a:xfrm rot="5400000">
+            <a:off x="7406127" y="3376434"/>
+            <a:ext cx="728663" cy="742950"/>
+          </a:xfrm>
+          <a:prstGeom prst="rightArrow">
+            <a:avLst/>
+          </a:prstGeom>
+          <a:solidFill>
+            <a:schemeClr val="tx1"/>
+          </a:solidFill>
+        </p:spPr>
+        <p:style>
+          <a:lnRef idx="2">
+            <a:schemeClr val="accent1">
+              <a:shade val="50000"/>
+            </a:schemeClr>
+          </a:lnRef>
+          <a:fillRef idx="1">
+            <a:schemeClr val="accent1"/>
+          </a:fillRef>
+          <a:effectRef idx="0">
+            <a:schemeClr val="accent1"/>
+          </a:effectRef>
+          <a:fontRef idx="minor">
+            <a:schemeClr val="lt1"/>
+          </a:fontRef>
+        </p:style>
+        <p:txBody>
+          <a:bodyPr rtlCol="0" anchor="ctr"/>
+          <a:lstStyle/>
+          <a:p>
+            <a:pPr algn="ctr"/>
+            <a:endParaRPr lang="en-US"/>
+          </a:p>
+        </p:txBody>
+      </p:sp>
+      <p:sp>
+        <p:nvSpPr>
+          <p:cNvPr id="12" name="TextBox 11"/>
+          <p:cNvSpPr txBox="1"/>
+          <p:nvPr/>
+        </p:nvSpPr>
+        <p:spPr>
+          <a:xfrm>
+            <a:off x="4277445" y="4112241"/>
+            <a:ext cx="7315200" cy="2677656"/>
+          </a:xfrm>
+          <a:prstGeom prst="rect">
+            <a:avLst/>
+          </a:prstGeom>
+          <a:noFill/>
+        </p:spPr>
+        <p:txBody>
+          <a:bodyPr wrap="square" rtlCol="0">
+            <a:spAutoFit/>
+          </a:bodyPr>
+          <a:lstStyle/>
+          <a:p>
+            <a:pPr marL="285750" indent="-285750">
+              <a:buFont typeface="Arial" panose="020B0604020202020204" pitchFamily="34" charset="0"/>
+              <a:buChar char="•"/>
+            </a:pPr>
+            <a:r>
+              <a:rPr lang="en-CA" sz="2800" dirty="0" smtClean="0"/>
+              <a:t>Calculate system capacity for each </a:t>
+            </a:r>
+            <a:r>
+              <a:rPr lang="en-CA" sz="2800" b="1" dirty="0" smtClean="0">
+                <a:latin typeface="Courier New" panose="02070309020205020404" pitchFamily="49" charset="0"/>
+                <a:cs typeface="Courier New" panose="02070309020205020404" pitchFamily="49" charset="0"/>
+              </a:rPr>
+              <a:t>stressor</a:t>
+            </a:r>
+          </a:p>
+          <a:p>
+            <a:pPr marL="285750" indent="-285750">
+              <a:buFont typeface="Arial" panose="020B0604020202020204" pitchFamily="34" charset="0"/>
+              <a:buChar char="•"/>
+            </a:pPr>
+            <a:r>
+              <a:rPr lang="en-CA" sz="2800" dirty="0" smtClean="0">
+                <a:cs typeface="Courier New" panose="02070309020205020404" pitchFamily="49" charset="0"/>
+              </a:rPr>
+              <a:t>Calls function </a:t>
+            </a:r>
+            <a:r>
+              <a:rPr lang="en-CA" sz="2800" b="1" dirty="0" err="1" smtClean="0">
+                <a:latin typeface="Courier New" panose="02070309020205020404" pitchFamily="49" charset="0"/>
+                <a:cs typeface="Courier New" panose="02070309020205020404" pitchFamily="49" charset="0"/>
+              </a:rPr>
+              <a:t>sys.cap.func</a:t>
+            </a:r>
+            <a:endParaRPr lang="en-CA" sz="2800" b="1" dirty="0" smtClean="0">
+              <a:latin typeface="Courier New" panose="02070309020205020404" pitchFamily="49" charset="0"/>
+              <a:cs typeface="Courier New" panose="02070309020205020404" pitchFamily="49" charset="0"/>
+            </a:endParaRPr>
+          </a:p>
+          <a:p>
+            <a:pPr marL="285750" indent="-285750">
+              <a:buFont typeface="Arial" panose="020B0604020202020204" pitchFamily="34" charset="0"/>
+              <a:buChar char="•"/>
+            </a:pPr>
+            <a:r>
+              <a:rPr lang="en-CA" sz="2800" dirty="0" smtClean="0"/>
+              <a:t>Stored in the 3D array </a:t>
+            </a:r>
+            <a:r>
+              <a:rPr lang="en-CA" sz="2800" dirty="0" err="1" smtClean="0"/>
+              <a:t>sys.capacity</a:t>
+            </a:r>
+            <a:r>
+              <a:rPr lang="en-CA" sz="2800" dirty="0" smtClean="0"/>
+              <a:t> </a:t>
+            </a:r>
+          </a:p>
+          <a:p>
+            <a:pPr marL="1200150" lvl="2" indent="-285750">
+              <a:buFont typeface="Arial" panose="020B0604020202020204" pitchFamily="34" charset="0"/>
+              <a:buChar char="•"/>
+            </a:pPr>
+            <a:r>
+              <a:rPr lang="en-CA" sz="2800" dirty="0" smtClean="0"/>
+              <a:t>Rows – </a:t>
+            </a:r>
+            <a:r>
+              <a:rPr lang="en-CA" sz="2800" b="1" dirty="0" err="1" smtClean="0">
+                <a:latin typeface="Courier New" panose="02070309020205020404" pitchFamily="49" charset="0"/>
+                <a:cs typeface="Courier New" panose="02070309020205020404" pitchFamily="49" charset="0"/>
+              </a:rPr>
+              <a:t>hucs</a:t>
+            </a:r>
+            <a:endParaRPr lang="en-CA" sz="2800" b="1" dirty="0" smtClean="0">
+              <a:latin typeface="Courier New" panose="02070309020205020404" pitchFamily="49" charset="0"/>
+              <a:cs typeface="Courier New" panose="02070309020205020404" pitchFamily="49" charset="0"/>
+            </a:endParaRPr>
+          </a:p>
+          <a:p>
+            <a:pPr marL="1200150" lvl="2" indent="-285750">
+              <a:buFont typeface="Arial" panose="020B0604020202020204" pitchFamily="34" charset="0"/>
+              <a:buChar char="•"/>
+            </a:pPr>
+            <a:r>
+              <a:rPr lang="en-CA" sz="2800" dirty="0" smtClean="0"/>
+              <a:t>Columns – </a:t>
+            </a:r>
+            <a:r>
+              <a:rPr lang="en-CA" sz="2800" b="1" dirty="0" smtClean="0">
+                <a:latin typeface="Courier New" panose="02070309020205020404" pitchFamily="49" charset="0"/>
+                <a:cs typeface="Courier New" panose="02070309020205020404" pitchFamily="49" charset="0"/>
+              </a:rPr>
+              <a:t>stressors</a:t>
+            </a:r>
+          </a:p>
+          <a:p>
+            <a:pPr marL="1200150" lvl="2" indent="-285750">
+              <a:buFont typeface="Arial" panose="020B0604020202020204" pitchFamily="34" charset="0"/>
+              <a:buChar char="•"/>
+            </a:pPr>
+            <a:r>
+              <a:rPr lang="en-CA" sz="2800" dirty="0" smtClean="0"/>
+              <a:t>Sheets – simulations (</a:t>
+            </a:r>
+            <a:r>
+              <a:rPr lang="en-CA" sz="2800" b="1" dirty="0" err="1" smtClean="0">
+                <a:latin typeface="Courier New" panose="02070309020205020404" pitchFamily="49" charset="0"/>
+                <a:cs typeface="Courier New" panose="02070309020205020404" pitchFamily="49" charset="0"/>
+              </a:rPr>
+              <a:t>MC.sims</a:t>
+            </a:r>
+            <a:r>
+              <a:rPr lang="en-CA" sz="2800" dirty="0" smtClean="0"/>
+              <a:t>)</a:t>
+            </a:r>
+            <a:endParaRPr lang="en-US" sz="2800" dirty="0"/>
+          </a:p>
+        </p:txBody>
+      </p:sp>
+    </p:spTree>
+    <p:extLst>
+      <p:ext uri="{BB962C8B-B14F-4D97-AF65-F5344CB8AC3E}">
+        <p14:creationId xmlns:p14="http://schemas.microsoft.com/office/powerpoint/2010/main" val="3784475134"/>
+      </p:ext>
+    </p:extLst>
+  </p:cSld>
+  <p:clrMapOvr>
+    <a:masterClrMapping/>
+  </p:clrMapOvr>
+  <p:timing>
+    <p:tnLst>
+      <p:par>
+        <p:cTn id="1" dur="indefinite" restart="never" nodeType="tmRoot">
+          <p:childTnLst>
+            <p:seq concurrent="1" nextAc="seek">
+              <p:cTn id="2" dur="indefinite" nodeType="mainSeq">
+                <p:childTnLst>
+                  <p:par>
+                    <p:cTn id="3" fill="hold">
+                      <p:stCondLst>
+                        <p:cond delay="indefinite"/>
+                        <p:cond evt="onBegin" delay="0">
+                          <p:tn val="2"/>
+                        </p:cond>
+                      </p:stCondLst>
+                      <p:childTnLst>
+                        <p:par>
+                          <p:cTn id="4" fill="hold">
+                            <p:stCondLst>
+                              <p:cond delay="0"/>
+                            </p:stCondLst>
+                            <p:childTnLst>
+                              <p:par>
+                                <p:cTn id="5" presetID="1" presetClass="entr" presetSubtype="0" fill="hold" grpId="0" nodeType="withEffect">
+                                  <p:stCondLst>
+                                    <p:cond delay="0"/>
+                                  </p:stCondLst>
+                                  <p:childTnLst>
+                                    <p:set>
+                                      <p:cBhvr>
+                                        <p:cTn id="6" dur="1" fill="hold">
+                                          <p:stCondLst>
+                                            <p:cond delay="0"/>
+                                          </p:stCondLst>
+                                        </p:cTn>
+                                        <p:tgtEl>
+                                          <p:spTgt spid="7"/>
+                                        </p:tgtEl>
+                                        <p:attrNameLst>
+                                          <p:attrName>style.visibility</p:attrName>
+                                        </p:attrNameLst>
+                                      </p:cBhvr>
+                                      <p:to>
+                                        <p:strVal val="visible"/>
+                                      </p:to>
+                                    </p:set>
+                                  </p:childTnLst>
+                                </p:cTn>
+                              </p:par>
+                              <p:par>
+                                <p:cTn id="7" presetID="1" presetClass="entr" presetSubtype="0" fill="hold" grpId="0" nodeType="withEffect">
+                                  <p:stCondLst>
+                                    <p:cond delay="0"/>
+                                  </p:stCondLst>
+                                  <p:childTnLst>
+                                    <p:set>
+                                      <p:cBhvr>
+                                        <p:cTn id="8" dur="1" fill="hold">
+                                          <p:stCondLst>
+                                            <p:cond delay="0"/>
+                                          </p:stCondLst>
+                                        </p:cTn>
+                                        <p:tgtEl>
+                                          <p:spTgt spid="11"/>
+                                        </p:tgtEl>
+                                        <p:attrNameLst>
+                                          <p:attrName>style.visibility</p:attrName>
+                                        </p:attrNameLst>
+                                      </p:cBhvr>
+                                      <p:to>
+                                        <p:strVal val="visible"/>
+                                      </p:to>
+                                    </p:set>
+                                  </p:childTnLst>
+                                </p:cTn>
+                              </p:par>
+                            </p:childTnLst>
+                          </p:cTn>
+                        </p:par>
+                      </p:childTnLst>
+                    </p:cTn>
+                  </p:par>
+                </p:childTnLst>
+              </p:cTn>
+              <p:prevCondLst>
+                <p:cond evt="onPrev" delay="0">
+                  <p:tgtEl>
+                    <p:sldTgt/>
+                  </p:tgtEl>
+                </p:cond>
+              </p:prevCondLst>
+              <p:nextCondLst>
+                <p:cond evt="onNext" delay="0">
+                  <p:tgtEl>
+                    <p:sldTgt/>
+                  </p:tgtEl>
+                </p:cond>
+              </p:nextCondLst>
+            </p:seq>
+          </p:childTnLst>
+        </p:cTn>
+      </p:par>
+    </p:tnLst>
+    <p:bldLst>
+      <p:bldP spid="7" grpId="0" animBg="1"/>
+      <p:bldP spid="11" grpId="0" animBg="1"/>
+    </p:bldLst>
+  </p:timing>
+</p:sld>
+</file>
+
+<file path=ppt/slides/slide19.xml><?xml version="1.0" encoding="utf-8"?>
+<p:sld xmlns:a="http://schemas.openxmlformats.org/drawingml/2006/main" xmlns:r="http://schemas.openxmlformats.org/officeDocument/2006/relationships" xmlns:p="http://schemas.openxmlformats.org/presentationml/2006/main">
+  <p:cSld>
+    <p:spTree>
+      <p:nvGrpSpPr>
+        <p:cNvPr id="1" name=""/>
+        <p:cNvGrpSpPr/>
+        <p:nvPr/>
+      </p:nvGrpSpPr>
+      <p:grpSpPr>
+        <a:xfrm>
+          <a:off x="0" y="0"/>
+          <a:ext cx="0" cy="0"/>
+          <a:chOff x="0" y="0"/>
+          <a:chExt cx="0" cy="0"/>
+        </a:xfrm>
+      </p:grpSpPr>
+      <p:sp>
+        <p:nvSpPr>
+          <p:cNvPr id="4" name="TextBox 3"/>
+          <p:cNvSpPr txBox="1"/>
+          <p:nvPr/>
+        </p:nvSpPr>
+        <p:spPr>
+          <a:xfrm>
+            <a:off x="198932" y="162124"/>
+            <a:ext cx="8983613" cy="1200329"/>
+          </a:xfrm>
+          <a:prstGeom prst="rect">
+            <a:avLst/>
+          </a:prstGeom>
+          <a:noFill/>
+        </p:spPr>
+        <p:txBody>
+          <a:bodyPr wrap="none" rtlCol="0">
+            <a:spAutoFit/>
+          </a:bodyPr>
+          <a:lstStyle/>
+          <a:p>
+            <a:r>
+              <a:rPr lang="en-US" sz="3600" b="1" dirty="0"/>
+              <a:t>Alberta Cumulative Effects </a:t>
+            </a:r>
+            <a:r>
+              <a:rPr lang="en-US" sz="3600" b="1" dirty="0" smtClean="0"/>
+              <a:t>Model </a:t>
+            </a:r>
+            <a:r>
+              <a:rPr lang="en-US" sz="3600" b="1" dirty="0"/>
+              <a:t>(Joe Model)</a:t>
+            </a:r>
+          </a:p>
+          <a:p>
+            <a:endParaRPr lang="en-CA" sz="3600" b="1" dirty="0"/>
+          </a:p>
+        </p:txBody>
+      </p:sp>
+      <p:sp>
+        <p:nvSpPr>
+          <p:cNvPr id="8" name="TextBox 7"/>
+          <p:cNvSpPr txBox="1"/>
+          <p:nvPr/>
+        </p:nvSpPr>
+        <p:spPr>
+          <a:xfrm>
+            <a:off x="198932" y="460829"/>
+            <a:ext cx="11393713" cy="954107"/>
+          </a:xfrm>
+          <a:prstGeom prst="rect">
+            <a:avLst/>
+          </a:prstGeom>
+          <a:noFill/>
+        </p:spPr>
+        <p:txBody>
+          <a:bodyPr wrap="square" rtlCol="0">
+            <a:spAutoFit/>
+          </a:bodyPr>
+          <a:lstStyle/>
+          <a:p>
+            <a:endParaRPr lang="en-US" sz="2800" b="1" dirty="0"/>
+          </a:p>
+          <a:p>
+            <a:r>
+              <a:rPr lang="en-CA" sz="2800" b="1" dirty="0" smtClean="0"/>
+              <a:t>Model workflow:</a:t>
+            </a:r>
+            <a:endParaRPr lang="en-CA" sz="2800" b="1" dirty="0"/>
+          </a:p>
+        </p:txBody>
+      </p:sp>
+      <p:sp>
+        <p:nvSpPr>
+          <p:cNvPr id="15" name="TextBox 14"/>
+          <p:cNvSpPr txBox="1"/>
+          <p:nvPr/>
+        </p:nvSpPr>
+        <p:spPr>
+          <a:xfrm>
+            <a:off x="198932" y="1399548"/>
+            <a:ext cx="3406702" cy="523220"/>
+          </a:xfrm>
+          <a:prstGeom prst="rect">
+            <a:avLst/>
+          </a:prstGeom>
+          <a:noFill/>
+        </p:spPr>
+        <p:txBody>
+          <a:bodyPr wrap="none" rtlCol="0">
+            <a:spAutoFit/>
+          </a:bodyPr>
+          <a:lstStyle/>
+          <a:p>
+            <a:r>
+              <a:rPr lang="en-CA" sz="2800" b="1" dirty="0" err="1" smtClean="0">
+                <a:latin typeface="Courier New" panose="02070309020205020404" pitchFamily="49" charset="0"/>
+                <a:cs typeface="Courier New" panose="02070309020205020404" pitchFamily="49" charset="0"/>
+              </a:rPr>
+              <a:t>Joe_functions.R</a:t>
+            </a:r>
+            <a:endParaRPr lang="en-US" sz="2800" b="1" dirty="0">
+              <a:latin typeface="Courier New" panose="02070309020205020404" pitchFamily="49" charset="0"/>
+              <a:cs typeface="Courier New" panose="02070309020205020404" pitchFamily="49" charset="0"/>
+            </a:endParaRPr>
+          </a:p>
+        </p:txBody>
+      </p:sp>
+      <p:sp>
+        <p:nvSpPr>
+          <p:cNvPr id="9" name="TextBox 8"/>
+          <p:cNvSpPr txBox="1"/>
+          <p:nvPr/>
+        </p:nvSpPr>
+        <p:spPr>
+          <a:xfrm>
+            <a:off x="4154192" y="876328"/>
+            <a:ext cx="5236506" cy="523220"/>
+          </a:xfrm>
+          <a:prstGeom prst="rect">
+            <a:avLst/>
+          </a:prstGeom>
+          <a:noFill/>
+        </p:spPr>
+        <p:txBody>
+          <a:bodyPr wrap="square" rtlCol="0">
+            <a:spAutoFit/>
+          </a:bodyPr>
+          <a:lstStyle/>
+          <a:p>
+            <a:r>
+              <a:rPr lang="en-CA" sz="2800" b="1" dirty="0" err="1" smtClean="0">
+                <a:latin typeface="Courier New" panose="02070309020205020404" pitchFamily="49" charset="0"/>
+                <a:cs typeface="Courier New" panose="02070309020205020404" pitchFamily="49" charset="0"/>
+              </a:rPr>
+              <a:t>sys.cap.func</a:t>
+            </a:r>
+            <a:endParaRPr lang="en-CA" sz="2800" b="1" dirty="0" smtClean="0">
+              <a:latin typeface="Courier New" panose="02070309020205020404" pitchFamily="49" charset="0"/>
+              <a:cs typeface="Courier New" panose="02070309020205020404" pitchFamily="49" charset="0"/>
+            </a:endParaRPr>
+          </a:p>
+        </p:txBody>
+      </p:sp>
+      <p:sp>
+        <p:nvSpPr>
+          <p:cNvPr id="2" name="TextBox 1"/>
+          <p:cNvSpPr txBox="1"/>
+          <p:nvPr/>
+        </p:nvSpPr>
+        <p:spPr>
+          <a:xfrm>
+            <a:off x="4635732" y="1445714"/>
+            <a:ext cx="7294331" cy="5262979"/>
+          </a:xfrm>
+          <a:prstGeom prst="rect">
+            <a:avLst/>
+          </a:prstGeom>
+          <a:noFill/>
+        </p:spPr>
+        <p:txBody>
+          <a:bodyPr wrap="square" rtlCol="0">
+            <a:spAutoFit/>
+          </a:bodyPr>
+          <a:lstStyle/>
+          <a:p>
+            <a:pPr marL="285750" indent="-285750">
+              <a:buFont typeface="Arial" panose="020B0604020202020204" pitchFamily="34" charset="0"/>
+              <a:buChar char="•"/>
+            </a:pPr>
+            <a:r>
+              <a:rPr lang="en-CA" sz="2800" dirty="0" smtClean="0"/>
+              <a:t>Input:</a:t>
+            </a:r>
+          </a:p>
+          <a:p>
+            <a:pPr marL="1200150" lvl="2" indent="-285750">
+              <a:buFont typeface="Arial" panose="020B0604020202020204" pitchFamily="34" charset="0"/>
+              <a:buChar char="•"/>
+            </a:pPr>
+            <a:r>
+              <a:rPr lang="en-CA" sz="2800" dirty="0" smtClean="0"/>
+              <a:t>Dose </a:t>
+            </a:r>
+            <a:r>
+              <a:rPr lang="en-CA" sz="2800" dirty="0" err="1" smtClean="0"/>
+              <a:t>data.frame</a:t>
+            </a:r>
+            <a:r>
+              <a:rPr lang="en-CA" sz="2800" dirty="0" smtClean="0"/>
+              <a:t> for a single stressor</a:t>
+            </a:r>
+          </a:p>
+          <a:p>
+            <a:pPr marL="2114550" lvl="4" indent="-285750">
+              <a:buFont typeface="Arial" panose="020B0604020202020204" pitchFamily="34" charset="0"/>
+              <a:buChar char="•"/>
+            </a:pPr>
+            <a:r>
+              <a:rPr lang="en-CA" sz="2800" dirty="0" smtClean="0"/>
+              <a:t>Additive stressors (mortality) can have multiple rows in </a:t>
+            </a:r>
+            <a:r>
+              <a:rPr lang="en-CA" sz="2800" dirty="0" err="1" smtClean="0"/>
+              <a:t>data.frame</a:t>
+            </a:r>
+            <a:endParaRPr lang="en-CA" sz="2800" dirty="0" smtClean="0"/>
+          </a:p>
+          <a:p>
+            <a:pPr marL="1200150" lvl="2" indent="-285750">
+              <a:buFont typeface="Arial" panose="020B0604020202020204" pitchFamily="34" charset="0"/>
+              <a:buChar char="•"/>
+            </a:pPr>
+            <a:r>
+              <a:rPr lang="en-CA" sz="2800" dirty="0" smtClean="0"/>
+              <a:t>4 approx. functions for that stressor from </a:t>
+            </a:r>
+            <a:r>
+              <a:rPr lang="en-CA" sz="2800" b="1" dirty="0" err="1" smtClean="0">
+                <a:latin typeface="Courier New" panose="02070309020205020404" pitchFamily="49" charset="0"/>
+                <a:cs typeface="Courier New" panose="02070309020205020404" pitchFamily="49" charset="0"/>
+              </a:rPr>
+              <a:t>mean.resp.list</a:t>
+            </a:r>
+            <a:endParaRPr lang="en-CA" sz="2800" b="1" dirty="0" smtClean="0">
+              <a:latin typeface="Courier New" panose="02070309020205020404" pitchFamily="49" charset="0"/>
+              <a:cs typeface="Courier New" panose="02070309020205020404" pitchFamily="49" charset="0"/>
+            </a:endParaRPr>
+          </a:p>
+          <a:p>
+            <a:pPr marL="1200150" lvl="2" indent="-285750">
+              <a:buFont typeface="Arial" panose="020B0604020202020204" pitchFamily="34" charset="0"/>
+              <a:buChar char="•"/>
+            </a:pPr>
+            <a:r>
+              <a:rPr lang="en-CA" sz="2800" dirty="0" smtClean="0">
+                <a:cs typeface="Courier New" panose="02070309020205020404" pitchFamily="49" charset="0"/>
+              </a:rPr>
+              <a:t>Also, requires residual information for that stressor from </a:t>
+            </a:r>
+            <a:r>
+              <a:rPr lang="en-CA" sz="2800" b="1" dirty="0" err="1" smtClean="0">
+                <a:latin typeface="Courier New" panose="02070309020205020404" pitchFamily="49" charset="0"/>
+                <a:cs typeface="Courier New" panose="02070309020205020404" pitchFamily="49" charset="0"/>
+              </a:rPr>
+              <a:t>main.sheet</a:t>
+            </a:r>
+            <a:r>
+              <a:rPr lang="en-CA" sz="2800" dirty="0" smtClean="0">
+                <a:cs typeface="Courier New" panose="02070309020205020404" pitchFamily="49" charset="0"/>
+              </a:rPr>
+              <a:t> and </a:t>
+            </a:r>
+            <a:r>
+              <a:rPr lang="en-CA" sz="2800" b="1" dirty="0" err="1" smtClean="0">
+                <a:latin typeface="Courier New" panose="02070309020205020404" pitchFamily="49" charset="0"/>
+                <a:cs typeface="Courier New" panose="02070309020205020404" pitchFamily="49" charset="0"/>
+              </a:rPr>
+              <a:t>stressor.list</a:t>
+            </a:r>
+            <a:endParaRPr lang="en-CA" sz="2800" b="1" dirty="0" smtClean="0">
+              <a:latin typeface="Courier New" panose="02070309020205020404" pitchFamily="49" charset="0"/>
+              <a:cs typeface="Courier New" panose="02070309020205020404" pitchFamily="49" charset="0"/>
+            </a:endParaRPr>
+          </a:p>
+          <a:p>
+            <a:pPr marL="2114550" lvl="4" indent="-285750">
+              <a:buFont typeface="Arial" panose="020B0604020202020204" pitchFamily="34" charset="0"/>
+              <a:buChar char="•"/>
+            </a:pPr>
+            <a:r>
+              <a:rPr lang="en-CA" sz="2800" dirty="0" smtClean="0">
+                <a:cs typeface="Courier New" panose="02070309020205020404" pitchFamily="49" charset="0"/>
+              </a:rPr>
+              <a:t>Constraint to random doses</a:t>
+            </a:r>
+          </a:p>
+          <a:p>
+            <a:pPr marL="2114550" lvl="4" indent="-285750">
+              <a:buFont typeface="Arial" panose="020B0604020202020204" pitchFamily="34" charset="0"/>
+              <a:buChar char="•"/>
+            </a:pPr>
+            <a:r>
+              <a:rPr lang="en-CA" sz="2800" dirty="0" smtClean="0">
+                <a:cs typeface="Courier New" panose="02070309020205020404" pitchFamily="49" charset="0"/>
+              </a:rPr>
+              <a:t>Scale (normal/log) of doses</a:t>
+            </a:r>
+          </a:p>
+          <a:p>
+            <a:pPr marL="1200150" lvl="2" indent="-285750">
+              <a:buFont typeface="Arial" panose="020B0604020202020204" pitchFamily="34" charset="0"/>
+              <a:buChar char="•"/>
+            </a:pPr>
+            <a:r>
+              <a:rPr lang="en-CA" sz="2800" dirty="0" smtClean="0">
+                <a:cs typeface="Courier New" panose="02070309020205020404" pitchFamily="49" charset="0"/>
+              </a:rPr>
+              <a:t>Number of simulations </a:t>
+            </a:r>
+            <a:r>
+              <a:rPr lang="en-CA" sz="2800" b="1" dirty="0" err="1" smtClean="0">
+                <a:latin typeface="Courier New" panose="02070309020205020404" pitchFamily="49" charset="0"/>
+                <a:cs typeface="Courier New" panose="02070309020205020404" pitchFamily="49" charset="0"/>
+              </a:rPr>
+              <a:t>MC.sims</a:t>
+            </a:r>
+            <a:endParaRPr lang="en-US" sz="2800" b="1" dirty="0">
+              <a:latin typeface="Courier New" panose="02070309020205020404" pitchFamily="49" charset="0"/>
+              <a:cs typeface="Courier New" panose="02070309020205020404" pitchFamily="49" charset="0"/>
+            </a:endParaRPr>
+          </a:p>
+        </p:txBody>
+      </p:sp>
+    </p:spTree>
+    <p:extLst>
+      <p:ext uri="{BB962C8B-B14F-4D97-AF65-F5344CB8AC3E}">
+        <p14:creationId xmlns:p14="http://schemas.microsoft.com/office/powerpoint/2010/main" val="582394116"/>
+      </p:ext>
+    </p:extLst>
+  </p:cSld>
+  <p:clrMapOvr>
+    <a:masterClrMapping/>
+  </p:clrMapOvr>
+  <p:timing>
+    <p:tnLst>
+      <p:par>
+        <p:cTn id="1" dur="indefinite" restart="never" nodeType="tmRoot"/>
+      </p:par>
+    </p:tnLst>
+  </p:timing>
+</p:sld>
+</file>
+
 <file path=ppt/slides/slide2.xml><?xml version="1.0" encoding="utf-8"?>
 <p:sld xmlns:a="http://schemas.openxmlformats.org/drawingml/2006/main" xmlns:r="http://schemas.openxmlformats.org/officeDocument/2006/relationships" xmlns:p="http://schemas.openxmlformats.org/presentationml/2006/main">
   <p:cSld>
@@ -6380,11 +9257,7 @@
             </a:pPr>
             <a:r>
               <a:rPr lang="en-CA" sz="2800" b="1" dirty="0" smtClean="0"/>
-              <a:t>Prioritize </a:t>
-            </a:r>
-            <a:r>
-              <a:rPr lang="en-CA" sz="2800" b="1" dirty="0" smtClean="0"/>
-              <a:t>recovery efforts (what and where)</a:t>
+              <a:t>Prioritize recovery efforts (what and where)</a:t>
             </a:r>
             <a:endParaRPr lang="en-US" sz="2800" b="1" dirty="0"/>
           </a:p>
@@ -6409,6 +9282,2200 @@
         <p:cTn id="1" dur="indefinite" restart="never" nodeType="tmRoot"/>
       </p:par>
     </p:tnLst>
+  </p:timing>
+</p:sld>
+</file>
+
+<file path=ppt/slides/slide20.xml><?xml version="1.0" encoding="utf-8"?>
+<p:sld xmlns:a="http://schemas.openxmlformats.org/drawingml/2006/main" xmlns:r="http://schemas.openxmlformats.org/officeDocument/2006/relationships" xmlns:p="http://schemas.openxmlformats.org/presentationml/2006/main">
+  <p:cSld>
+    <p:spTree>
+      <p:nvGrpSpPr>
+        <p:cNvPr id="1" name=""/>
+        <p:cNvGrpSpPr/>
+        <p:nvPr/>
+      </p:nvGrpSpPr>
+      <p:grpSpPr>
+        <a:xfrm>
+          <a:off x="0" y="0"/>
+          <a:ext cx="0" cy="0"/>
+          <a:chOff x="0" y="0"/>
+          <a:chExt cx="0" cy="0"/>
+        </a:xfrm>
+      </p:grpSpPr>
+      <p:sp>
+        <p:nvSpPr>
+          <p:cNvPr id="4" name="TextBox 3"/>
+          <p:cNvSpPr txBox="1"/>
+          <p:nvPr/>
+        </p:nvSpPr>
+        <p:spPr>
+          <a:xfrm>
+            <a:off x="198932" y="162124"/>
+            <a:ext cx="8983613" cy="1200329"/>
+          </a:xfrm>
+          <a:prstGeom prst="rect">
+            <a:avLst/>
+          </a:prstGeom>
+          <a:noFill/>
+        </p:spPr>
+        <p:txBody>
+          <a:bodyPr wrap="none" rtlCol="0">
+            <a:spAutoFit/>
+          </a:bodyPr>
+          <a:lstStyle/>
+          <a:p>
+            <a:r>
+              <a:rPr lang="en-US" sz="3600" b="1" dirty="0"/>
+              <a:t>Alberta Cumulative Effects </a:t>
+            </a:r>
+            <a:r>
+              <a:rPr lang="en-US" sz="3600" b="1" dirty="0" smtClean="0"/>
+              <a:t>Model </a:t>
+            </a:r>
+            <a:r>
+              <a:rPr lang="en-US" sz="3600" b="1" dirty="0"/>
+              <a:t>(Joe Model)</a:t>
+            </a:r>
+          </a:p>
+          <a:p>
+            <a:endParaRPr lang="en-CA" sz="3600" b="1" dirty="0"/>
+          </a:p>
+        </p:txBody>
+      </p:sp>
+      <p:sp>
+        <p:nvSpPr>
+          <p:cNvPr id="8" name="TextBox 7"/>
+          <p:cNvSpPr txBox="1"/>
+          <p:nvPr/>
+        </p:nvSpPr>
+        <p:spPr>
+          <a:xfrm>
+            <a:off x="198932" y="460829"/>
+            <a:ext cx="11393713" cy="954107"/>
+          </a:xfrm>
+          <a:prstGeom prst="rect">
+            <a:avLst/>
+          </a:prstGeom>
+          <a:noFill/>
+        </p:spPr>
+        <p:txBody>
+          <a:bodyPr wrap="square" rtlCol="0">
+            <a:spAutoFit/>
+          </a:bodyPr>
+          <a:lstStyle/>
+          <a:p>
+            <a:endParaRPr lang="en-US" sz="2800" b="1" dirty="0"/>
+          </a:p>
+          <a:p>
+            <a:r>
+              <a:rPr lang="en-CA" sz="2800" b="1" dirty="0" smtClean="0"/>
+              <a:t>Model workflow:</a:t>
+            </a:r>
+            <a:endParaRPr lang="en-CA" sz="2800" b="1" dirty="0"/>
+          </a:p>
+        </p:txBody>
+      </p:sp>
+      <p:sp>
+        <p:nvSpPr>
+          <p:cNvPr id="15" name="TextBox 14"/>
+          <p:cNvSpPr txBox="1"/>
+          <p:nvPr/>
+        </p:nvSpPr>
+        <p:spPr>
+          <a:xfrm>
+            <a:off x="198932" y="1399548"/>
+            <a:ext cx="3406702" cy="523220"/>
+          </a:xfrm>
+          <a:prstGeom prst="rect">
+            <a:avLst/>
+          </a:prstGeom>
+          <a:noFill/>
+        </p:spPr>
+        <p:txBody>
+          <a:bodyPr wrap="none" rtlCol="0">
+            <a:spAutoFit/>
+          </a:bodyPr>
+          <a:lstStyle/>
+          <a:p>
+            <a:r>
+              <a:rPr lang="en-CA" sz="2800" b="1" dirty="0" err="1" smtClean="0">
+                <a:latin typeface="Courier New" panose="02070309020205020404" pitchFamily="49" charset="0"/>
+                <a:cs typeface="Courier New" panose="02070309020205020404" pitchFamily="49" charset="0"/>
+              </a:rPr>
+              <a:t>Joe_functions.R</a:t>
+            </a:r>
+            <a:endParaRPr lang="en-US" sz="2800" b="1" dirty="0">
+              <a:latin typeface="Courier New" panose="02070309020205020404" pitchFamily="49" charset="0"/>
+              <a:cs typeface="Courier New" panose="02070309020205020404" pitchFamily="49" charset="0"/>
+            </a:endParaRPr>
+          </a:p>
+        </p:txBody>
+      </p:sp>
+      <p:sp>
+        <p:nvSpPr>
+          <p:cNvPr id="9" name="TextBox 8"/>
+          <p:cNvSpPr txBox="1"/>
+          <p:nvPr/>
+        </p:nvSpPr>
+        <p:spPr>
+          <a:xfrm>
+            <a:off x="4154192" y="876328"/>
+            <a:ext cx="5236506" cy="523220"/>
+          </a:xfrm>
+          <a:prstGeom prst="rect">
+            <a:avLst/>
+          </a:prstGeom>
+          <a:noFill/>
+        </p:spPr>
+        <p:txBody>
+          <a:bodyPr wrap="square" rtlCol="0">
+            <a:spAutoFit/>
+          </a:bodyPr>
+          <a:lstStyle/>
+          <a:p>
+            <a:r>
+              <a:rPr lang="en-CA" sz="2800" b="1" dirty="0" err="1" smtClean="0">
+                <a:latin typeface="Courier New" panose="02070309020205020404" pitchFamily="49" charset="0"/>
+                <a:cs typeface="Courier New" panose="02070309020205020404" pitchFamily="49" charset="0"/>
+              </a:rPr>
+              <a:t>sys.cap.func</a:t>
+            </a:r>
+            <a:endParaRPr lang="en-CA" sz="2800" b="1" dirty="0" smtClean="0">
+              <a:latin typeface="Courier New" panose="02070309020205020404" pitchFamily="49" charset="0"/>
+              <a:cs typeface="Courier New" panose="02070309020205020404" pitchFamily="49" charset="0"/>
+            </a:endParaRPr>
+          </a:p>
+        </p:txBody>
+      </p:sp>
+      <p:sp>
+        <p:nvSpPr>
+          <p:cNvPr id="7" name="TextBox 6"/>
+          <p:cNvSpPr txBox="1"/>
+          <p:nvPr/>
+        </p:nvSpPr>
+        <p:spPr>
+          <a:xfrm>
+            <a:off x="4697085" y="1652125"/>
+            <a:ext cx="7232980" cy="1384995"/>
+          </a:xfrm>
+          <a:prstGeom prst="rect">
+            <a:avLst/>
+          </a:prstGeom>
+          <a:noFill/>
+        </p:spPr>
+        <p:txBody>
+          <a:bodyPr wrap="square" rtlCol="0">
+            <a:spAutoFit/>
+          </a:bodyPr>
+          <a:lstStyle/>
+          <a:p>
+            <a:pPr marL="285750" indent="-285750">
+              <a:buFont typeface="Arial" panose="020B0604020202020204" pitchFamily="34" charset="0"/>
+              <a:buChar char="•"/>
+            </a:pPr>
+            <a:r>
+              <a:rPr lang="en-CA" sz="2800" dirty="0" smtClean="0"/>
+              <a:t>Set random dose vector (length </a:t>
+            </a:r>
+            <a:r>
+              <a:rPr lang="en-CA" sz="2800" b="1" dirty="0" err="1" smtClean="0">
+                <a:latin typeface="Courier New" panose="02070309020205020404" pitchFamily="49" charset="0"/>
+                <a:cs typeface="Courier New" panose="02070309020205020404" pitchFamily="49" charset="0"/>
+              </a:rPr>
+              <a:t>MC.sims</a:t>
+            </a:r>
+            <a:r>
+              <a:rPr lang="en-CA" sz="2800" dirty="0" smtClean="0"/>
+              <a:t>)</a:t>
+            </a:r>
+          </a:p>
+          <a:p>
+            <a:pPr marL="742950" lvl="1" indent="-285750">
+              <a:buFont typeface="Arial" panose="020B0604020202020204" pitchFamily="34" charset="0"/>
+              <a:buChar char="•"/>
+            </a:pPr>
+            <a:r>
+              <a:rPr lang="en-CA" sz="2800" dirty="0" smtClean="0"/>
+              <a:t>For doses with multiple rows (</a:t>
+            </a:r>
+            <a:r>
+              <a:rPr lang="en-CA" sz="2800" dirty="0" err="1" smtClean="0"/>
+              <a:t>ie</a:t>
+            </a:r>
+            <a:r>
+              <a:rPr lang="en-CA" sz="2800" dirty="0" smtClean="0"/>
+              <a:t>. finite mortality rates) combines by:</a:t>
+            </a:r>
+            <a:endParaRPr lang="en-US" sz="2800" dirty="0"/>
+          </a:p>
+        </p:txBody>
+      </p:sp>
+      <p:sp>
+        <p:nvSpPr>
+          <p:cNvPr id="10" name="Right Arrow 9"/>
+          <p:cNvSpPr/>
+          <p:nvPr/>
+        </p:nvSpPr>
+        <p:spPr>
+          <a:xfrm rot="5400000">
+            <a:off x="7029595" y="3924094"/>
+            <a:ext cx="728663" cy="742950"/>
+          </a:xfrm>
+          <a:prstGeom prst="rightArrow">
+            <a:avLst/>
+          </a:prstGeom>
+          <a:solidFill>
+            <a:schemeClr val="tx1"/>
+          </a:solidFill>
+        </p:spPr>
+        <p:style>
+          <a:lnRef idx="2">
+            <a:schemeClr val="accent1">
+              <a:shade val="50000"/>
+            </a:schemeClr>
+          </a:lnRef>
+          <a:fillRef idx="1">
+            <a:schemeClr val="accent1"/>
+          </a:fillRef>
+          <a:effectRef idx="0">
+            <a:schemeClr val="accent1"/>
+          </a:effectRef>
+          <a:fontRef idx="minor">
+            <a:schemeClr val="lt1"/>
+          </a:fontRef>
+        </p:style>
+        <p:txBody>
+          <a:bodyPr rtlCol="0" anchor="ctr"/>
+          <a:lstStyle/>
+          <a:p>
+            <a:pPr algn="ctr"/>
+            <a:endParaRPr lang="en-US"/>
+          </a:p>
+        </p:txBody>
+      </p:sp>
+      <p:sp>
+        <p:nvSpPr>
+          <p:cNvPr id="11" name="TextBox 10"/>
+          <p:cNvSpPr txBox="1"/>
+          <p:nvPr/>
+        </p:nvSpPr>
+        <p:spPr>
+          <a:xfrm>
+            <a:off x="5009752" y="4573967"/>
+            <a:ext cx="6920312" cy="1384995"/>
+          </a:xfrm>
+          <a:prstGeom prst="rect">
+            <a:avLst/>
+          </a:prstGeom>
+          <a:noFill/>
+        </p:spPr>
+        <p:txBody>
+          <a:bodyPr wrap="square" rtlCol="0">
+            <a:spAutoFit/>
+          </a:bodyPr>
+          <a:lstStyle/>
+          <a:p>
+            <a:pPr marL="285750" indent="-285750">
+              <a:buFont typeface="Arial" panose="020B0604020202020204" pitchFamily="34" charset="0"/>
+              <a:buChar char="•"/>
+            </a:pPr>
+            <a:r>
+              <a:rPr lang="en-CA" sz="2800" dirty="0" smtClean="0"/>
+              <a:t>Calculate a random system capacity </a:t>
+            </a:r>
+          </a:p>
+          <a:p>
+            <a:pPr marL="285750" indent="-285750">
+              <a:buFont typeface="Arial" panose="020B0604020202020204" pitchFamily="34" charset="0"/>
+              <a:buChar char="•"/>
+            </a:pPr>
+            <a:r>
+              <a:rPr lang="en-CA" sz="2800" dirty="0" smtClean="0"/>
+              <a:t>For each dose in the vector</a:t>
+            </a:r>
+          </a:p>
+          <a:p>
+            <a:pPr marL="285750" indent="-285750">
+              <a:buFont typeface="Arial" panose="020B0604020202020204" pitchFamily="34" charset="0"/>
+              <a:buChar char="•"/>
+            </a:pPr>
+            <a:r>
+              <a:rPr lang="en-CA" sz="2800" dirty="0" smtClean="0"/>
+              <a:t>Calls function </a:t>
+            </a:r>
+            <a:r>
+              <a:rPr lang="en-CA" sz="2800" b="1" dirty="0" err="1" smtClean="0">
+                <a:latin typeface="Courier New" panose="02070309020205020404" pitchFamily="49" charset="0"/>
+                <a:cs typeface="Courier New" panose="02070309020205020404" pitchFamily="49" charset="0"/>
+              </a:rPr>
+              <a:t>tbeta_rnd</a:t>
+            </a:r>
+            <a:endParaRPr lang="en-CA" sz="2800" b="1" dirty="0" smtClean="0">
+              <a:latin typeface="Courier New" panose="02070309020205020404" pitchFamily="49" charset="0"/>
+              <a:cs typeface="Courier New" panose="02070309020205020404" pitchFamily="49" charset="0"/>
+            </a:endParaRPr>
+          </a:p>
+        </p:txBody>
+      </p:sp>
+      <p:sp>
+        <p:nvSpPr>
+          <p:cNvPr id="3" name="Rectangle 2"/>
+          <p:cNvSpPr/>
+          <p:nvPr/>
+        </p:nvSpPr>
+        <p:spPr>
+          <a:xfrm>
+            <a:off x="4690738" y="3022513"/>
+            <a:ext cx="5877122" cy="461665"/>
+          </a:xfrm>
+          <a:prstGeom prst="rect">
+            <a:avLst/>
+          </a:prstGeom>
+        </p:spPr>
+        <p:txBody>
+          <a:bodyPr wrap="none">
+            <a:spAutoFit/>
+          </a:bodyPr>
+          <a:lstStyle/>
+          <a:p>
+            <a:r>
+              <a:rPr lang="en-US" sz="2400" dirty="0" smtClean="0"/>
+              <a:t>1-apply(rnd.dose.mat,2,function(x</a:t>
+            </a:r>
+            <a:r>
+              <a:rPr lang="en-US" sz="2400" dirty="0"/>
+              <a:t>) prod(1-x))</a:t>
+            </a:r>
+          </a:p>
+        </p:txBody>
+      </p:sp>
+    </p:spTree>
+    <p:extLst>
+      <p:ext uri="{BB962C8B-B14F-4D97-AF65-F5344CB8AC3E}">
+        <p14:creationId xmlns:p14="http://schemas.microsoft.com/office/powerpoint/2010/main" val="2813690810"/>
+      </p:ext>
+    </p:extLst>
+  </p:cSld>
+  <p:clrMapOvr>
+    <a:masterClrMapping/>
+  </p:clrMapOvr>
+  <p:timing>
+    <p:tnLst>
+      <p:par>
+        <p:cTn id="1" dur="indefinite" restart="never" nodeType="tmRoot">
+          <p:childTnLst>
+            <p:seq concurrent="1" nextAc="seek">
+              <p:cTn id="2" dur="indefinite" nodeType="mainSeq">
+                <p:childTnLst>
+                  <p:par>
+                    <p:cTn id="3" fill="hold">
+                      <p:stCondLst>
+                        <p:cond delay="indefinite"/>
+                        <p:cond evt="onBegin" delay="0">
+                          <p:tn val="2"/>
+                        </p:cond>
+                      </p:stCondLst>
+                      <p:childTnLst>
+                        <p:par>
+                          <p:cTn id="4" fill="hold">
+                            <p:stCondLst>
+                              <p:cond delay="0"/>
+                            </p:stCondLst>
+                            <p:childTnLst>
+                              <p:par>
+                                <p:cTn id="5" presetID="1" presetClass="entr" presetSubtype="0" fill="hold" grpId="0" nodeType="withEffect">
+                                  <p:stCondLst>
+                                    <p:cond delay="0"/>
+                                  </p:stCondLst>
+                                  <p:childTnLst>
+                                    <p:set>
+                                      <p:cBhvr>
+                                        <p:cTn id="6" dur="1" fill="hold">
+                                          <p:stCondLst>
+                                            <p:cond delay="0"/>
+                                          </p:stCondLst>
+                                        </p:cTn>
+                                        <p:tgtEl>
+                                          <p:spTgt spid="10"/>
+                                        </p:tgtEl>
+                                        <p:attrNameLst>
+                                          <p:attrName>style.visibility</p:attrName>
+                                        </p:attrNameLst>
+                                      </p:cBhvr>
+                                      <p:to>
+                                        <p:strVal val="visible"/>
+                                      </p:to>
+                                    </p:set>
+                                  </p:childTnLst>
+                                </p:cTn>
+                              </p:par>
+                            </p:childTnLst>
+                          </p:cTn>
+                        </p:par>
+                      </p:childTnLst>
+                    </p:cTn>
+                  </p:par>
+                </p:childTnLst>
+              </p:cTn>
+              <p:prevCondLst>
+                <p:cond evt="onPrev" delay="0">
+                  <p:tgtEl>
+                    <p:sldTgt/>
+                  </p:tgtEl>
+                </p:cond>
+              </p:prevCondLst>
+              <p:nextCondLst>
+                <p:cond evt="onNext" delay="0">
+                  <p:tgtEl>
+                    <p:sldTgt/>
+                  </p:tgtEl>
+                </p:cond>
+              </p:nextCondLst>
+            </p:seq>
+          </p:childTnLst>
+        </p:cTn>
+      </p:par>
+    </p:tnLst>
+    <p:bldLst>
+      <p:bldP spid="10" grpId="0" animBg="1"/>
+    </p:bldLst>
+  </p:timing>
+</p:sld>
+</file>
+
+<file path=ppt/slides/slide21.xml><?xml version="1.0" encoding="utf-8"?>
+<p:sld xmlns:a="http://schemas.openxmlformats.org/drawingml/2006/main" xmlns:r="http://schemas.openxmlformats.org/officeDocument/2006/relationships" xmlns:p="http://schemas.openxmlformats.org/presentationml/2006/main">
+  <p:cSld>
+    <p:spTree>
+      <p:nvGrpSpPr>
+        <p:cNvPr id="1" name=""/>
+        <p:cNvGrpSpPr/>
+        <p:nvPr/>
+      </p:nvGrpSpPr>
+      <p:grpSpPr>
+        <a:xfrm>
+          <a:off x="0" y="0"/>
+          <a:ext cx="0" cy="0"/>
+          <a:chOff x="0" y="0"/>
+          <a:chExt cx="0" cy="0"/>
+        </a:xfrm>
+      </p:grpSpPr>
+      <p:sp>
+        <p:nvSpPr>
+          <p:cNvPr id="4" name="TextBox 3"/>
+          <p:cNvSpPr txBox="1"/>
+          <p:nvPr/>
+        </p:nvSpPr>
+        <p:spPr>
+          <a:xfrm>
+            <a:off x="198932" y="162124"/>
+            <a:ext cx="8983613" cy="1200329"/>
+          </a:xfrm>
+          <a:prstGeom prst="rect">
+            <a:avLst/>
+          </a:prstGeom>
+          <a:noFill/>
+        </p:spPr>
+        <p:txBody>
+          <a:bodyPr wrap="none" rtlCol="0">
+            <a:spAutoFit/>
+          </a:bodyPr>
+          <a:lstStyle/>
+          <a:p>
+            <a:r>
+              <a:rPr lang="en-US" sz="3600" b="1" dirty="0"/>
+              <a:t>Alberta Cumulative Effects </a:t>
+            </a:r>
+            <a:r>
+              <a:rPr lang="en-US" sz="3600" b="1" dirty="0" smtClean="0"/>
+              <a:t>Model </a:t>
+            </a:r>
+            <a:r>
+              <a:rPr lang="en-US" sz="3600" b="1" dirty="0"/>
+              <a:t>(Joe Model)</a:t>
+            </a:r>
+          </a:p>
+          <a:p>
+            <a:endParaRPr lang="en-CA" sz="3600" b="1" dirty="0"/>
+          </a:p>
+        </p:txBody>
+      </p:sp>
+      <p:sp>
+        <p:nvSpPr>
+          <p:cNvPr id="8" name="TextBox 7"/>
+          <p:cNvSpPr txBox="1"/>
+          <p:nvPr/>
+        </p:nvSpPr>
+        <p:spPr>
+          <a:xfrm>
+            <a:off x="198932" y="460829"/>
+            <a:ext cx="11393713" cy="954107"/>
+          </a:xfrm>
+          <a:prstGeom prst="rect">
+            <a:avLst/>
+          </a:prstGeom>
+          <a:noFill/>
+        </p:spPr>
+        <p:txBody>
+          <a:bodyPr wrap="square" rtlCol="0">
+            <a:spAutoFit/>
+          </a:bodyPr>
+          <a:lstStyle/>
+          <a:p>
+            <a:endParaRPr lang="en-US" sz="2800" b="1" dirty="0"/>
+          </a:p>
+          <a:p>
+            <a:r>
+              <a:rPr lang="en-CA" sz="2800" b="1" dirty="0" smtClean="0"/>
+              <a:t>Model workflow:</a:t>
+            </a:r>
+            <a:endParaRPr lang="en-CA" sz="2800" b="1" dirty="0"/>
+          </a:p>
+        </p:txBody>
+      </p:sp>
+      <p:sp>
+        <p:nvSpPr>
+          <p:cNvPr id="15" name="TextBox 14"/>
+          <p:cNvSpPr txBox="1"/>
+          <p:nvPr/>
+        </p:nvSpPr>
+        <p:spPr>
+          <a:xfrm>
+            <a:off x="0" y="2107433"/>
+            <a:ext cx="3406702" cy="523220"/>
+          </a:xfrm>
+          <a:prstGeom prst="rect">
+            <a:avLst/>
+          </a:prstGeom>
+          <a:noFill/>
+        </p:spPr>
+        <p:txBody>
+          <a:bodyPr wrap="none" rtlCol="0">
+            <a:spAutoFit/>
+          </a:bodyPr>
+          <a:lstStyle/>
+          <a:p>
+            <a:r>
+              <a:rPr lang="en-CA" sz="2800" b="1" dirty="0" err="1" smtClean="0">
+                <a:latin typeface="Courier New" panose="02070309020205020404" pitchFamily="49" charset="0"/>
+                <a:cs typeface="Courier New" panose="02070309020205020404" pitchFamily="49" charset="0"/>
+              </a:rPr>
+              <a:t>Joe_functions.R</a:t>
+            </a:r>
+            <a:endParaRPr lang="en-US" sz="2800" b="1" dirty="0">
+              <a:latin typeface="Courier New" panose="02070309020205020404" pitchFamily="49" charset="0"/>
+              <a:cs typeface="Courier New" panose="02070309020205020404" pitchFamily="49" charset="0"/>
+            </a:endParaRPr>
+          </a:p>
+        </p:txBody>
+      </p:sp>
+      <p:sp>
+        <p:nvSpPr>
+          <p:cNvPr id="9" name="TextBox 8"/>
+          <p:cNvSpPr txBox="1"/>
+          <p:nvPr/>
+        </p:nvSpPr>
+        <p:spPr>
+          <a:xfrm>
+            <a:off x="5325767" y="762288"/>
+            <a:ext cx="5236506" cy="523220"/>
+          </a:xfrm>
+          <a:prstGeom prst="rect">
+            <a:avLst/>
+          </a:prstGeom>
+          <a:noFill/>
+        </p:spPr>
+        <p:txBody>
+          <a:bodyPr wrap="square" rtlCol="0">
+            <a:spAutoFit/>
+          </a:bodyPr>
+          <a:lstStyle/>
+          <a:p>
+            <a:r>
+              <a:rPr lang="en-CA" sz="2800" b="1" dirty="0" err="1">
+                <a:latin typeface="Courier New" panose="02070309020205020404" pitchFamily="49" charset="0"/>
+                <a:cs typeface="Courier New" panose="02070309020205020404" pitchFamily="49" charset="0"/>
+              </a:rPr>
+              <a:t>t</a:t>
+            </a:r>
+            <a:r>
+              <a:rPr lang="en-CA" sz="2800" b="1" dirty="0" err="1" smtClean="0">
+                <a:latin typeface="Courier New" panose="02070309020205020404" pitchFamily="49" charset="0"/>
+                <a:cs typeface="Courier New" panose="02070309020205020404" pitchFamily="49" charset="0"/>
+              </a:rPr>
+              <a:t>beta_rnd</a:t>
+            </a:r>
+            <a:endParaRPr lang="en-CA" sz="2800" b="1" dirty="0" smtClean="0">
+              <a:latin typeface="Courier New" panose="02070309020205020404" pitchFamily="49" charset="0"/>
+              <a:cs typeface="Courier New" panose="02070309020205020404" pitchFamily="49" charset="0"/>
+            </a:endParaRPr>
+          </a:p>
+        </p:txBody>
+      </p:sp>
+      <p:sp>
+        <p:nvSpPr>
+          <p:cNvPr id="2" name="TextBox 1"/>
+          <p:cNvSpPr txBox="1"/>
+          <p:nvPr/>
+        </p:nvSpPr>
+        <p:spPr>
+          <a:xfrm>
+            <a:off x="3143250" y="1169188"/>
+            <a:ext cx="9048750" cy="6124754"/>
+          </a:xfrm>
+          <a:prstGeom prst="rect">
+            <a:avLst/>
+          </a:prstGeom>
+          <a:noFill/>
+        </p:spPr>
+        <p:txBody>
+          <a:bodyPr wrap="square" rtlCol="0">
+            <a:spAutoFit/>
+          </a:bodyPr>
+          <a:lstStyle/>
+          <a:p>
+            <a:pPr marL="285750" indent="-285750">
+              <a:buFont typeface="Arial" panose="020B0604020202020204" pitchFamily="34" charset="0"/>
+              <a:buChar char="•"/>
+            </a:pPr>
+            <a:r>
+              <a:rPr lang="en-CA" sz="2800" dirty="0" smtClean="0"/>
+              <a:t>Input:</a:t>
+            </a:r>
+          </a:p>
+          <a:p>
+            <a:pPr marL="1200150" lvl="2" indent="-285750">
+              <a:buFont typeface="Arial" panose="020B0604020202020204" pitchFamily="34" charset="0"/>
+              <a:buChar char="•"/>
+            </a:pPr>
+            <a:r>
+              <a:rPr lang="en-CA" sz="2800" dirty="0" smtClean="0"/>
+              <a:t>Mean, </a:t>
+            </a:r>
+            <a:r>
+              <a:rPr lang="en-CA" sz="2800" dirty="0" err="1" smtClean="0"/>
+              <a:t>sd</a:t>
+            </a:r>
+            <a:r>
+              <a:rPr lang="en-CA" sz="2800" dirty="0" smtClean="0"/>
+              <a:t>, low limit and upper limit of system capacity for a given dose</a:t>
+            </a:r>
+          </a:p>
+          <a:p>
+            <a:pPr marL="1200150" lvl="2" indent="-285750">
+              <a:buFont typeface="Arial" panose="020B0604020202020204" pitchFamily="34" charset="0"/>
+              <a:buChar char="•"/>
+            </a:pPr>
+            <a:r>
+              <a:rPr lang="en-CA" sz="2800" dirty="0" smtClean="0">
+                <a:cs typeface="Courier New" panose="02070309020205020404" pitchFamily="49" charset="0"/>
+              </a:rPr>
+              <a:t>Uses the 4 approximation functions to determine the inputs</a:t>
+            </a:r>
+            <a:endParaRPr lang="en-US" sz="2800" dirty="0" smtClean="0">
+              <a:cs typeface="Courier New" panose="02070309020205020404" pitchFamily="49" charset="0"/>
+            </a:endParaRPr>
+          </a:p>
+          <a:p>
+            <a:pPr marL="742950" lvl="1" indent="-285750">
+              <a:buFont typeface="Arial" panose="020B0604020202020204" pitchFamily="34" charset="0"/>
+              <a:buChar char="•"/>
+            </a:pPr>
+            <a:r>
+              <a:rPr lang="en-CA" sz="2800" dirty="0" smtClean="0">
+                <a:cs typeface="Courier New" panose="02070309020205020404" pitchFamily="49" charset="0"/>
+              </a:rPr>
+              <a:t>Needs </a:t>
+            </a:r>
+            <a:r>
+              <a:rPr lang="en-CA" sz="2800" dirty="0">
+                <a:cs typeface="Courier New" panose="02070309020205020404" pitchFamily="49" charset="0"/>
+              </a:rPr>
+              <a:t>alpha and beta parameters for beta </a:t>
+            </a:r>
+            <a:r>
+              <a:rPr lang="en-CA" sz="2800" dirty="0" err="1">
+                <a:cs typeface="Courier New" panose="02070309020205020404" pitchFamily="49" charset="0"/>
+              </a:rPr>
+              <a:t>distrtibution</a:t>
+            </a:r>
+            <a:endParaRPr lang="en-CA" sz="2800" dirty="0">
+              <a:cs typeface="Courier New" panose="02070309020205020404" pitchFamily="49" charset="0"/>
+            </a:endParaRPr>
+          </a:p>
+          <a:p>
+            <a:pPr marL="742950" lvl="1" indent="-285750">
+              <a:buFont typeface="Arial" panose="020B0604020202020204" pitchFamily="34" charset="0"/>
+              <a:buChar char="•"/>
+            </a:pPr>
+            <a:r>
+              <a:rPr lang="en-CA" sz="2800" dirty="0">
+                <a:cs typeface="Courier New" panose="02070309020205020404" pitchFamily="49" charset="0"/>
+              </a:rPr>
+              <a:t>Calls </a:t>
+            </a:r>
+            <a:r>
+              <a:rPr lang="en-CA" sz="2800" b="1" dirty="0" err="1">
+                <a:latin typeface="Courier New" panose="02070309020205020404" pitchFamily="49" charset="0"/>
+                <a:cs typeface="Courier New" panose="02070309020205020404" pitchFamily="49" charset="0"/>
+              </a:rPr>
+              <a:t>beta_param</a:t>
+            </a:r>
+            <a:r>
+              <a:rPr lang="en-CA" sz="2800" b="1" dirty="0">
+                <a:latin typeface="Courier New" panose="02070309020205020404" pitchFamily="49" charset="0"/>
+                <a:cs typeface="Courier New" panose="02070309020205020404" pitchFamily="49" charset="0"/>
+              </a:rPr>
+              <a:t> </a:t>
+            </a:r>
+            <a:r>
+              <a:rPr lang="en-CA" sz="2800" dirty="0">
+                <a:cs typeface="Courier New" panose="02070309020205020404" pitchFamily="49" charset="0"/>
+              </a:rPr>
+              <a:t>to solve for alpha and beta given a mean and </a:t>
+            </a:r>
+            <a:r>
+              <a:rPr lang="en-CA" sz="2800" dirty="0" err="1" smtClean="0">
+                <a:cs typeface="Courier New" panose="02070309020205020404" pitchFamily="49" charset="0"/>
+              </a:rPr>
+              <a:t>sd</a:t>
+            </a:r>
+            <a:endParaRPr lang="en-CA" sz="2800" dirty="0" smtClean="0">
+              <a:cs typeface="Courier New" panose="02070309020205020404" pitchFamily="49" charset="0"/>
+            </a:endParaRPr>
+          </a:p>
+          <a:p>
+            <a:pPr marL="1200150" lvl="2" indent="-285750">
+              <a:buFont typeface="Arial" panose="020B0604020202020204" pitchFamily="34" charset="0"/>
+              <a:buChar char="•"/>
+            </a:pPr>
+            <a:r>
+              <a:rPr lang="en-CA" sz="2800" dirty="0" smtClean="0">
+                <a:cs typeface="Courier New" panose="02070309020205020404" pitchFamily="49" charset="0"/>
+              </a:rPr>
+              <a:t>Numerical solver (</a:t>
+            </a:r>
+            <a:r>
+              <a:rPr lang="en-CA" sz="2800" b="1" dirty="0" err="1" smtClean="0">
+                <a:latin typeface="Courier New" panose="02070309020205020404" pitchFamily="49" charset="0"/>
+                <a:cs typeface="Courier New" panose="02070309020205020404" pitchFamily="49" charset="0"/>
+              </a:rPr>
+              <a:t>fsolve</a:t>
+            </a:r>
+            <a:r>
+              <a:rPr lang="en-CA" sz="2800" dirty="0" smtClean="0">
+                <a:cs typeface="Courier New" panose="02070309020205020404" pitchFamily="49" charset="0"/>
+              </a:rPr>
+              <a:t>)</a:t>
+            </a:r>
+          </a:p>
+          <a:p>
+            <a:pPr marL="1200150" lvl="2" indent="-285750">
+              <a:buFont typeface="Arial" panose="020B0604020202020204" pitchFamily="34" charset="0"/>
+              <a:buChar char="•"/>
+            </a:pPr>
+            <a:r>
+              <a:rPr lang="en-CA" sz="2800" dirty="0" smtClean="0">
+                <a:cs typeface="Courier New" panose="02070309020205020404" pitchFamily="49" charset="0"/>
+              </a:rPr>
+              <a:t>Has problems when mean near 0 and 1 or </a:t>
+            </a:r>
+            <a:r>
+              <a:rPr lang="en-CA" sz="2800" dirty="0" err="1" smtClean="0">
+                <a:cs typeface="Courier New" panose="02070309020205020404" pitchFamily="49" charset="0"/>
+              </a:rPr>
+              <a:t>sd</a:t>
+            </a:r>
+            <a:r>
+              <a:rPr lang="en-CA" sz="2800" dirty="0" smtClean="0">
+                <a:cs typeface="Courier New" panose="02070309020205020404" pitchFamily="49" charset="0"/>
+              </a:rPr>
+              <a:t> is large</a:t>
+            </a:r>
+          </a:p>
+          <a:p>
+            <a:pPr marL="1200150" lvl="2" indent="-285750">
+              <a:buFont typeface="Arial" panose="020B0604020202020204" pitchFamily="34" charset="0"/>
+              <a:buChar char="•"/>
+            </a:pPr>
+            <a:r>
+              <a:rPr lang="en-CA" sz="2800" dirty="0" smtClean="0">
+                <a:cs typeface="Courier New" panose="02070309020205020404" pitchFamily="49" charset="0"/>
+              </a:rPr>
+              <a:t>If fails, tries 3 more times by reducing </a:t>
+            </a:r>
+            <a:r>
+              <a:rPr lang="en-CA" sz="2800" dirty="0" err="1" smtClean="0">
+                <a:cs typeface="Courier New" panose="02070309020205020404" pitchFamily="49" charset="0"/>
+              </a:rPr>
+              <a:t>sd</a:t>
+            </a:r>
+            <a:r>
+              <a:rPr lang="en-CA" sz="2800" dirty="0" smtClean="0">
+                <a:cs typeface="Courier New" panose="02070309020205020404" pitchFamily="49" charset="0"/>
+              </a:rPr>
+              <a:t> by 10%</a:t>
+            </a:r>
+          </a:p>
+          <a:p>
+            <a:pPr marL="1200150" lvl="2" indent="-285750">
+              <a:buFont typeface="Arial" panose="020B0604020202020204" pitchFamily="34" charset="0"/>
+              <a:buChar char="•"/>
+            </a:pPr>
+            <a:r>
+              <a:rPr lang="en-CA" sz="2800" dirty="0" smtClean="0">
+                <a:cs typeface="Courier New" panose="02070309020205020404" pitchFamily="49" charset="0"/>
+              </a:rPr>
+              <a:t>On fourth fail, set alpha=beta=1 (uniform)</a:t>
+            </a:r>
+          </a:p>
+          <a:p>
+            <a:pPr marL="1200150" lvl="2" indent="-285750">
+              <a:buFont typeface="Arial" panose="020B0604020202020204" pitchFamily="34" charset="0"/>
+              <a:buChar char="•"/>
+            </a:pPr>
+            <a:r>
+              <a:rPr lang="en-CA" sz="2800" dirty="0" smtClean="0">
+                <a:cs typeface="Courier New" panose="02070309020205020404" pitchFamily="49" charset="0"/>
+              </a:rPr>
+              <a:t>Still truncated between lower and upper limits</a:t>
+            </a:r>
+            <a:endParaRPr lang="en-US" sz="2800" dirty="0">
+              <a:cs typeface="Courier New" panose="02070309020205020404" pitchFamily="49" charset="0"/>
+            </a:endParaRPr>
+          </a:p>
+          <a:p>
+            <a:pPr marL="285750" indent="-285750">
+              <a:buFont typeface="Arial" panose="020B0604020202020204" pitchFamily="34" charset="0"/>
+              <a:buChar char="•"/>
+            </a:pPr>
+            <a:endParaRPr lang="en-CA" sz="2800" dirty="0" smtClean="0">
+              <a:cs typeface="Courier New" panose="02070309020205020404" pitchFamily="49" charset="0"/>
+            </a:endParaRPr>
+          </a:p>
+        </p:txBody>
+      </p:sp>
+    </p:spTree>
+    <p:extLst>
+      <p:ext uri="{BB962C8B-B14F-4D97-AF65-F5344CB8AC3E}">
+        <p14:creationId xmlns:p14="http://schemas.microsoft.com/office/powerpoint/2010/main" val="45832250"/>
+      </p:ext>
+    </p:extLst>
+  </p:cSld>
+  <p:clrMapOvr>
+    <a:masterClrMapping/>
+  </p:clrMapOvr>
+  <p:timing>
+    <p:tnLst>
+      <p:par>
+        <p:cTn id="1" dur="indefinite" restart="never" nodeType="tmRoot"/>
+      </p:par>
+    </p:tnLst>
+  </p:timing>
+</p:sld>
+</file>
+
+<file path=ppt/slides/slide22.xml><?xml version="1.0" encoding="utf-8"?>
+<p:sld xmlns:a="http://schemas.openxmlformats.org/drawingml/2006/main" xmlns:r="http://schemas.openxmlformats.org/officeDocument/2006/relationships" xmlns:p="http://schemas.openxmlformats.org/presentationml/2006/main">
+  <p:cSld>
+    <p:spTree>
+      <p:nvGrpSpPr>
+        <p:cNvPr id="1" name=""/>
+        <p:cNvGrpSpPr/>
+        <p:nvPr/>
+      </p:nvGrpSpPr>
+      <p:grpSpPr>
+        <a:xfrm>
+          <a:off x="0" y="0"/>
+          <a:ext cx="0" cy="0"/>
+          <a:chOff x="0" y="0"/>
+          <a:chExt cx="0" cy="0"/>
+        </a:xfrm>
+      </p:grpSpPr>
+      <p:sp>
+        <p:nvSpPr>
+          <p:cNvPr id="4" name="TextBox 3"/>
+          <p:cNvSpPr txBox="1"/>
+          <p:nvPr/>
+        </p:nvSpPr>
+        <p:spPr>
+          <a:xfrm>
+            <a:off x="198932" y="162124"/>
+            <a:ext cx="8983613" cy="1200329"/>
+          </a:xfrm>
+          <a:prstGeom prst="rect">
+            <a:avLst/>
+          </a:prstGeom>
+          <a:noFill/>
+        </p:spPr>
+        <p:txBody>
+          <a:bodyPr wrap="none" rtlCol="0">
+            <a:spAutoFit/>
+          </a:bodyPr>
+          <a:lstStyle/>
+          <a:p>
+            <a:r>
+              <a:rPr lang="en-US" sz="3600" b="1" dirty="0"/>
+              <a:t>Alberta Cumulative Effects </a:t>
+            </a:r>
+            <a:r>
+              <a:rPr lang="en-US" sz="3600" b="1" dirty="0" smtClean="0"/>
+              <a:t>Model </a:t>
+            </a:r>
+            <a:r>
+              <a:rPr lang="en-US" sz="3600" b="1" dirty="0"/>
+              <a:t>(Joe Model)</a:t>
+            </a:r>
+          </a:p>
+          <a:p>
+            <a:endParaRPr lang="en-CA" sz="3600" b="1" dirty="0"/>
+          </a:p>
+        </p:txBody>
+      </p:sp>
+      <p:sp>
+        <p:nvSpPr>
+          <p:cNvPr id="8" name="TextBox 7"/>
+          <p:cNvSpPr txBox="1"/>
+          <p:nvPr/>
+        </p:nvSpPr>
+        <p:spPr>
+          <a:xfrm>
+            <a:off x="198932" y="460829"/>
+            <a:ext cx="11393713" cy="954107"/>
+          </a:xfrm>
+          <a:prstGeom prst="rect">
+            <a:avLst/>
+          </a:prstGeom>
+          <a:noFill/>
+        </p:spPr>
+        <p:txBody>
+          <a:bodyPr wrap="square" rtlCol="0">
+            <a:spAutoFit/>
+          </a:bodyPr>
+          <a:lstStyle/>
+          <a:p>
+            <a:endParaRPr lang="en-US" sz="2800" b="1" dirty="0"/>
+          </a:p>
+          <a:p>
+            <a:r>
+              <a:rPr lang="en-CA" sz="2800" b="1" dirty="0" smtClean="0"/>
+              <a:t>Model workflow:</a:t>
+            </a:r>
+            <a:endParaRPr lang="en-CA" sz="2800" b="1" dirty="0"/>
+          </a:p>
+        </p:txBody>
+      </p:sp>
+      <p:sp>
+        <p:nvSpPr>
+          <p:cNvPr id="15" name="TextBox 14"/>
+          <p:cNvSpPr txBox="1"/>
+          <p:nvPr/>
+        </p:nvSpPr>
+        <p:spPr>
+          <a:xfrm>
+            <a:off x="0" y="2107433"/>
+            <a:ext cx="3406702" cy="523220"/>
+          </a:xfrm>
+          <a:prstGeom prst="rect">
+            <a:avLst/>
+          </a:prstGeom>
+          <a:noFill/>
+        </p:spPr>
+        <p:txBody>
+          <a:bodyPr wrap="none" rtlCol="0">
+            <a:spAutoFit/>
+          </a:bodyPr>
+          <a:lstStyle/>
+          <a:p>
+            <a:r>
+              <a:rPr lang="en-CA" sz="2800" b="1" dirty="0" err="1" smtClean="0">
+                <a:latin typeface="Courier New" panose="02070309020205020404" pitchFamily="49" charset="0"/>
+                <a:cs typeface="Courier New" panose="02070309020205020404" pitchFamily="49" charset="0"/>
+              </a:rPr>
+              <a:t>Joe_functions.R</a:t>
+            </a:r>
+            <a:endParaRPr lang="en-US" sz="2800" b="1" dirty="0">
+              <a:latin typeface="Courier New" panose="02070309020205020404" pitchFamily="49" charset="0"/>
+              <a:cs typeface="Courier New" panose="02070309020205020404" pitchFamily="49" charset="0"/>
+            </a:endParaRPr>
+          </a:p>
+        </p:txBody>
+      </p:sp>
+      <p:sp>
+        <p:nvSpPr>
+          <p:cNvPr id="9" name="TextBox 8"/>
+          <p:cNvSpPr txBox="1"/>
+          <p:nvPr/>
+        </p:nvSpPr>
+        <p:spPr>
+          <a:xfrm>
+            <a:off x="5325767" y="762288"/>
+            <a:ext cx="5236506" cy="523220"/>
+          </a:xfrm>
+          <a:prstGeom prst="rect">
+            <a:avLst/>
+          </a:prstGeom>
+          <a:noFill/>
+        </p:spPr>
+        <p:txBody>
+          <a:bodyPr wrap="square" rtlCol="0">
+            <a:spAutoFit/>
+          </a:bodyPr>
+          <a:lstStyle/>
+          <a:p>
+            <a:r>
+              <a:rPr lang="en-CA" sz="2800" b="1" dirty="0" err="1">
+                <a:latin typeface="Courier New" panose="02070309020205020404" pitchFamily="49" charset="0"/>
+                <a:cs typeface="Courier New" panose="02070309020205020404" pitchFamily="49" charset="0"/>
+              </a:rPr>
+              <a:t>t</a:t>
+            </a:r>
+            <a:r>
+              <a:rPr lang="en-CA" sz="2800" b="1" dirty="0" err="1" smtClean="0">
+                <a:latin typeface="Courier New" panose="02070309020205020404" pitchFamily="49" charset="0"/>
+                <a:cs typeface="Courier New" panose="02070309020205020404" pitchFamily="49" charset="0"/>
+              </a:rPr>
+              <a:t>beta_rnd</a:t>
+            </a:r>
+            <a:endParaRPr lang="en-CA" sz="2800" b="1" dirty="0" smtClean="0">
+              <a:latin typeface="Courier New" panose="02070309020205020404" pitchFamily="49" charset="0"/>
+              <a:cs typeface="Courier New" panose="02070309020205020404" pitchFamily="49" charset="0"/>
+            </a:endParaRPr>
+          </a:p>
+        </p:txBody>
+      </p:sp>
+      <p:sp>
+        <p:nvSpPr>
+          <p:cNvPr id="2" name="TextBox 1"/>
+          <p:cNvSpPr txBox="1"/>
+          <p:nvPr/>
+        </p:nvSpPr>
+        <p:spPr>
+          <a:xfrm>
+            <a:off x="3814763" y="1362453"/>
+            <a:ext cx="8377237" cy="1815882"/>
+          </a:xfrm>
+          <a:prstGeom prst="rect">
+            <a:avLst/>
+          </a:prstGeom>
+          <a:noFill/>
+        </p:spPr>
+        <p:txBody>
+          <a:bodyPr wrap="square" rtlCol="0">
+            <a:spAutoFit/>
+          </a:bodyPr>
+          <a:lstStyle/>
+          <a:p>
+            <a:pPr marL="285750" indent="-285750">
+              <a:buFont typeface="Arial" panose="020B0604020202020204" pitchFamily="34" charset="0"/>
+              <a:buChar char="•"/>
+            </a:pPr>
+            <a:r>
+              <a:rPr lang="en-CA" sz="2800" dirty="0" smtClean="0"/>
+              <a:t>Output:</a:t>
+            </a:r>
+          </a:p>
+          <a:p>
+            <a:pPr marL="1200150" lvl="2" indent="-285750">
+              <a:buFont typeface="Arial" panose="020B0604020202020204" pitchFamily="34" charset="0"/>
+              <a:buChar char="•"/>
+            </a:pPr>
+            <a:r>
+              <a:rPr lang="en-CA" sz="2800" dirty="0" smtClean="0"/>
+              <a:t>A vector of system capacity scores for each </a:t>
+            </a:r>
+            <a:r>
+              <a:rPr lang="en-CA" sz="2800" dirty="0" err="1" smtClean="0"/>
+              <a:t>rnd.dose</a:t>
+            </a:r>
+            <a:endParaRPr lang="en-US" sz="2800" dirty="0">
+              <a:cs typeface="Courier New" panose="02070309020205020404" pitchFamily="49" charset="0"/>
+            </a:endParaRPr>
+          </a:p>
+          <a:p>
+            <a:pPr marL="285750" indent="-285750">
+              <a:buFont typeface="Arial" panose="020B0604020202020204" pitchFamily="34" charset="0"/>
+              <a:buChar char="•"/>
+            </a:pPr>
+            <a:endParaRPr lang="en-CA" sz="2800" dirty="0" smtClean="0">
+              <a:cs typeface="Courier New" panose="02070309020205020404" pitchFamily="49" charset="0"/>
+            </a:endParaRPr>
+          </a:p>
+        </p:txBody>
+      </p:sp>
+    </p:spTree>
+    <p:extLst>
+      <p:ext uri="{BB962C8B-B14F-4D97-AF65-F5344CB8AC3E}">
+        <p14:creationId xmlns:p14="http://schemas.microsoft.com/office/powerpoint/2010/main" val="2214399077"/>
+      </p:ext>
+    </p:extLst>
+  </p:cSld>
+  <p:clrMapOvr>
+    <a:masterClrMapping/>
+  </p:clrMapOvr>
+  <p:timing>
+    <p:tnLst>
+      <p:par>
+        <p:cTn id="1" dur="indefinite" restart="never" nodeType="tmRoot"/>
+      </p:par>
+    </p:tnLst>
+  </p:timing>
+</p:sld>
+</file>
+
+<file path=ppt/slides/slide23.xml><?xml version="1.0" encoding="utf-8"?>
+<p:sld xmlns:a="http://schemas.openxmlformats.org/drawingml/2006/main" xmlns:r="http://schemas.openxmlformats.org/officeDocument/2006/relationships" xmlns:p="http://schemas.openxmlformats.org/presentationml/2006/main">
+  <p:cSld>
+    <p:spTree>
+      <p:nvGrpSpPr>
+        <p:cNvPr id="1" name=""/>
+        <p:cNvGrpSpPr/>
+        <p:nvPr/>
+      </p:nvGrpSpPr>
+      <p:grpSpPr>
+        <a:xfrm>
+          <a:off x="0" y="0"/>
+          <a:ext cx="0" cy="0"/>
+          <a:chOff x="0" y="0"/>
+          <a:chExt cx="0" cy="0"/>
+        </a:xfrm>
+      </p:grpSpPr>
+      <p:sp>
+        <p:nvSpPr>
+          <p:cNvPr id="4" name="TextBox 3"/>
+          <p:cNvSpPr txBox="1"/>
+          <p:nvPr/>
+        </p:nvSpPr>
+        <p:spPr>
+          <a:xfrm>
+            <a:off x="198932" y="162124"/>
+            <a:ext cx="8983613" cy="1200329"/>
+          </a:xfrm>
+          <a:prstGeom prst="rect">
+            <a:avLst/>
+          </a:prstGeom>
+          <a:noFill/>
+        </p:spPr>
+        <p:txBody>
+          <a:bodyPr wrap="none" rtlCol="0">
+            <a:spAutoFit/>
+          </a:bodyPr>
+          <a:lstStyle/>
+          <a:p>
+            <a:r>
+              <a:rPr lang="en-US" sz="3600" b="1" dirty="0"/>
+              <a:t>Alberta Cumulative Effects </a:t>
+            </a:r>
+            <a:r>
+              <a:rPr lang="en-US" sz="3600" b="1" dirty="0" smtClean="0"/>
+              <a:t>Model </a:t>
+            </a:r>
+            <a:r>
+              <a:rPr lang="en-US" sz="3600" b="1" dirty="0"/>
+              <a:t>(Joe Model)</a:t>
+            </a:r>
+          </a:p>
+          <a:p>
+            <a:endParaRPr lang="en-CA" sz="3600" b="1" dirty="0"/>
+          </a:p>
+        </p:txBody>
+      </p:sp>
+      <p:sp>
+        <p:nvSpPr>
+          <p:cNvPr id="8" name="TextBox 7"/>
+          <p:cNvSpPr txBox="1"/>
+          <p:nvPr/>
+        </p:nvSpPr>
+        <p:spPr>
+          <a:xfrm>
+            <a:off x="198932" y="460829"/>
+            <a:ext cx="11393713" cy="954107"/>
+          </a:xfrm>
+          <a:prstGeom prst="rect">
+            <a:avLst/>
+          </a:prstGeom>
+          <a:noFill/>
+        </p:spPr>
+        <p:txBody>
+          <a:bodyPr wrap="square" rtlCol="0">
+            <a:spAutoFit/>
+          </a:bodyPr>
+          <a:lstStyle/>
+          <a:p>
+            <a:endParaRPr lang="en-US" sz="2800" b="1" dirty="0"/>
+          </a:p>
+          <a:p>
+            <a:r>
+              <a:rPr lang="en-CA" sz="2800" b="1" dirty="0" smtClean="0"/>
+              <a:t>Model workflow:</a:t>
+            </a:r>
+            <a:endParaRPr lang="en-CA" sz="2800" b="1" dirty="0"/>
+          </a:p>
+        </p:txBody>
+      </p:sp>
+      <p:sp>
+        <p:nvSpPr>
+          <p:cNvPr id="15" name="TextBox 14"/>
+          <p:cNvSpPr txBox="1"/>
+          <p:nvPr/>
+        </p:nvSpPr>
+        <p:spPr>
+          <a:xfrm>
+            <a:off x="198932" y="1399548"/>
+            <a:ext cx="3406702" cy="523220"/>
+          </a:xfrm>
+          <a:prstGeom prst="rect">
+            <a:avLst/>
+          </a:prstGeom>
+          <a:noFill/>
+        </p:spPr>
+        <p:txBody>
+          <a:bodyPr wrap="none" rtlCol="0">
+            <a:spAutoFit/>
+          </a:bodyPr>
+          <a:lstStyle/>
+          <a:p>
+            <a:r>
+              <a:rPr lang="en-CA" sz="2800" b="1" dirty="0" err="1" smtClean="0">
+                <a:latin typeface="Courier New" panose="02070309020205020404" pitchFamily="49" charset="0"/>
+                <a:cs typeface="Courier New" panose="02070309020205020404" pitchFamily="49" charset="0"/>
+              </a:rPr>
+              <a:t>Joe_functions.R</a:t>
+            </a:r>
+            <a:endParaRPr lang="en-US" sz="2800" b="1" dirty="0">
+              <a:latin typeface="Courier New" panose="02070309020205020404" pitchFamily="49" charset="0"/>
+              <a:cs typeface="Courier New" panose="02070309020205020404" pitchFamily="49" charset="0"/>
+            </a:endParaRPr>
+          </a:p>
+        </p:txBody>
+      </p:sp>
+      <p:sp>
+        <p:nvSpPr>
+          <p:cNvPr id="9" name="TextBox 8"/>
+          <p:cNvSpPr txBox="1"/>
+          <p:nvPr/>
+        </p:nvSpPr>
+        <p:spPr>
+          <a:xfrm>
+            <a:off x="4154192" y="876328"/>
+            <a:ext cx="5236506" cy="523220"/>
+          </a:xfrm>
+          <a:prstGeom prst="rect">
+            <a:avLst/>
+          </a:prstGeom>
+          <a:noFill/>
+        </p:spPr>
+        <p:txBody>
+          <a:bodyPr wrap="square" rtlCol="0">
+            <a:spAutoFit/>
+          </a:bodyPr>
+          <a:lstStyle/>
+          <a:p>
+            <a:r>
+              <a:rPr lang="en-CA" sz="2800" b="1" dirty="0" err="1" smtClean="0">
+                <a:latin typeface="Courier New" panose="02070309020205020404" pitchFamily="49" charset="0"/>
+                <a:cs typeface="Courier New" panose="02070309020205020404" pitchFamily="49" charset="0"/>
+              </a:rPr>
+              <a:t>sys.cap.func</a:t>
+            </a:r>
+            <a:endParaRPr lang="en-CA" sz="2800" b="1" dirty="0" smtClean="0">
+              <a:latin typeface="Courier New" panose="02070309020205020404" pitchFamily="49" charset="0"/>
+              <a:cs typeface="Courier New" panose="02070309020205020404" pitchFamily="49" charset="0"/>
+            </a:endParaRPr>
+          </a:p>
+        </p:txBody>
+      </p:sp>
+      <p:sp>
+        <p:nvSpPr>
+          <p:cNvPr id="7" name="TextBox 6"/>
+          <p:cNvSpPr txBox="1"/>
+          <p:nvPr/>
+        </p:nvSpPr>
+        <p:spPr>
+          <a:xfrm>
+            <a:off x="4697084" y="1652125"/>
+            <a:ext cx="6828151" cy="523220"/>
+          </a:xfrm>
+          <a:prstGeom prst="rect">
+            <a:avLst/>
+          </a:prstGeom>
+          <a:noFill/>
+        </p:spPr>
+        <p:txBody>
+          <a:bodyPr wrap="none" rtlCol="0">
+            <a:spAutoFit/>
+          </a:bodyPr>
+          <a:lstStyle/>
+          <a:p>
+            <a:pPr marL="285750" indent="-285750">
+              <a:buFont typeface="Arial" panose="020B0604020202020204" pitchFamily="34" charset="0"/>
+              <a:buChar char="•"/>
+            </a:pPr>
+            <a:r>
+              <a:rPr lang="en-CA" sz="2800" dirty="0" smtClean="0"/>
+              <a:t>Set random dose vector (length </a:t>
+            </a:r>
+            <a:r>
+              <a:rPr lang="en-CA" sz="2800" b="1" dirty="0" err="1" smtClean="0">
+                <a:latin typeface="Courier New" panose="02070309020205020404" pitchFamily="49" charset="0"/>
+                <a:cs typeface="Courier New" panose="02070309020205020404" pitchFamily="49" charset="0"/>
+              </a:rPr>
+              <a:t>MC.sims</a:t>
+            </a:r>
+            <a:r>
+              <a:rPr lang="en-CA" sz="2800" dirty="0" smtClean="0"/>
+              <a:t>) </a:t>
+            </a:r>
+            <a:endParaRPr lang="en-US" sz="2800" dirty="0"/>
+          </a:p>
+        </p:txBody>
+      </p:sp>
+      <p:sp>
+        <p:nvSpPr>
+          <p:cNvPr id="10" name="Right Arrow 9"/>
+          <p:cNvSpPr/>
+          <p:nvPr/>
+        </p:nvSpPr>
+        <p:spPr>
+          <a:xfrm rot="5400000">
+            <a:off x="7243908" y="2199765"/>
+            <a:ext cx="728663" cy="742950"/>
+          </a:xfrm>
+          <a:prstGeom prst="rightArrow">
+            <a:avLst/>
+          </a:prstGeom>
+          <a:solidFill>
+            <a:schemeClr val="tx1"/>
+          </a:solidFill>
+        </p:spPr>
+        <p:style>
+          <a:lnRef idx="2">
+            <a:schemeClr val="accent1">
+              <a:shade val="50000"/>
+            </a:schemeClr>
+          </a:lnRef>
+          <a:fillRef idx="1">
+            <a:schemeClr val="accent1"/>
+          </a:fillRef>
+          <a:effectRef idx="0">
+            <a:schemeClr val="accent1"/>
+          </a:effectRef>
+          <a:fontRef idx="minor">
+            <a:schemeClr val="lt1"/>
+          </a:fontRef>
+        </p:style>
+        <p:txBody>
+          <a:bodyPr rtlCol="0" anchor="ctr"/>
+          <a:lstStyle/>
+          <a:p>
+            <a:pPr algn="ctr"/>
+            <a:endParaRPr lang="en-US"/>
+          </a:p>
+        </p:txBody>
+      </p:sp>
+      <p:sp>
+        <p:nvSpPr>
+          <p:cNvPr id="11" name="TextBox 10"/>
+          <p:cNvSpPr txBox="1"/>
+          <p:nvPr/>
+        </p:nvSpPr>
+        <p:spPr>
+          <a:xfrm>
+            <a:off x="4672333" y="2967135"/>
+            <a:ext cx="6920312" cy="954107"/>
+          </a:xfrm>
+          <a:prstGeom prst="rect">
+            <a:avLst/>
+          </a:prstGeom>
+          <a:noFill/>
+        </p:spPr>
+        <p:txBody>
+          <a:bodyPr wrap="square" rtlCol="0">
+            <a:spAutoFit/>
+          </a:bodyPr>
+          <a:lstStyle/>
+          <a:p>
+            <a:pPr marL="285750" indent="-285750">
+              <a:buFont typeface="Arial" panose="020B0604020202020204" pitchFamily="34" charset="0"/>
+              <a:buChar char="•"/>
+            </a:pPr>
+            <a:r>
+              <a:rPr lang="en-CA" sz="2800" dirty="0" smtClean="0"/>
+              <a:t>Calculate a random system capacity for each random dose </a:t>
+            </a:r>
+          </a:p>
+        </p:txBody>
+      </p:sp>
+      <p:sp>
+        <p:nvSpPr>
+          <p:cNvPr id="12" name="Right Arrow 11"/>
+          <p:cNvSpPr/>
+          <p:nvPr/>
+        </p:nvSpPr>
+        <p:spPr>
+          <a:xfrm rot="5400000">
+            <a:off x="7096270" y="3977226"/>
+            <a:ext cx="728663" cy="742950"/>
+          </a:xfrm>
+          <a:prstGeom prst="rightArrow">
+            <a:avLst/>
+          </a:prstGeom>
+          <a:solidFill>
+            <a:schemeClr val="tx1"/>
+          </a:solidFill>
+        </p:spPr>
+        <p:style>
+          <a:lnRef idx="2">
+            <a:schemeClr val="accent1">
+              <a:shade val="50000"/>
+            </a:schemeClr>
+          </a:lnRef>
+          <a:fillRef idx="1">
+            <a:schemeClr val="accent1"/>
+          </a:fillRef>
+          <a:effectRef idx="0">
+            <a:schemeClr val="accent1"/>
+          </a:effectRef>
+          <a:fontRef idx="minor">
+            <a:schemeClr val="lt1"/>
+          </a:fontRef>
+        </p:style>
+        <p:txBody>
+          <a:bodyPr rtlCol="0" anchor="ctr"/>
+          <a:lstStyle/>
+          <a:p>
+            <a:pPr algn="ctr"/>
+            <a:endParaRPr lang="en-US"/>
+          </a:p>
+        </p:txBody>
+      </p:sp>
+      <p:sp>
+        <p:nvSpPr>
+          <p:cNvPr id="13" name="TextBox 12"/>
+          <p:cNvSpPr txBox="1"/>
+          <p:nvPr/>
+        </p:nvSpPr>
+        <p:spPr>
+          <a:xfrm>
+            <a:off x="4154191" y="4802892"/>
+            <a:ext cx="7661571" cy="1815882"/>
+          </a:xfrm>
+          <a:prstGeom prst="rect">
+            <a:avLst/>
+          </a:prstGeom>
+          <a:noFill/>
+        </p:spPr>
+        <p:txBody>
+          <a:bodyPr wrap="square" rtlCol="0">
+            <a:spAutoFit/>
+          </a:bodyPr>
+          <a:lstStyle/>
+          <a:p>
+            <a:pPr marL="285750" indent="-285750">
+              <a:buFont typeface="Arial" panose="020B0604020202020204" pitchFamily="34" charset="0"/>
+              <a:buChar char="•"/>
+            </a:pPr>
+            <a:r>
+              <a:rPr lang="en-CA" sz="2800" dirty="0" smtClean="0"/>
+              <a:t>Output system capacities and random doses</a:t>
+            </a:r>
+          </a:p>
+          <a:p>
+            <a:pPr marL="1200150" lvl="2" indent="-285750">
+              <a:buFont typeface="Arial" panose="020B0604020202020204" pitchFamily="34" charset="0"/>
+              <a:buChar char="•"/>
+            </a:pPr>
+            <a:r>
+              <a:rPr lang="en-CA" sz="2800" dirty="0" smtClean="0"/>
+              <a:t>Store output in arrays:</a:t>
+            </a:r>
+          </a:p>
+          <a:p>
+            <a:pPr marL="1657350" lvl="3" indent="-285750">
+              <a:buFont typeface="Arial" panose="020B0604020202020204" pitchFamily="34" charset="0"/>
+              <a:buChar char="•"/>
+            </a:pPr>
+            <a:r>
+              <a:rPr lang="en-CA" sz="2800" b="1" dirty="0" err="1" smtClean="0">
+                <a:latin typeface="Courier New" panose="02070309020205020404" pitchFamily="49" charset="0"/>
+                <a:cs typeface="Courier New" panose="02070309020205020404" pitchFamily="49" charset="0"/>
+              </a:rPr>
+              <a:t>sys.capacity</a:t>
+            </a:r>
+            <a:r>
+              <a:rPr lang="en-CA" sz="2800" b="1" dirty="0" smtClean="0">
+                <a:latin typeface="Courier New" panose="02070309020205020404" pitchFamily="49" charset="0"/>
+                <a:cs typeface="Courier New" panose="02070309020205020404" pitchFamily="49" charset="0"/>
+              </a:rPr>
+              <a:t>, </a:t>
+            </a:r>
+            <a:r>
+              <a:rPr lang="en-CA" sz="2800" b="1" dirty="0" err="1" smtClean="0">
+                <a:latin typeface="Courier New" panose="02070309020205020404" pitchFamily="49" charset="0"/>
+                <a:cs typeface="Courier New" panose="02070309020205020404" pitchFamily="49" charset="0"/>
+              </a:rPr>
+              <a:t>dose.values</a:t>
+            </a:r>
+            <a:r>
+              <a:rPr lang="en-CA" sz="2800" b="1" dirty="0" smtClean="0">
+                <a:latin typeface="Courier New" panose="02070309020205020404" pitchFamily="49" charset="0"/>
+                <a:cs typeface="Courier New" panose="02070309020205020404" pitchFamily="49" charset="0"/>
+              </a:rPr>
+              <a:t> and </a:t>
+            </a:r>
+            <a:r>
+              <a:rPr lang="en-CA" sz="2800" b="1" dirty="0" err="1" smtClean="0">
+                <a:latin typeface="Courier New" panose="02070309020205020404" pitchFamily="49" charset="0"/>
+                <a:cs typeface="Courier New" panose="02070309020205020404" pitchFamily="49" charset="0"/>
+              </a:rPr>
+              <a:t>dose.values.list</a:t>
+            </a:r>
+            <a:endParaRPr lang="en-CA" sz="2800" b="1" dirty="0" smtClean="0">
+              <a:latin typeface="Courier New" panose="02070309020205020404" pitchFamily="49" charset="0"/>
+              <a:cs typeface="Courier New" panose="02070309020205020404" pitchFamily="49" charset="0"/>
+            </a:endParaRPr>
+          </a:p>
+        </p:txBody>
+      </p:sp>
+    </p:spTree>
+    <p:extLst>
+      <p:ext uri="{BB962C8B-B14F-4D97-AF65-F5344CB8AC3E}">
+        <p14:creationId xmlns:p14="http://schemas.microsoft.com/office/powerpoint/2010/main" val="619453785"/>
+      </p:ext>
+    </p:extLst>
+  </p:cSld>
+  <p:clrMapOvr>
+    <a:masterClrMapping/>
+  </p:clrMapOvr>
+  <p:timing>
+    <p:tnLst>
+      <p:par>
+        <p:cTn id="1" dur="indefinite" restart="never" nodeType="tmRoot">
+          <p:childTnLst>
+            <p:seq concurrent="1" nextAc="seek">
+              <p:cTn id="2" dur="indefinite" nodeType="mainSeq">
+                <p:childTnLst>
+                  <p:par>
+                    <p:cTn id="3" fill="hold">
+                      <p:stCondLst>
+                        <p:cond delay="indefinite"/>
+                        <p:cond evt="onBegin" delay="0">
+                          <p:tn val="2"/>
+                        </p:cond>
+                      </p:stCondLst>
+                      <p:childTnLst>
+                        <p:par>
+                          <p:cTn id="4" fill="hold">
+                            <p:stCondLst>
+                              <p:cond delay="0"/>
+                            </p:stCondLst>
+                            <p:childTnLst>
+                              <p:par>
+                                <p:cTn id="5" presetID="1" presetClass="entr" presetSubtype="0" fill="hold" grpId="0" nodeType="withEffect">
+                                  <p:stCondLst>
+                                    <p:cond delay="0"/>
+                                  </p:stCondLst>
+                                  <p:childTnLst>
+                                    <p:set>
+                                      <p:cBhvr>
+                                        <p:cTn id="6" dur="1" fill="hold">
+                                          <p:stCondLst>
+                                            <p:cond delay="0"/>
+                                          </p:stCondLst>
+                                        </p:cTn>
+                                        <p:tgtEl>
+                                          <p:spTgt spid="10"/>
+                                        </p:tgtEl>
+                                        <p:attrNameLst>
+                                          <p:attrName>style.visibility</p:attrName>
+                                        </p:attrNameLst>
+                                      </p:cBhvr>
+                                      <p:to>
+                                        <p:strVal val="visible"/>
+                                      </p:to>
+                                    </p:set>
+                                  </p:childTnLst>
+                                </p:cTn>
+                              </p:par>
+                              <p:par>
+                                <p:cTn id="7" presetID="1" presetClass="entr" presetSubtype="0" fill="hold" grpId="0" nodeType="withEffect">
+                                  <p:stCondLst>
+                                    <p:cond delay="0"/>
+                                  </p:stCondLst>
+                                  <p:childTnLst>
+                                    <p:set>
+                                      <p:cBhvr>
+                                        <p:cTn id="8" dur="1" fill="hold">
+                                          <p:stCondLst>
+                                            <p:cond delay="0"/>
+                                          </p:stCondLst>
+                                        </p:cTn>
+                                        <p:tgtEl>
+                                          <p:spTgt spid="12"/>
+                                        </p:tgtEl>
+                                        <p:attrNameLst>
+                                          <p:attrName>style.visibility</p:attrName>
+                                        </p:attrNameLst>
+                                      </p:cBhvr>
+                                      <p:to>
+                                        <p:strVal val="visible"/>
+                                      </p:to>
+                                    </p:set>
+                                  </p:childTnLst>
+                                </p:cTn>
+                              </p:par>
+                            </p:childTnLst>
+                          </p:cTn>
+                        </p:par>
+                      </p:childTnLst>
+                    </p:cTn>
+                  </p:par>
+                </p:childTnLst>
+              </p:cTn>
+              <p:prevCondLst>
+                <p:cond evt="onPrev" delay="0">
+                  <p:tgtEl>
+                    <p:sldTgt/>
+                  </p:tgtEl>
+                </p:cond>
+              </p:prevCondLst>
+              <p:nextCondLst>
+                <p:cond evt="onNext" delay="0">
+                  <p:tgtEl>
+                    <p:sldTgt/>
+                  </p:tgtEl>
+                </p:cond>
+              </p:nextCondLst>
+            </p:seq>
+          </p:childTnLst>
+        </p:cTn>
+      </p:par>
+    </p:tnLst>
+    <p:bldLst>
+      <p:bldP spid="10" grpId="0" animBg="1"/>
+      <p:bldP spid="12" grpId="0" animBg="1"/>
+    </p:bldLst>
+  </p:timing>
+</p:sld>
+</file>
+
+<file path=ppt/slides/slide24.xml><?xml version="1.0" encoding="utf-8"?>
+<p:sld xmlns:a="http://schemas.openxmlformats.org/drawingml/2006/main" xmlns:r="http://schemas.openxmlformats.org/officeDocument/2006/relationships" xmlns:p="http://schemas.openxmlformats.org/presentationml/2006/main">
+  <p:cSld>
+    <p:spTree>
+      <p:nvGrpSpPr>
+        <p:cNvPr id="1" name=""/>
+        <p:cNvGrpSpPr/>
+        <p:nvPr/>
+      </p:nvGrpSpPr>
+      <p:grpSpPr>
+        <a:xfrm>
+          <a:off x="0" y="0"/>
+          <a:ext cx="0" cy="0"/>
+          <a:chOff x="0" y="0"/>
+          <a:chExt cx="0" cy="0"/>
+        </a:xfrm>
+      </p:grpSpPr>
+      <p:sp>
+        <p:nvSpPr>
+          <p:cNvPr id="4" name="TextBox 3"/>
+          <p:cNvSpPr txBox="1"/>
+          <p:nvPr/>
+        </p:nvSpPr>
+        <p:spPr>
+          <a:xfrm>
+            <a:off x="198932" y="162124"/>
+            <a:ext cx="8983613" cy="1200329"/>
+          </a:xfrm>
+          <a:prstGeom prst="rect">
+            <a:avLst/>
+          </a:prstGeom>
+          <a:noFill/>
+        </p:spPr>
+        <p:txBody>
+          <a:bodyPr wrap="none" rtlCol="0">
+            <a:spAutoFit/>
+          </a:bodyPr>
+          <a:lstStyle/>
+          <a:p>
+            <a:r>
+              <a:rPr lang="en-US" sz="3600" b="1" dirty="0"/>
+              <a:t>Alberta Cumulative Effects </a:t>
+            </a:r>
+            <a:r>
+              <a:rPr lang="en-US" sz="3600" b="1" dirty="0" smtClean="0"/>
+              <a:t>Model </a:t>
+            </a:r>
+            <a:r>
+              <a:rPr lang="en-US" sz="3600" b="1" dirty="0"/>
+              <a:t>(Joe Model)</a:t>
+            </a:r>
+          </a:p>
+          <a:p>
+            <a:endParaRPr lang="en-CA" sz="3600" b="1" dirty="0"/>
+          </a:p>
+        </p:txBody>
+      </p:sp>
+      <p:sp>
+        <p:nvSpPr>
+          <p:cNvPr id="8" name="TextBox 7"/>
+          <p:cNvSpPr txBox="1"/>
+          <p:nvPr/>
+        </p:nvSpPr>
+        <p:spPr>
+          <a:xfrm>
+            <a:off x="198932" y="460829"/>
+            <a:ext cx="11393713" cy="954107"/>
+          </a:xfrm>
+          <a:prstGeom prst="rect">
+            <a:avLst/>
+          </a:prstGeom>
+          <a:noFill/>
+        </p:spPr>
+        <p:txBody>
+          <a:bodyPr wrap="square" rtlCol="0">
+            <a:spAutoFit/>
+          </a:bodyPr>
+          <a:lstStyle/>
+          <a:p>
+            <a:endParaRPr lang="en-US" sz="2800" b="1" dirty="0"/>
+          </a:p>
+          <a:p>
+            <a:r>
+              <a:rPr lang="en-CA" sz="2800" b="1" dirty="0" smtClean="0"/>
+              <a:t>Model workflow:</a:t>
+            </a:r>
+            <a:endParaRPr lang="en-CA" sz="2800" b="1" dirty="0"/>
+          </a:p>
+        </p:txBody>
+      </p:sp>
+      <p:sp>
+        <p:nvSpPr>
+          <p:cNvPr id="15" name="TextBox 14"/>
+          <p:cNvSpPr txBox="1"/>
+          <p:nvPr/>
+        </p:nvSpPr>
+        <p:spPr>
+          <a:xfrm>
+            <a:off x="198932" y="1399548"/>
+            <a:ext cx="2547492" cy="523220"/>
+          </a:xfrm>
+          <a:prstGeom prst="rect">
+            <a:avLst/>
+          </a:prstGeom>
+          <a:noFill/>
+        </p:spPr>
+        <p:txBody>
+          <a:bodyPr wrap="none" rtlCol="0">
+            <a:spAutoFit/>
+          </a:bodyPr>
+          <a:lstStyle/>
+          <a:p>
+            <a:r>
+              <a:rPr lang="en-CA" sz="2800" b="1" dirty="0" err="1" smtClean="0">
+                <a:latin typeface="Courier New" panose="02070309020205020404" pitchFamily="49" charset="0"/>
+                <a:cs typeface="Courier New" panose="02070309020205020404" pitchFamily="49" charset="0"/>
+              </a:rPr>
+              <a:t>Joe_model.R</a:t>
+            </a:r>
+            <a:endParaRPr lang="en-US" sz="2800" b="1" dirty="0">
+              <a:latin typeface="Courier New" panose="02070309020205020404" pitchFamily="49" charset="0"/>
+              <a:cs typeface="Courier New" panose="02070309020205020404" pitchFamily="49" charset="0"/>
+            </a:endParaRPr>
+          </a:p>
+        </p:txBody>
+      </p:sp>
+      <p:sp>
+        <p:nvSpPr>
+          <p:cNvPr id="7" name="TextBox 6"/>
+          <p:cNvSpPr txBox="1"/>
+          <p:nvPr/>
+        </p:nvSpPr>
+        <p:spPr>
+          <a:xfrm>
+            <a:off x="4063356" y="949616"/>
+            <a:ext cx="7776715" cy="1815882"/>
+          </a:xfrm>
+          <a:prstGeom prst="rect">
+            <a:avLst/>
+          </a:prstGeom>
+          <a:noFill/>
+        </p:spPr>
+        <p:txBody>
+          <a:bodyPr wrap="square" rtlCol="0">
+            <a:spAutoFit/>
+          </a:bodyPr>
+          <a:lstStyle/>
+          <a:p>
+            <a:pPr marL="285750" indent="-285750">
+              <a:buFont typeface="Arial" panose="020B0604020202020204" pitchFamily="34" charset="0"/>
+              <a:buChar char="•"/>
+            </a:pPr>
+            <a:r>
+              <a:rPr lang="en-CA" sz="2800" dirty="0" smtClean="0"/>
+              <a:t>System capacity for each stressor </a:t>
+            </a:r>
+          </a:p>
+          <a:p>
+            <a:pPr marL="285750" indent="-285750">
+              <a:buFont typeface="Arial" panose="020B0604020202020204" pitchFamily="34" charset="0"/>
+              <a:buChar char="•"/>
+            </a:pPr>
+            <a:r>
+              <a:rPr lang="en-CA" sz="2800" dirty="0" smtClean="0">
+                <a:cs typeface="Courier New" panose="02070309020205020404" pitchFamily="49" charset="0"/>
+              </a:rPr>
+              <a:t>And, each spatial unit</a:t>
+            </a:r>
+          </a:p>
+          <a:p>
+            <a:pPr marL="285750" indent="-285750">
+              <a:buFont typeface="Arial" panose="020B0604020202020204" pitchFamily="34" charset="0"/>
+              <a:buChar char="•"/>
+            </a:pPr>
+            <a:r>
+              <a:rPr lang="en-CA" sz="2800" b="1" dirty="0" err="1" smtClean="0">
+                <a:latin typeface="Courier New" panose="02070309020205020404" pitchFamily="49" charset="0"/>
+                <a:cs typeface="Courier New" panose="02070309020205020404" pitchFamily="49" charset="0"/>
+              </a:rPr>
+              <a:t>sys.capacity</a:t>
+            </a:r>
+            <a:endParaRPr lang="en-CA" sz="2800" b="1" dirty="0">
+              <a:latin typeface="Courier New" panose="02070309020205020404" pitchFamily="49" charset="0"/>
+              <a:cs typeface="Courier New" panose="02070309020205020404" pitchFamily="49" charset="0"/>
+            </a:endParaRPr>
+          </a:p>
+          <a:p>
+            <a:pPr marL="285750" indent="-285750">
+              <a:buFont typeface="Arial" panose="020B0604020202020204" pitchFamily="34" charset="0"/>
+              <a:buChar char="•"/>
+            </a:pPr>
+            <a:endParaRPr lang="en-US" sz="2800" dirty="0"/>
+          </a:p>
+        </p:txBody>
+      </p:sp>
+      <p:sp>
+        <p:nvSpPr>
+          <p:cNvPr id="10" name="Right Arrow 9"/>
+          <p:cNvSpPr/>
+          <p:nvPr/>
+        </p:nvSpPr>
+        <p:spPr>
+          <a:xfrm rot="5400000">
+            <a:off x="7315630" y="2316147"/>
+            <a:ext cx="728663" cy="742950"/>
+          </a:xfrm>
+          <a:prstGeom prst="rightArrow">
+            <a:avLst/>
+          </a:prstGeom>
+          <a:solidFill>
+            <a:schemeClr val="tx1"/>
+          </a:solidFill>
+        </p:spPr>
+        <p:style>
+          <a:lnRef idx="2">
+            <a:schemeClr val="accent1">
+              <a:shade val="50000"/>
+            </a:schemeClr>
+          </a:lnRef>
+          <a:fillRef idx="1">
+            <a:schemeClr val="accent1"/>
+          </a:fillRef>
+          <a:effectRef idx="0">
+            <a:schemeClr val="accent1"/>
+          </a:effectRef>
+          <a:fontRef idx="minor">
+            <a:schemeClr val="lt1"/>
+          </a:fontRef>
+        </p:style>
+        <p:txBody>
+          <a:bodyPr rtlCol="0" anchor="ctr"/>
+          <a:lstStyle/>
+          <a:p>
+            <a:pPr algn="ctr"/>
+            <a:endParaRPr lang="en-US"/>
+          </a:p>
+        </p:txBody>
+      </p:sp>
+      <p:sp>
+        <p:nvSpPr>
+          <p:cNvPr id="11" name="TextBox 10"/>
+          <p:cNvSpPr txBox="1"/>
+          <p:nvPr/>
+        </p:nvSpPr>
+        <p:spPr>
+          <a:xfrm>
+            <a:off x="4063356" y="3032522"/>
+            <a:ext cx="6920312" cy="2677656"/>
+          </a:xfrm>
+          <a:prstGeom prst="rect">
+            <a:avLst/>
+          </a:prstGeom>
+          <a:noFill/>
+        </p:spPr>
+        <p:txBody>
+          <a:bodyPr wrap="square" rtlCol="0">
+            <a:spAutoFit/>
+          </a:bodyPr>
+          <a:lstStyle/>
+          <a:p>
+            <a:pPr marL="285750" indent="-285750">
+              <a:buFont typeface="Arial" panose="020B0604020202020204" pitchFamily="34" charset="0"/>
+              <a:buChar char="•"/>
+            </a:pPr>
+            <a:r>
+              <a:rPr lang="en-CA" sz="2800" dirty="0" smtClean="0"/>
+              <a:t>Combine into a cumulative system capacity for each spatial unit</a:t>
+            </a:r>
+          </a:p>
+          <a:p>
+            <a:pPr marL="285750" indent="-285750">
+              <a:buFont typeface="Arial" panose="020B0604020202020204" pitchFamily="34" charset="0"/>
+              <a:buChar char="•"/>
+            </a:pPr>
+            <a:r>
+              <a:rPr lang="en-CA" sz="2800" dirty="0" smtClean="0"/>
+              <a:t>Call </a:t>
+            </a:r>
+            <a:r>
+              <a:rPr lang="en-CA" sz="2800" b="1" dirty="0" err="1" smtClean="0">
+                <a:latin typeface="Courier New" panose="02070309020205020404" pitchFamily="49" charset="0"/>
+                <a:cs typeface="Courier New" panose="02070309020205020404" pitchFamily="49" charset="0"/>
+              </a:rPr>
+              <a:t>ce_func</a:t>
+            </a:r>
+            <a:endParaRPr lang="en-CA" sz="2800" b="1" dirty="0" smtClean="0">
+              <a:latin typeface="Courier New" panose="02070309020205020404" pitchFamily="49" charset="0"/>
+              <a:cs typeface="Courier New" panose="02070309020205020404" pitchFamily="49" charset="0"/>
+            </a:endParaRPr>
+          </a:p>
+          <a:p>
+            <a:pPr marL="742950" lvl="1" indent="-285750">
+              <a:buFont typeface="Arial" panose="020B0604020202020204" pitchFamily="34" charset="0"/>
+              <a:buChar char="•"/>
+            </a:pPr>
+            <a:r>
+              <a:rPr lang="en-CA" sz="2800" dirty="0" smtClean="0">
+                <a:cs typeface="Courier New" panose="02070309020205020404" pitchFamily="49" charset="0"/>
+              </a:rPr>
+              <a:t>this function accounts for minimum interaction</a:t>
+            </a:r>
+          </a:p>
+          <a:p>
+            <a:pPr marL="285750" indent="-285750">
+              <a:buFont typeface="Arial" panose="020B0604020202020204" pitchFamily="34" charset="0"/>
+              <a:buChar char="•"/>
+            </a:pPr>
+            <a:endParaRPr lang="en-CA" sz="2800" dirty="0" smtClean="0"/>
+          </a:p>
+        </p:txBody>
+      </p:sp>
+      <p:sp>
+        <p:nvSpPr>
+          <p:cNvPr id="12" name="Right Arrow 11"/>
+          <p:cNvSpPr/>
+          <p:nvPr/>
+        </p:nvSpPr>
+        <p:spPr>
+          <a:xfrm rot="5400000">
+            <a:off x="7215906" y="5218993"/>
+            <a:ext cx="728663" cy="742950"/>
+          </a:xfrm>
+          <a:prstGeom prst="rightArrow">
+            <a:avLst/>
+          </a:prstGeom>
+          <a:solidFill>
+            <a:schemeClr val="tx1"/>
+          </a:solidFill>
+        </p:spPr>
+        <p:style>
+          <a:lnRef idx="2">
+            <a:schemeClr val="accent1">
+              <a:shade val="50000"/>
+            </a:schemeClr>
+          </a:lnRef>
+          <a:fillRef idx="1">
+            <a:schemeClr val="accent1"/>
+          </a:fillRef>
+          <a:effectRef idx="0">
+            <a:schemeClr val="accent1"/>
+          </a:effectRef>
+          <a:fontRef idx="minor">
+            <a:schemeClr val="lt1"/>
+          </a:fontRef>
+        </p:style>
+        <p:txBody>
+          <a:bodyPr rtlCol="0" anchor="ctr"/>
+          <a:lstStyle/>
+          <a:p>
+            <a:pPr algn="ctr"/>
+            <a:endParaRPr lang="en-US"/>
+          </a:p>
+        </p:txBody>
+      </p:sp>
+      <p:sp>
+        <p:nvSpPr>
+          <p:cNvPr id="13" name="TextBox 12"/>
+          <p:cNvSpPr txBox="1"/>
+          <p:nvPr/>
+        </p:nvSpPr>
+        <p:spPr>
+          <a:xfrm>
+            <a:off x="4219806" y="6046201"/>
+            <a:ext cx="6920312" cy="523220"/>
+          </a:xfrm>
+          <a:prstGeom prst="rect">
+            <a:avLst/>
+          </a:prstGeom>
+          <a:noFill/>
+        </p:spPr>
+        <p:txBody>
+          <a:bodyPr wrap="square" rtlCol="0">
+            <a:spAutoFit/>
+          </a:bodyPr>
+          <a:lstStyle/>
+          <a:p>
+            <a:pPr marL="285750" indent="-285750">
+              <a:buFont typeface="Arial" panose="020B0604020202020204" pitchFamily="34" charset="0"/>
+              <a:buChar char="•"/>
+            </a:pPr>
+            <a:r>
+              <a:rPr lang="en-CA" sz="2800" dirty="0" smtClean="0"/>
+              <a:t>Output stored in </a:t>
+            </a:r>
+            <a:r>
+              <a:rPr lang="en-CA" sz="2800" b="1" dirty="0" err="1" smtClean="0">
+                <a:latin typeface="Courier New" panose="02070309020205020404" pitchFamily="49" charset="0"/>
+                <a:cs typeface="Courier New" panose="02070309020205020404" pitchFamily="49" charset="0"/>
+              </a:rPr>
+              <a:t>ce.df</a:t>
+            </a:r>
+            <a:endParaRPr lang="en-CA" sz="2800" b="1" dirty="0" smtClean="0">
+              <a:latin typeface="Courier New" panose="02070309020205020404" pitchFamily="49" charset="0"/>
+              <a:cs typeface="Courier New" panose="02070309020205020404" pitchFamily="49" charset="0"/>
+            </a:endParaRPr>
+          </a:p>
+        </p:txBody>
+      </p:sp>
+    </p:spTree>
+    <p:extLst>
+      <p:ext uri="{BB962C8B-B14F-4D97-AF65-F5344CB8AC3E}">
+        <p14:creationId xmlns:p14="http://schemas.microsoft.com/office/powerpoint/2010/main" val="1599734154"/>
+      </p:ext>
+    </p:extLst>
+  </p:cSld>
+  <p:clrMapOvr>
+    <a:masterClrMapping/>
+  </p:clrMapOvr>
+  <p:timing>
+    <p:tnLst>
+      <p:par>
+        <p:cTn id="1" dur="indefinite" restart="never" nodeType="tmRoot">
+          <p:childTnLst>
+            <p:seq concurrent="1" nextAc="seek">
+              <p:cTn id="2" dur="indefinite" nodeType="mainSeq">
+                <p:childTnLst>
+                  <p:par>
+                    <p:cTn id="3" fill="hold">
+                      <p:stCondLst>
+                        <p:cond delay="indefinite"/>
+                        <p:cond evt="onBegin" delay="0">
+                          <p:tn val="2"/>
+                        </p:cond>
+                      </p:stCondLst>
+                      <p:childTnLst>
+                        <p:par>
+                          <p:cTn id="4" fill="hold">
+                            <p:stCondLst>
+                              <p:cond delay="0"/>
+                            </p:stCondLst>
+                            <p:childTnLst>
+                              <p:par>
+                                <p:cTn id="5" presetID="1" presetClass="entr" presetSubtype="0" fill="hold" grpId="0" nodeType="withEffect">
+                                  <p:stCondLst>
+                                    <p:cond delay="0"/>
+                                  </p:stCondLst>
+                                  <p:childTnLst>
+                                    <p:set>
+                                      <p:cBhvr>
+                                        <p:cTn id="6" dur="1" fill="hold">
+                                          <p:stCondLst>
+                                            <p:cond delay="0"/>
+                                          </p:stCondLst>
+                                        </p:cTn>
+                                        <p:tgtEl>
+                                          <p:spTgt spid="10"/>
+                                        </p:tgtEl>
+                                        <p:attrNameLst>
+                                          <p:attrName>style.visibility</p:attrName>
+                                        </p:attrNameLst>
+                                      </p:cBhvr>
+                                      <p:to>
+                                        <p:strVal val="visible"/>
+                                      </p:to>
+                                    </p:set>
+                                  </p:childTnLst>
+                                </p:cTn>
+                              </p:par>
+                              <p:par>
+                                <p:cTn id="7" presetID="1" presetClass="entr" presetSubtype="0" fill="hold" grpId="0" nodeType="withEffect">
+                                  <p:stCondLst>
+                                    <p:cond delay="0"/>
+                                  </p:stCondLst>
+                                  <p:childTnLst>
+                                    <p:set>
+                                      <p:cBhvr>
+                                        <p:cTn id="8" dur="1" fill="hold">
+                                          <p:stCondLst>
+                                            <p:cond delay="0"/>
+                                          </p:stCondLst>
+                                        </p:cTn>
+                                        <p:tgtEl>
+                                          <p:spTgt spid="12"/>
+                                        </p:tgtEl>
+                                        <p:attrNameLst>
+                                          <p:attrName>style.visibility</p:attrName>
+                                        </p:attrNameLst>
+                                      </p:cBhvr>
+                                      <p:to>
+                                        <p:strVal val="visible"/>
+                                      </p:to>
+                                    </p:set>
+                                  </p:childTnLst>
+                                </p:cTn>
+                              </p:par>
+                            </p:childTnLst>
+                          </p:cTn>
+                        </p:par>
+                      </p:childTnLst>
+                    </p:cTn>
+                  </p:par>
+                </p:childTnLst>
+              </p:cTn>
+              <p:prevCondLst>
+                <p:cond evt="onPrev" delay="0">
+                  <p:tgtEl>
+                    <p:sldTgt/>
+                  </p:tgtEl>
+                </p:cond>
+              </p:prevCondLst>
+              <p:nextCondLst>
+                <p:cond evt="onNext" delay="0">
+                  <p:tgtEl>
+                    <p:sldTgt/>
+                  </p:tgtEl>
+                </p:cond>
+              </p:nextCondLst>
+            </p:seq>
+          </p:childTnLst>
+        </p:cTn>
+      </p:par>
+    </p:tnLst>
+    <p:bldLst>
+      <p:bldP spid="10" grpId="0" animBg="1"/>
+      <p:bldP spid="12" grpId="0" animBg="1"/>
+    </p:bldLst>
   </p:timing>
 </p:sld>
 </file>
@@ -6849,8 +11916,8 @@
           </a:p>
         </p:txBody>
       </p:sp>
-      <mc:AlternateContent xmlns:mc="http://schemas.openxmlformats.org/markup-compatibility/2006">
-        <mc:Choice xmlns:a14="http://schemas.microsoft.com/office/drawing/2010/main" Requires="a14">
+      <mc:AlternateContent xmlns:mc="http://schemas.openxmlformats.org/markup-compatibility/2006" xmlns:a14="http://schemas.microsoft.com/office/drawing/2010/main">
+        <mc:Choice Requires="a14">
           <p:sp>
             <p:nvSpPr>
               <p:cNvPr id="11" name="TextBox 10"/>
@@ -7042,7 +12109,7 @@
             </p:txBody>
           </p:sp>
         </mc:Choice>
-        <mc:Fallback>
+        <mc:Fallback xmlns="">
           <p:sp>
             <p:nvSpPr>
               <p:cNvPr id="11" name="TextBox 10"/>
@@ -7403,8 +12470,8 @@
           </p:sp>
         </mc:Fallback>
       </mc:AlternateContent>
-      <mc:AlternateContent xmlns:mc="http://schemas.openxmlformats.org/markup-compatibility/2006">
-        <mc:Choice xmlns:a14="http://schemas.microsoft.com/office/drawing/2010/main" Requires="a14">
+      <mc:AlternateContent xmlns:mc="http://schemas.openxmlformats.org/markup-compatibility/2006" xmlns:a14="http://schemas.microsoft.com/office/drawing/2010/main">
+        <mc:Choice Requires="a14">
           <p:sp>
             <p:nvSpPr>
               <p:cNvPr id="8" name="TextBox 7"/>
@@ -7498,7 +12565,7 @@
             </p:txBody>
           </p:sp>
         </mc:Choice>
-        <mc:Fallback>
+        <mc:Fallback xmlns="">
           <p:sp>
             <p:nvSpPr>
               <p:cNvPr id="8" name="TextBox 7"/>
@@ -8324,8 +13391,8 @@
           </p:sp>
         </mc:Fallback>
       </mc:AlternateContent>
-      <mc:AlternateContent xmlns:mc="http://schemas.openxmlformats.org/markup-compatibility/2006">
-        <mc:Choice xmlns:a14="http://schemas.microsoft.com/office/drawing/2010/main" Requires="a14">
+      <mc:AlternateContent xmlns:mc="http://schemas.openxmlformats.org/markup-compatibility/2006" xmlns:a14="http://schemas.microsoft.com/office/drawing/2010/main">
+        <mc:Choice Requires="a14">
           <p:sp>
             <p:nvSpPr>
               <p:cNvPr id="10" name="TextBox 9"/>
@@ -8517,7 +13584,7 @@
             </p:txBody>
           </p:sp>
         </mc:Choice>
-        <mc:Fallback>
+        <mc:Fallback xmlns="">
           <p:sp>
             <p:nvSpPr>
               <p:cNvPr id="10" name="TextBox 9"/>
@@ -9281,8 +14348,8 @@
           </p:sp>
         </mc:Fallback>
       </mc:AlternateContent>
-      <mc:AlternateContent xmlns:mc="http://schemas.openxmlformats.org/markup-compatibility/2006">
-        <mc:Choice xmlns:a14="http://schemas.microsoft.com/office/drawing/2010/main" Requires="a14">
+      <mc:AlternateContent xmlns:mc="http://schemas.openxmlformats.org/markup-compatibility/2006" xmlns:a14="http://schemas.microsoft.com/office/drawing/2010/main">
+        <mc:Choice Requires="a14">
           <p:sp>
             <p:nvSpPr>
               <p:cNvPr id="10" name="TextBox 9"/>
@@ -9474,7 +14541,7 @@
             </p:txBody>
           </p:sp>
         </mc:Choice>
-        <mc:Fallback>
+        <mc:Fallback xmlns="">
           <p:sp>
             <p:nvSpPr>
               <p:cNvPr id="10" name="TextBox 9"/>
@@ -9953,8 +15020,8 @@
           </a:p>
         </p:txBody>
       </p:sp>
-      <mc:AlternateContent xmlns:mc="http://schemas.openxmlformats.org/markup-compatibility/2006">
-        <mc:Choice xmlns:a14="http://schemas.microsoft.com/office/drawing/2010/main" Requires="a14">
+      <mc:AlternateContent xmlns:mc="http://schemas.openxmlformats.org/markup-compatibility/2006" xmlns:a14="http://schemas.microsoft.com/office/drawing/2010/main">
+        <mc:Choice Requires="a14">
           <p:sp>
             <p:nvSpPr>
               <p:cNvPr id="7" name="TextBox 6"/>
@@ -10146,7 +15213,7 @@
             </p:txBody>
           </p:sp>
         </mc:Choice>
-        <mc:Fallback>
+        <mc:Fallback xmlns="">
           <p:sp>
             <p:nvSpPr>
               <p:cNvPr id="7" name="TextBox 6"/>
@@ -10789,8 +15856,8 @@
           </p:sp>
         </mc:Fallback>
       </mc:AlternateContent>
-      <mc:AlternateContent xmlns:mc="http://schemas.openxmlformats.org/markup-compatibility/2006">
-        <mc:Choice xmlns:a14="http://schemas.microsoft.com/office/drawing/2010/main" Requires="a14">
+      <mc:AlternateContent xmlns:mc="http://schemas.openxmlformats.org/markup-compatibility/2006" xmlns:a14="http://schemas.microsoft.com/office/drawing/2010/main">
+        <mc:Choice Requires="a14">
           <p:sp>
             <p:nvSpPr>
               <p:cNvPr id="10" name="TextBox 9"/>
@@ -10982,7 +16049,7 @@
             </p:txBody>
           </p:sp>
         </mc:Choice>
-        <mc:Fallback>
+        <mc:Fallback xmlns="">
           <p:sp>
             <p:nvSpPr>
               <p:cNvPr id="10" name="TextBox 9"/>
@@ -11400,13 +16467,8 @@
             </a:r>
             <a:r>
               <a:rPr lang="en-CA" sz="3600" dirty="0" smtClean="0"/>
-              <a:t>between system capacity and each </a:t>
-            </a:r>
-            <a:r>
-              <a:rPr lang="en-CA" sz="3600" dirty="0" smtClean="0"/>
-              <a:t>stressor plus the stressor magnitude</a:t>
-            </a:r>
-            <a:endParaRPr lang="en-CA" sz="3600" dirty="0" smtClean="0"/>
+              <a:t>between system capacity and each stressor plus the stressor magnitude</a:t>
+            </a:r>
           </a:p>
         </p:txBody>
       </p:sp>
